--- a/Componentes-teoricos/Slide móvil sesión 13 semana 5 .pptx
+++ b/Componentes-teoricos/Slide móvil sesión 13 semana 5 .pptx
@@ -267,7 +267,7 @@
       </p15:sldGuideLst>
     </p:ext>
     <p:ext uri="http://customooxmlschemas.google.com/">
-      <go:slidesCustomData xmlns:go="http://customooxmlschemas.google.com/" r:id="rId17" roundtripDataSignature="AMtx7mikelXjMFTvHkut97UuaiRQ092IcA=="/>
+      <go:slidesCustomData xmlns:go="http://customooxmlschemas.google.com/" r:id="rId17" roundtripDataSignature="AMtx7miS67PjpUbUWSC3DqINGu3zVVqYOA=="/>
     </p:ext>
   </p:extLst>
 </p:presentation>
@@ -956,7 +956,7 @@
   <p:cSld>
     <p:spTree>
       <p:nvGrpSpPr>
-        <p:cNvPr id="195" name="Shape 195"/>
+        <p:cNvPr id="197" name="Shape 197"/>
         <p:cNvGrpSpPr/>
         <p:nvPr/>
       </p:nvGrpSpPr>
@@ -970,7 +970,7 @@
       </p:grpSpPr>
       <p:sp>
         <p:nvSpPr>
-          <p:cNvPr id="196" name="Google Shape;196;gf246151368_0_0:notes"/>
+          <p:cNvPr id="198" name="Google Shape;198;gf246151368_0_0:notes"/>
           <p:cNvSpPr txBox="1"/>
           <p:nvPr>
             <p:ph idx="1" type="body"/>
@@ -1017,7 +1017,7 @@
       </p:sp>
       <p:sp>
         <p:nvSpPr>
-          <p:cNvPr id="197" name="Google Shape;197;gf246151368_0_0:notes"/>
+          <p:cNvPr id="199" name="Google Shape;199;gf246151368_0_0:notes"/>
           <p:cNvSpPr/>
           <p:nvPr>
             <p:ph idx="2" type="sldImg"/>
@@ -1073,7 +1073,7 @@
   <p:cSld>
     <p:spTree>
       <p:nvGrpSpPr>
-        <p:cNvPr id="200" name="Shape 200"/>
+        <p:cNvPr id="202" name="Shape 202"/>
         <p:cNvGrpSpPr/>
         <p:nvPr/>
       </p:nvGrpSpPr>
@@ -1087,7 +1087,7 @@
       </p:grpSpPr>
       <p:sp>
         <p:nvSpPr>
-          <p:cNvPr id="201" name="Google Shape;201;p36:notes"/>
+          <p:cNvPr id="203" name="Google Shape;203;p36:notes"/>
           <p:cNvSpPr txBox="1"/>
           <p:nvPr>
             <p:ph idx="1" type="body"/>
@@ -1134,7 +1134,7 @@
       </p:sp>
       <p:sp>
         <p:nvSpPr>
-          <p:cNvPr id="202" name="Google Shape;202;p36:notes"/>
+          <p:cNvPr id="204" name="Google Shape;204;p36:notes"/>
           <p:cNvSpPr/>
           <p:nvPr>
             <p:ph idx="2" type="sldImg"/>
@@ -1582,6 +1582,177 @@
           <a:p>
             <a:pPr indent="0" lvl="0" marL="0" rtl="0" algn="l">
               <a:lnSpc>
+                <a:spcPct val="135714"/>
+              </a:lnSpc>
+              <a:spcBef>
+                <a:spcPts val="0"/>
+              </a:spcBef>
+              <a:spcAft>
+                <a:spcPts val="0"/>
+              </a:spcAft>
+              <a:buClr>
+                <a:schemeClr val="dk1"/>
+              </a:buClr>
+              <a:buSzPts val="1100"/>
+              <a:buFont typeface="Arial"/>
+              <a:buNone/>
+            </a:pPr>
+            <a:r>
+              <a:rPr lang="es" sz="1050">
+                <a:solidFill>
+                  <a:srgbClr val="D4D4D4"/>
+                </a:solidFill>
+                <a:highlight>
+                  <a:srgbClr val="1E1E1E"/>
+                </a:highlight>
+                <a:latin typeface="Courier New"/>
+                <a:ea typeface="Courier New"/>
+                <a:cs typeface="Courier New"/>
+                <a:sym typeface="Courier New"/>
+              </a:rPr>
+              <a:t>$ flutter pub add shared_preferences</a:t>
+            </a:r>
+            <a:endParaRPr sz="1050">
+              <a:solidFill>
+                <a:srgbClr val="D4D4D4"/>
+              </a:solidFill>
+              <a:highlight>
+                <a:srgbClr val="1E1E1E"/>
+              </a:highlight>
+              <a:latin typeface="Courier New"/>
+              <a:ea typeface="Courier New"/>
+              <a:cs typeface="Courier New"/>
+              <a:sym typeface="Courier New"/>
+            </a:endParaRPr>
+          </a:p>
+          <a:p>
+            <a:pPr indent="0" lvl="0" marL="0" rtl="0" algn="l">
+              <a:lnSpc>
+                <a:spcPct val="135714"/>
+              </a:lnSpc>
+              <a:spcBef>
+                <a:spcPts val="0"/>
+              </a:spcBef>
+              <a:spcAft>
+                <a:spcPts val="0"/>
+              </a:spcAft>
+              <a:buClr>
+                <a:schemeClr val="dk1"/>
+              </a:buClr>
+              <a:buSzPts val="1100"/>
+              <a:buFont typeface="Arial"/>
+              <a:buNone/>
+            </a:pPr>
+            <a:r>
+              <a:t/>
+            </a:r>
+            <a:endParaRPr sz="1050">
+              <a:solidFill>
+                <a:srgbClr val="D4D4D4"/>
+              </a:solidFill>
+              <a:highlight>
+                <a:srgbClr val="1E1E1E"/>
+              </a:highlight>
+              <a:latin typeface="Courier New"/>
+              <a:ea typeface="Courier New"/>
+              <a:cs typeface="Courier New"/>
+              <a:sym typeface="Courier New"/>
+            </a:endParaRPr>
+          </a:p>
+          <a:p>
+            <a:pPr indent="0" lvl="0" marL="0" rtl="0" algn="l">
+              <a:lnSpc>
+                <a:spcPct val="135714"/>
+              </a:lnSpc>
+              <a:spcBef>
+                <a:spcPts val="0"/>
+              </a:spcBef>
+              <a:spcAft>
+                <a:spcPts val="0"/>
+              </a:spcAft>
+              <a:buClr>
+                <a:schemeClr val="dk1"/>
+              </a:buClr>
+              <a:buSzPts val="1100"/>
+              <a:buFont typeface="Arial"/>
+              <a:buNone/>
+            </a:pPr>
+            <a:r>
+              <a:rPr lang="es" sz="1050">
+                <a:solidFill>
+                  <a:srgbClr val="569CD6"/>
+                </a:solidFill>
+                <a:highlight>
+                  <a:srgbClr val="1E1E1E"/>
+                </a:highlight>
+                <a:latin typeface="Courier New"/>
+                <a:ea typeface="Courier New"/>
+                <a:cs typeface="Courier New"/>
+                <a:sym typeface="Courier New"/>
+              </a:rPr>
+              <a:t>import</a:t>
+            </a:r>
+            <a:r>
+              <a:rPr lang="es" sz="1050">
+                <a:solidFill>
+                  <a:srgbClr val="D4D4D4"/>
+                </a:solidFill>
+                <a:highlight>
+                  <a:srgbClr val="1E1E1E"/>
+                </a:highlight>
+                <a:latin typeface="Courier New"/>
+                <a:ea typeface="Courier New"/>
+                <a:cs typeface="Courier New"/>
+                <a:sym typeface="Courier New"/>
+              </a:rPr>
+              <a:t> </a:t>
+            </a:r>
+            <a:r>
+              <a:rPr lang="es" sz="1050">
+                <a:solidFill>
+                  <a:srgbClr val="CE9178"/>
+                </a:solidFill>
+                <a:highlight>
+                  <a:srgbClr val="1E1E1E"/>
+                </a:highlight>
+                <a:latin typeface="Courier New"/>
+                <a:ea typeface="Courier New"/>
+                <a:cs typeface="Courier New"/>
+                <a:sym typeface="Courier New"/>
+              </a:rPr>
+              <a:t>'package:shared_preferences/shared_preferences.dart'</a:t>
+            </a:r>
+            <a:r>
+              <a:rPr lang="es" sz="1050">
+                <a:solidFill>
+                  <a:srgbClr val="D4D4D4"/>
+                </a:solidFill>
+                <a:highlight>
+                  <a:srgbClr val="1E1E1E"/>
+                </a:highlight>
+                <a:latin typeface="Courier New"/>
+                <a:ea typeface="Courier New"/>
+                <a:cs typeface="Courier New"/>
+                <a:sym typeface="Courier New"/>
+              </a:rPr>
+              <a:t>;</a:t>
+            </a:r>
+            <a:endParaRPr sz="1050">
+              <a:solidFill>
+                <a:srgbClr val="D4D4D4"/>
+              </a:solidFill>
+              <a:highlight>
+                <a:srgbClr val="1E1E1E"/>
+              </a:highlight>
+              <a:latin typeface="Courier New"/>
+              <a:ea typeface="Courier New"/>
+              <a:cs typeface="Courier New"/>
+              <a:sym typeface="Courier New"/>
+            </a:endParaRPr>
+          </a:p>
+          <a:p>
+            <a:pPr indent="0" lvl="0" marL="0" rtl="0" algn="l">
+              <a:lnSpc>
                 <a:spcPct val="100000"/>
               </a:lnSpc>
               <a:spcBef>
@@ -1658,7 +1829,7 @@
   <p:cSld>
     <p:spTree>
       <p:nvGrpSpPr>
-        <p:cNvPr id="169" name="Shape 169"/>
+        <p:cNvPr id="171" name="Shape 171"/>
         <p:cNvGrpSpPr/>
         <p:nvPr/>
       </p:nvGrpSpPr>
@@ -1672,7 +1843,7 @@
       </p:grpSpPr>
       <p:sp>
         <p:nvSpPr>
-          <p:cNvPr id="170" name="Google Shape;170;ged7bf3b269_0_19:notes"/>
+          <p:cNvPr id="172" name="Google Shape;172;ged7bf3b269_0_19:notes"/>
           <p:cNvSpPr txBox="1"/>
           <p:nvPr>
             <p:ph idx="1" type="body"/>
@@ -1719,7 +1890,7 @@
       </p:sp>
       <p:sp>
         <p:nvSpPr>
-          <p:cNvPr id="171" name="Google Shape;171;ged7bf3b269_0_19:notes"/>
+          <p:cNvPr id="173" name="Google Shape;173;ged7bf3b269_0_19:notes"/>
           <p:cNvSpPr/>
           <p:nvPr>
             <p:ph idx="2" type="sldImg"/>
@@ -1775,7 +1946,7 @@
   <p:cSld>
     <p:spTree>
       <p:nvGrpSpPr>
-        <p:cNvPr id="175" name="Shape 175"/>
+        <p:cNvPr id="177" name="Shape 177"/>
         <p:cNvGrpSpPr/>
         <p:nvPr/>
       </p:nvGrpSpPr>
@@ -1789,7 +1960,7 @@
       </p:grpSpPr>
       <p:sp>
         <p:nvSpPr>
-          <p:cNvPr id="176" name="Google Shape;176;ged7bf3b269_0_25:notes"/>
+          <p:cNvPr id="178" name="Google Shape;178;ged7bf3b269_0_25:notes"/>
           <p:cNvSpPr txBox="1"/>
           <p:nvPr>
             <p:ph idx="1" type="body"/>
@@ -1836,7 +2007,7 @@
       </p:sp>
       <p:sp>
         <p:nvSpPr>
-          <p:cNvPr id="177" name="Google Shape;177;ged7bf3b269_0_25:notes"/>
+          <p:cNvPr id="179" name="Google Shape;179;ged7bf3b269_0_25:notes"/>
           <p:cNvSpPr/>
           <p:nvPr>
             <p:ph idx="2" type="sldImg"/>
@@ -1892,7 +2063,7 @@
   <p:cSld>
     <p:spTree>
       <p:nvGrpSpPr>
-        <p:cNvPr id="183" name="Shape 183"/>
+        <p:cNvPr id="185" name="Shape 185"/>
         <p:cNvGrpSpPr/>
         <p:nvPr/>
       </p:nvGrpSpPr>
@@ -1906,7 +2077,7 @@
       </p:grpSpPr>
       <p:sp>
         <p:nvSpPr>
-          <p:cNvPr id="184" name="Google Shape;184;ged7bf3b269_0_12:notes"/>
+          <p:cNvPr id="186" name="Google Shape;186;ged7bf3b269_0_12:notes"/>
           <p:cNvSpPr txBox="1"/>
           <p:nvPr>
             <p:ph idx="1" type="body"/>
@@ -1933,6 +2104,8327 @@
           <a:p>
             <a:pPr indent="0" lvl="0" marL="0" rtl="0" algn="l">
               <a:lnSpc>
+                <a:spcPct val="135714"/>
+              </a:lnSpc>
+              <a:spcBef>
+                <a:spcPts val="0"/>
+              </a:spcBef>
+              <a:spcAft>
+                <a:spcPts val="0"/>
+              </a:spcAft>
+              <a:buClr>
+                <a:schemeClr val="dk1"/>
+              </a:buClr>
+              <a:buSzPts val="1100"/>
+              <a:buFont typeface="Arial"/>
+              <a:buNone/>
+            </a:pPr>
+            <a:r>
+              <a:rPr lang="es" sz="1050">
+                <a:solidFill>
+                  <a:srgbClr val="569CD6"/>
+                </a:solidFill>
+                <a:highlight>
+                  <a:srgbClr val="1E1E1E"/>
+                </a:highlight>
+                <a:latin typeface="Courier New"/>
+                <a:ea typeface="Courier New"/>
+                <a:cs typeface="Courier New"/>
+                <a:sym typeface="Courier New"/>
+              </a:rPr>
+              <a:t>import</a:t>
+            </a:r>
+            <a:r>
+              <a:rPr lang="es" sz="1050">
+                <a:solidFill>
+                  <a:srgbClr val="D4D4D4"/>
+                </a:solidFill>
+                <a:highlight>
+                  <a:srgbClr val="1E1E1E"/>
+                </a:highlight>
+                <a:latin typeface="Courier New"/>
+                <a:ea typeface="Courier New"/>
+                <a:cs typeface="Courier New"/>
+                <a:sym typeface="Courier New"/>
+              </a:rPr>
+              <a:t> </a:t>
+            </a:r>
+            <a:r>
+              <a:rPr lang="es" sz="1050">
+                <a:solidFill>
+                  <a:srgbClr val="CE9178"/>
+                </a:solidFill>
+                <a:highlight>
+                  <a:srgbClr val="1E1E1E"/>
+                </a:highlight>
+                <a:latin typeface="Courier New"/>
+                <a:ea typeface="Courier New"/>
+                <a:cs typeface="Courier New"/>
+                <a:sym typeface="Courier New"/>
+              </a:rPr>
+              <a:t>'package:flutter/material.dart'</a:t>
+            </a:r>
+            <a:r>
+              <a:rPr lang="es" sz="1050">
+                <a:solidFill>
+                  <a:srgbClr val="D4D4D4"/>
+                </a:solidFill>
+                <a:highlight>
+                  <a:srgbClr val="1E1E1E"/>
+                </a:highlight>
+                <a:latin typeface="Courier New"/>
+                <a:ea typeface="Courier New"/>
+                <a:cs typeface="Courier New"/>
+                <a:sym typeface="Courier New"/>
+              </a:rPr>
+              <a:t>;</a:t>
+            </a:r>
+            <a:endParaRPr sz="1050">
+              <a:solidFill>
+                <a:srgbClr val="D4D4D4"/>
+              </a:solidFill>
+              <a:highlight>
+                <a:srgbClr val="1E1E1E"/>
+              </a:highlight>
+              <a:latin typeface="Courier New"/>
+              <a:ea typeface="Courier New"/>
+              <a:cs typeface="Courier New"/>
+              <a:sym typeface="Courier New"/>
+            </a:endParaRPr>
+          </a:p>
+          <a:p>
+            <a:pPr indent="0" lvl="0" marL="0" rtl="0" algn="l">
+              <a:lnSpc>
+                <a:spcPct val="135714"/>
+              </a:lnSpc>
+              <a:spcBef>
+                <a:spcPts val="0"/>
+              </a:spcBef>
+              <a:spcAft>
+                <a:spcPts val="0"/>
+              </a:spcAft>
+              <a:buClr>
+                <a:schemeClr val="dk1"/>
+              </a:buClr>
+              <a:buSzPts val="1100"/>
+              <a:buFont typeface="Arial"/>
+              <a:buNone/>
+            </a:pPr>
+            <a:r>
+              <a:rPr lang="es" sz="1050">
+                <a:solidFill>
+                  <a:srgbClr val="569CD6"/>
+                </a:solidFill>
+                <a:highlight>
+                  <a:srgbClr val="1E1E1E"/>
+                </a:highlight>
+                <a:latin typeface="Courier New"/>
+                <a:ea typeface="Courier New"/>
+                <a:cs typeface="Courier New"/>
+                <a:sym typeface="Courier New"/>
+              </a:rPr>
+              <a:t>import</a:t>
+            </a:r>
+            <a:r>
+              <a:rPr lang="es" sz="1050">
+                <a:solidFill>
+                  <a:srgbClr val="D4D4D4"/>
+                </a:solidFill>
+                <a:highlight>
+                  <a:srgbClr val="1E1E1E"/>
+                </a:highlight>
+                <a:latin typeface="Courier New"/>
+                <a:ea typeface="Courier New"/>
+                <a:cs typeface="Courier New"/>
+                <a:sym typeface="Courier New"/>
+              </a:rPr>
+              <a:t> </a:t>
+            </a:r>
+            <a:r>
+              <a:rPr lang="es" sz="1050">
+                <a:solidFill>
+                  <a:srgbClr val="CE9178"/>
+                </a:solidFill>
+                <a:highlight>
+                  <a:srgbClr val="1E1E1E"/>
+                </a:highlight>
+                <a:latin typeface="Courier New"/>
+                <a:ea typeface="Courier New"/>
+                <a:cs typeface="Courier New"/>
+                <a:sym typeface="Courier New"/>
+              </a:rPr>
+              <a:t>'package:shared_preferences/shared_preferences.dart'</a:t>
+            </a:r>
+            <a:r>
+              <a:rPr lang="es" sz="1050">
+                <a:solidFill>
+                  <a:srgbClr val="D4D4D4"/>
+                </a:solidFill>
+                <a:highlight>
+                  <a:srgbClr val="1E1E1E"/>
+                </a:highlight>
+                <a:latin typeface="Courier New"/>
+                <a:ea typeface="Courier New"/>
+                <a:cs typeface="Courier New"/>
+                <a:sym typeface="Courier New"/>
+              </a:rPr>
+              <a:t>;</a:t>
+            </a:r>
+            <a:endParaRPr sz="1050">
+              <a:solidFill>
+                <a:srgbClr val="D4D4D4"/>
+              </a:solidFill>
+              <a:highlight>
+                <a:srgbClr val="1E1E1E"/>
+              </a:highlight>
+              <a:latin typeface="Courier New"/>
+              <a:ea typeface="Courier New"/>
+              <a:cs typeface="Courier New"/>
+              <a:sym typeface="Courier New"/>
+            </a:endParaRPr>
+          </a:p>
+          <a:p>
+            <a:pPr indent="0" lvl="0" marL="0" rtl="0" algn="l">
+              <a:lnSpc>
+                <a:spcPct val="135714"/>
+              </a:lnSpc>
+              <a:spcBef>
+                <a:spcPts val="0"/>
+              </a:spcBef>
+              <a:spcAft>
+                <a:spcPts val="0"/>
+              </a:spcAft>
+              <a:buClr>
+                <a:schemeClr val="dk1"/>
+              </a:buClr>
+              <a:buSzPts val="1100"/>
+              <a:buFont typeface="Arial"/>
+              <a:buNone/>
+            </a:pPr>
+            <a:r>
+              <a:t/>
+            </a:r>
+            <a:endParaRPr sz="1050">
+              <a:solidFill>
+                <a:srgbClr val="D4D4D4"/>
+              </a:solidFill>
+              <a:highlight>
+                <a:srgbClr val="1E1E1E"/>
+              </a:highlight>
+              <a:latin typeface="Courier New"/>
+              <a:ea typeface="Courier New"/>
+              <a:cs typeface="Courier New"/>
+              <a:sym typeface="Courier New"/>
+            </a:endParaRPr>
+          </a:p>
+          <a:p>
+            <a:pPr indent="0" lvl="0" marL="0" rtl="0" algn="l">
+              <a:lnSpc>
+                <a:spcPct val="135714"/>
+              </a:lnSpc>
+              <a:spcBef>
+                <a:spcPts val="0"/>
+              </a:spcBef>
+              <a:spcAft>
+                <a:spcPts val="0"/>
+              </a:spcAft>
+              <a:buClr>
+                <a:schemeClr val="dk1"/>
+              </a:buClr>
+              <a:buSzPts val="1100"/>
+              <a:buFont typeface="Arial"/>
+              <a:buNone/>
+            </a:pPr>
+            <a:r>
+              <a:rPr lang="es" sz="1050">
+                <a:solidFill>
+                  <a:srgbClr val="569CD6"/>
+                </a:solidFill>
+                <a:highlight>
+                  <a:srgbClr val="1E1E1E"/>
+                </a:highlight>
+                <a:latin typeface="Courier New"/>
+                <a:ea typeface="Courier New"/>
+                <a:cs typeface="Courier New"/>
+                <a:sym typeface="Courier New"/>
+              </a:rPr>
+              <a:t>void</a:t>
+            </a:r>
+            <a:r>
+              <a:rPr lang="es" sz="1050">
+                <a:solidFill>
+                  <a:srgbClr val="D4D4D4"/>
+                </a:solidFill>
+                <a:highlight>
+                  <a:srgbClr val="1E1E1E"/>
+                </a:highlight>
+                <a:latin typeface="Courier New"/>
+                <a:ea typeface="Courier New"/>
+                <a:cs typeface="Courier New"/>
+                <a:sym typeface="Courier New"/>
+              </a:rPr>
+              <a:t> </a:t>
+            </a:r>
+            <a:r>
+              <a:rPr lang="es" sz="1050">
+                <a:solidFill>
+                  <a:srgbClr val="DCDCAA"/>
+                </a:solidFill>
+                <a:highlight>
+                  <a:srgbClr val="1E1E1E"/>
+                </a:highlight>
+                <a:latin typeface="Courier New"/>
+                <a:ea typeface="Courier New"/>
+                <a:cs typeface="Courier New"/>
+                <a:sym typeface="Courier New"/>
+              </a:rPr>
+              <a:t>main</a:t>
+            </a:r>
+            <a:r>
+              <a:rPr lang="es" sz="1050">
+                <a:solidFill>
+                  <a:srgbClr val="D4D4D4"/>
+                </a:solidFill>
+                <a:highlight>
+                  <a:srgbClr val="1E1E1E"/>
+                </a:highlight>
+                <a:latin typeface="Courier New"/>
+                <a:ea typeface="Courier New"/>
+                <a:cs typeface="Courier New"/>
+                <a:sym typeface="Courier New"/>
+              </a:rPr>
+              <a:t>() =&gt; </a:t>
+            </a:r>
+            <a:r>
+              <a:rPr lang="es" sz="1050">
+                <a:solidFill>
+                  <a:srgbClr val="DCDCAA"/>
+                </a:solidFill>
+                <a:highlight>
+                  <a:srgbClr val="1E1E1E"/>
+                </a:highlight>
+                <a:latin typeface="Courier New"/>
+                <a:ea typeface="Courier New"/>
+                <a:cs typeface="Courier New"/>
+                <a:sym typeface="Courier New"/>
+              </a:rPr>
+              <a:t>runApp</a:t>
+            </a:r>
+            <a:r>
+              <a:rPr lang="es" sz="1050">
+                <a:solidFill>
+                  <a:srgbClr val="D4D4D4"/>
+                </a:solidFill>
+                <a:highlight>
+                  <a:srgbClr val="1E1E1E"/>
+                </a:highlight>
+                <a:latin typeface="Courier New"/>
+                <a:ea typeface="Courier New"/>
+                <a:cs typeface="Courier New"/>
+                <a:sym typeface="Courier New"/>
+              </a:rPr>
+              <a:t>(</a:t>
+            </a:r>
+            <a:r>
+              <a:rPr lang="es" sz="1050">
+                <a:solidFill>
+                  <a:srgbClr val="4EC9B0"/>
+                </a:solidFill>
+                <a:highlight>
+                  <a:srgbClr val="1E1E1E"/>
+                </a:highlight>
+                <a:latin typeface="Courier New"/>
+                <a:ea typeface="Courier New"/>
+                <a:cs typeface="Courier New"/>
+                <a:sym typeface="Courier New"/>
+              </a:rPr>
+              <a:t>MyApp</a:t>
+            </a:r>
+            <a:r>
+              <a:rPr lang="es" sz="1050">
+                <a:solidFill>
+                  <a:srgbClr val="D4D4D4"/>
+                </a:solidFill>
+                <a:highlight>
+                  <a:srgbClr val="1E1E1E"/>
+                </a:highlight>
+                <a:latin typeface="Courier New"/>
+                <a:ea typeface="Courier New"/>
+                <a:cs typeface="Courier New"/>
+                <a:sym typeface="Courier New"/>
+              </a:rPr>
+              <a:t>());</a:t>
+            </a:r>
+            <a:endParaRPr sz="1050">
+              <a:solidFill>
+                <a:srgbClr val="D4D4D4"/>
+              </a:solidFill>
+              <a:highlight>
+                <a:srgbClr val="1E1E1E"/>
+              </a:highlight>
+              <a:latin typeface="Courier New"/>
+              <a:ea typeface="Courier New"/>
+              <a:cs typeface="Courier New"/>
+              <a:sym typeface="Courier New"/>
+            </a:endParaRPr>
+          </a:p>
+          <a:p>
+            <a:pPr indent="0" lvl="0" marL="0" rtl="0" algn="l">
+              <a:lnSpc>
+                <a:spcPct val="135714"/>
+              </a:lnSpc>
+              <a:spcBef>
+                <a:spcPts val="0"/>
+              </a:spcBef>
+              <a:spcAft>
+                <a:spcPts val="0"/>
+              </a:spcAft>
+              <a:buClr>
+                <a:schemeClr val="dk1"/>
+              </a:buClr>
+              <a:buSzPts val="1100"/>
+              <a:buFont typeface="Arial"/>
+              <a:buNone/>
+            </a:pPr>
+            <a:r>
+              <a:t/>
+            </a:r>
+            <a:endParaRPr sz="1050">
+              <a:solidFill>
+                <a:srgbClr val="D4D4D4"/>
+              </a:solidFill>
+              <a:highlight>
+                <a:srgbClr val="1E1E1E"/>
+              </a:highlight>
+              <a:latin typeface="Courier New"/>
+              <a:ea typeface="Courier New"/>
+              <a:cs typeface="Courier New"/>
+              <a:sym typeface="Courier New"/>
+            </a:endParaRPr>
+          </a:p>
+          <a:p>
+            <a:pPr indent="0" lvl="0" marL="0" rtl="0" algn="l">
+              <a:lnSpc>
+                <a:spcPct val="135714"/>
+              </a:lnSpc>
+              <a:spcBef>
+                <a:spcPts val="0"/>
+              </a:spcBef>
+              <a:spcAft>
+                <a:spcPts val="0"/>
+              </a:spcAft>
+              <a:buClr>
+                <a:schemeClr val="dk1"/>
+              </a:buClr>
+              <a:buSzPts val="1100"/>
+              <a:buFont typeface="Arial"/>
+              <a:buNone/>
+            </a:pPr>
+            <a:r>
+              <a:rPr lang="es" sz="1050">
+                <a:solidFill>
+                  <a:srgbClr val="569CD6"/>
+                </a:solidFill>
+                <a:highlight>
+                  <a:srgbClr val="1E1E1E"/>
+                </a:highlight>
+                <a:latin typeface="Courier New"/>
+                <a:ea typeface="Courier New"/>
+                <a:cs typeface="Courier New"/>
+                <a:sym typeface="Courier New"/>
+              </a:rPr>
+              <a:t>class</a:t>
+            </a:r>
+            <a:r>
+              <a:rPr lang="es" sz="1050">
+                <a:solidFill>
+                  <a:srgbClr val="D4D4D4"/>
+                </a:solidFill>
+                <a:highlight>
+                  <a:srgbClr val="1E1E1E"/>
+                </a:highlight>
+                <a:latin typeface="Courier New"/>
+                <a:ea typeface="Courier New"/>
+                <a:cs typeface="Courier New"/>
+                <a:sym typeface="Courier New"/>
+              </a:rPr>
+              <a:t> </a:t>
+            </a:r>
+            <a:r>
+              <a:rPr lang="es" sz="1050">
+                <a:solidFill>
+                  <a:srgbClr val="4EC9B0"/>
+                </a:solidFill>
+                <a:highlight>
+                  <a:srgbClr val="1E1E1E"/>
+                </a:highlight>
+                <a:latin typeface="Courier New"/>
+                <a:ea typeface="Courier New"/>
+                <a:cs typeface="Courier New"/>
+                <a:sym typeface="Courier New"/>
+              </a:rPr>
+              <a:t>MyApp</a:t>
+            </a:r>
+            <a:r>
+              <a:rPr lang="es" sz="1050">
+                <a:solidFill>
+                  <a:srgbClr val="D4D4D4"/>
+                </a:solidFill>
+                <a:highlight>
+                  <a:srgbClr val="1E1E1E"/>
+                </a:highlight>
+                <a:latin typeface="Courier New"/>
+                <a:ea typeface="Courier New"/>
+                <a:cs typeface="Courier New"/>
+                <a:sym typeface="Courier New"/>
+              </a:rPr>
+              <a:t> </a:t>
+            </a:r>
+            <a:r>
+              <a:rPr lang="es" sz="1050">
+                <a:solidFill>
+                  <a:srgbClr val="569CD6"/>
+                </a:solidFill>
+                <a:highlight>
+                  <a:srgbClr val="1E1E1E"/>
+                </a:highlight>
+                <a:latin typeface="Courier New"/>
+                <a:ea typeface="Courier New"/>
+                <a:cs typeface="Courier New"/>
+                <a:sym typeface="Courier New"/>
+              </a:rPr>
+              <a:t>extends</a:t>
+            </a:r>
+            <a:r>
+              <a:rPr lang="es" sz="1050">
+                <a:solidFill>
+                  <a:srgbClr val="D4D4D4"/>
+                </a:solidFill>
+                <a:highlight>
+                  <a:srgbClr val="1E1E1E"/>
+                </a:highlight>
+                <a:latin typeface="Courier New"/>
+                <a:ea typeface="Courier New"/>
+                <a:cs typeface="Courier New"/>
+                <a:sym typeface="Courier New"/>
+              </a:rPr>
+              <a:t> </a:t>
+            </a:r>
+            <a:r>
+              <a:rPr lang="es" sz="1050">
+                <a:solidFill>
+                  <a:srgbClr val="4EC9B0"/>
+                </a:solidFill>
+                <a:highlight>
+                  <a:srgbClr val="1E1E1E"/>
+                </a:highlight>
+                <a:latin typeface="Courier New"/>
+                <a:ea typeface="Courier New"/>
+                <a:cs typeface="Courier New"/>
+                <a:sym typeface="Courier New"/>
+              </a:rPr>
+              <a:t>StatefulWidget</a:t>
+            </a:r>
+            <a:r>
+              <a:rPr lang="es" sz="1050">
+                <a:solidFill>
+                  <a:srgbClr val="D4D4D4"/>
+                </a:solidFill>
+                <a:highlight>
+                  <a:srgbClr val="1E1E1E"/>
+                </a:highlight>
+                <a:latin typeface="Courier New"/>
+                <a:ea typeface="Courier New"/>
+                <a:cs typeface="Courier New"/>
+                <a:sym typeface="Courier New"/>
+              </a:rPr>
+              <a:t> {</a:t>
+            </a:r>
+            <a:endParaRPr sz="1050">
+              <a:solidFill>
+                <a:srgbClr val="D4D4D4"/>
+              </a:solidFill>
+              <a:highlight>
+                <a:srgbClr val="1E1E1E"/>
+              </a:highlight>
+              <a:latin typeface="Courier New"/>
+              <a:ea typeface="Courier New"/>
+              <a:cs typeface="Courier New"/>
+              <a:sym typeface="Courier New"/>
+            </a:endParaRPr>
+          </a:p>
+          <a:p>
+            <a:pPr indent="0" lvl="0" marL="0" rtl="0" algn="l">
+              <a:lnSpc>
+                <a:spcPct val="135714"/>
+              </a:lnSpc>
+              <a:spcBef>
+                <a:spcPts val="0"/>
+              </a:spcBef>
+              <a:spcAft>
+                <a:spcPts val="0"/>
+              </a:spcAft>
+              <a:buClr>
+                <a:schemeClr val="dk1"/>
+              </a:buClr>
+              <a:buSzPts val="1100"/>
+              <a:buFont typeface="Arial"/>
+              <a:buNone/>
+            </a:pPr>
+            <a:r>
+              <a:rPr lang="es" sz="1050">
+                <a:solidFill>
+                  <a:srgbClr val="D4D4D4"/>
+                </a:solidFill>
+                <a:highlight>
+                  <a:srgbClr val="1E1E1E"/>
+                </a:highlight>
+                <a:latin typeface="Courier New"/>
+                <a:ea typeface="Courier New"/>
+                <a:cs typeface="Courier New"/>
+                <a:sym typeface="Courier New"/>
+              </a:rPr>
+              <a:t> </a:t>
+            </a:r>
+            <a:r>
+              <a:rPr lang="es" sz="1050">
+                <a:solidFill>
+                  <a:srgbClr val="569CD6"/>
+                </a:solidFill>
+                <a:highlight>
+                  <a:srgbClr val="1E1E1E"/>
+                </a:highlight>
+                <a:latin typeface="Courier New"/>
+                <a:ea typeface="Courier New"/>
+                <a:cs typeface="Courier New"/>
+                <a:sym typeface="Courier New"/>
+              </a:rPr>
+              <a:t>@override</a:t>
+            </a:r>
+            <a:endParaRPr sz="1050">
+              <a:solidFill>
+                <a:srgbClr val="569CD6"/>
+              </a:solidFill>
+              <a:highlight>
+                <a:srgbClr val="1E1E1E"/>
+              </a:highlight>
+              <a:latin typeface="Courier New"/>
+              <a:ea typeface="Courier New"/>
+              <a:cs typeface="Courier New"/>
+              <a:sym typeface="Courier New"/>
+            </a:endParaRPr>
+          </a:p>
+          <a:p>
+            <a:pPr indent="0" lvl="0" marL="0" rtl="0" algn="l">
+              <a:lnSpc>
+                <a:spcPct val="135714"/>
+              </a:lnSpc>
+              <a:spcBef>
+                <a:spcPts val="0"/>
+              </a:spcBef>
+              <a:spcAft>
+                <a:spcPts val="0"/>
+              </a:spcAft>
+              <a:buClr>
+                <a:schemeClr val="dk1"/>
+              </a:buClr>
+              <a:buSzPts val="1100"/>
+              <a:buFont typeface="Arial"/>
+              <a:buNone/>
+            </a:pPr>
+            <a:r>
+              <a:rPr lang="es" sz="1050">
+                <a:solidFill>
+                  <a:srgbClr val="D4D4D4"/>
+                </a:solidFill>
+                <a:highlight>
+                  <a:srgbClr val="1E1E1E"/>
+                </a:highlight>
+                <a:latin typeface="Courier New"/>
+                <a:ea typeface="Courier New"/>
+                <a:cs typeface="Courier New"/>
+                <a:sym typeface="Courier New"/>
+              </a:rPr>
+              <a:t> </a:t>
+            </a:r>
+            <a:r>
+              <a:rPr lang="es" sz="1050">
+                <a:solidFill>
+                  <a:srgbClr val="4EC9B0"/>
+                </a:solidFill>
+                <a:highlight>
+                  <a:srgbClr val="1E1E1E"/>
+                </a:highlight>
+                <a:latin typeface="Courier New"/>
+                <a:ea typeface="Courier New"/>
+                <a:cs typeface="Courier New"/>
+                <a:sym typeface="Courier New"/>
+              </a:rPr>
+              <a:t>_MyAppState</a:t>
+            </a:r>
+            <a:r>
+              <a:rPr lang="es" sz="1050">
+                <a:solidFill>
+                  <a:srgbClr val="D4D4D4"/>
+                </a:solidFill>
+                <a:highlight>
+                  <a:srgbClr val="1E1E1E"/>
+                </a:highlight>
+                <a:latin typeface="Courier New"/>
+                <a:ea typeface="Courier New"/>
+                <a:cs typeface="Courier New"/>
+                <a:sym typeface="Courier New"/>
+              </a:rPr>
+              <a:t> </a:t>
+            </a:r>
+            <a:r>
+              <a:rPr lang="es" sz="1050">
+                <a:solidFill>
+                  <a:srgbClr val="DCDCAA"/>
+                </a:solidFill>
+                <a:highlight>
+                  <a:srgbClr val="1E1E1E"/>
+                </a:highlight>
+                <a:latin typeface="Courier New"/>
+                <a:ea typeface="Courier New"/>
+                <a:cs typeface="Courier New"/>
+                <a:sym typeface="Courier New"/>
+              </a:rPr>
+              <a:t>createState</a:t>
+            </a:r>
+            <a:r>
+              <a:rPr lang="es" sz="1050">
+                <a:solidFill>
+                  <a:srgbClr val="D4D4D4"/>
+                </a:solidFill>
+                <a:highlight>
+                  <a:srgbClr val="1E1E1E"/>
+                </a:highlight>
+                <a:latin typeface="Courier New"/>
+                <a:ea typeface="Courier New"/>
+                <a:cs typeface="Courier New"/>
+                <a:sym typeface="Courier New"/>
+              </a:rPr>
+              <a:t>() =&gt; </a:t>
+            </a:r>
+            <a:r>
+              <a:rPr lang="es" sz="1050">
+                <a:solidFill>
+                  <a:srgbClr val="4EC9B0"/>
+                </a:solidFill>
+                <a:highlight>
+                  <a:srgbClr val="1E1E1E"/>
+                </a:highlight>
+                <a:latin typeface="Courier New"/>
+                <a:ea typeface="Courier New"/>
+                <a:cs typeface="Courier New"/>
+                <a:sym typeface="Courier New"/>
+              </a:rPr>
+              <a:t>_MyAppState</a:t>
+            </a:r>
+            <a:r>
+              <a:rPr lang="es" sz="1050">
+                <a:solidFill>
+                  <a:srgbClr val="D4D4D4"/>
+                </a:solidFill>
+                <a:highlight>
+                  <a:srgbClr val="1E1E1E"/>
+                </a:highlight>
+                <a:latin typeface="Courier New"/>
+                <a:ea typeface="Courier New"/>
+                <a:cs typeface="Courier New"/>
+                <a:sym typeface="Courier New"/>
+              </a:rPr>
+              <a:t>();</a:t>
+            </a:r>
+            <a:endParaRPr sz="1050">
+              <a:solidFill>
+                <a:srgbClr val="D4D4D4"/>
+              </a:solidFill>
+              <a:highlight>
+                <a:srgbClr val="1E1E1E"/>
+              </a:highlight>
+              <a:latin typeface="Courier New"/>
+              <a:ea typeface="Courier New"/>
+              <a:cs typeface="Courier New"/>
+              <a:sym typeface="Courier New"/>
+            </a:endParaRPr>
+          </a:p>
+          <a:p>
+            <a:pPr indent="0" lvl="0" marL="0" rtl="0" algn="l">
+              <a:lnSpc>
+                <a:spcPct val="135714"/>
+              </a:lnSpc>
+              <a:spcBef>
+                <a:spcPts val="0"/>
+              </a:spcBef>
+              <a:spcAft>
+                <a:spcPts val="0"/>
+              </a:spcAft>
+              <a:buClr>
+                <a:schemeClr val="dk1"/>
+              </a:buClr>
+              <a:buSzPts val="1100"/>
+              <a:buFont typeface="Arial"/>
+              <a:buNone/>
+            </a:pPr>
+            <a:r>
+              <a:rPr lang="es" sz="1050">
+                <a:solidFill>
+                  <a:srgbClr val="D4D4D4"/>
+                </a:solidFill>
+                <a:highlight>
+                  <a:srgbClr val="1E1E1E"/>
+                </a:highlight>
+                <a:latin typeface="Courier New"/>
+                <a:ea typeface="Courier New"/>
+                <a:cs typeface="Courier New"/>
+                <a:sym typeface="Courier New"/>
+              </a:rPr>
+              <a:t>}</a:t>
+            </a:r>
+            <a:endParaRPr sz="1050">
+              <a:solidFill>
+                <a:srgbClr val="D4D4D4"/>
+              </a:solidFill>
+              <a:highlight>
+                <a:srgbClr val="1E1E1E"/>
+              </a:highlight>
+              <a:latin typeface="Courier New"/>
+              <a:ea typeface="Courier New"/>
+              <a:cs typeface="Courier New"/>
+              <a:sym typeface="Courier New"/>
+            </a:endParaRPr>
+          </a:p>
+          <a:p>
+            <a:pPr indent="0" lvl="0" marL="0" rtl="0" algn="l">
+              <a:lnSpc>
+                <a:spcPct val="135714"/>
+              </a:lnSpc>
+              <a:spcBef>
+                <a:spcPts val="0"/>
+              </a:spcBef>
+              <a:spcAft>
+                <a:spcPts val="0"/>
+              </a:spcAft>
+              <a:buClr>
+                <a:schemeClr val="dk1"/>
+              </a:buClr>
+              <a:buSzPts val="1100"/>
+              <a:buFont typeface="Arial"/>
+              <a:buNone/>
+            </a:pPr>
+            <a:r>
+              <a:t/>
+            </a:r>
+            <a:endParaRPr sz="1050">
+              <a:solidFill>
+                <a:srgbClr val="D4D4D4"/>
+              </a:solidFill>
+              <a:highlight>
+                <a:srgbClr val="1E1E1E"/>
+              </a:highlight>
+              <a:latin typeface="Courier New"/>
+              <a:ea typeface="Courier New"/>
+              <a:cs typeface="Courier New"/>
+              <a:sym typeface="Courier New"/>
+            </a:endParaRPr>
+          </a:p>
+          <a:p>
+            <a:pPr indent="0" lvl="0" marL="0" rtl="0" algn="l">
+              <a:lnSpc>
+                <a:spcPct val="135714"/>
+              </a:lnSpc>
+              <a:spcBef>
+                <a:spcPts val="0"/>
+              </a:spcBef>
+              <a:spcAft>
+                <a:spcPts val="0"/>
+              </a:spcAft>
+              <a:buClr>
+                <a:schemeClr val="dk1"/>
+              </a:buClr>
+              <a:buSzPts val="1100"/>
+              <a:buFont typeface="Arial"/>
+              <a:buNone/>
+            </a:pPr>
+            <a:r>
+              <a:rPr lang="es" sz="1050">
+                <a:solidFill>
+                  <a:srgbClr val="569CD6"/>
+                </a:solidFill>
+                <a:highlight>
+                  <a:srgbClr val="1E1E1E"/>
+                </a:highlight>
+                <a:latin typeface="Courier New"/>
+                <a:ea typeface="Courier New"/>
+                <a:cs typeface="Courier New"/>
+                <a:sym typeface="Courier New"/>
+              </a:rPr>
+              <a:t>class</a:t>
+            </a:r>
+            <a:r>
+              <a:rPr lang="es" sz="1050">
+                <a:solidFill>
+                  <a:srgbClr val="D4D4D4"/>
+                </a:solidFill>
+                <a:highlight>
+                  <a:srgbClr val="1E1E1E"/>
+                </a:highlight>
+                <a:latin typeface="Courier New"/>
+                <a:ea typeface="Courier New"/>
+                <a:cs typeface="Courier New"/>
+                <a:sym typeface="Courier New"/>
+              </a:rPr>
+              <a:t> </a:t>
+            </a:r>
+            <a:r>
+              <a:rPr lang="es" sz="1050">
+                <a:solidFill>
+                  <a:srgbClr val="4EC9B0"/>
+                </a:solidFill>
+                <a:highlight>
+                  <a:srgbClr val="1E1E1E"/>
+                </a:highlight>
+                <a:latin typeface="Courier New"/>
+                <a:ea typeface="Courier New"/>
+                <a:cs typeface="Courier New"/>
+                <a:sym typeface="Courier New"/>
+              </a:rPr>
+              <a:t>_MyAppState</a:t>
+            </a:r>
+            <a:r>
+              <a:rPr lang="es" sz="1050">
+                <a:solidFill>
+                  <a:srgbClr val="D4D4D4"/>
+                </a:solidFill>
+                <a:highlight>
+                  <a:srgbClr val="1E1E1E"/>
+                </a:highlight>
+                <a:latin typeface="Courier New"/>
+                <a:ea typeface="Courier New"/>
+                <a:cs typeface="Courier New"/>
+                <a:sym typeface="Courier New"/>
+              </a:rPr>
+              <a:t> </a:t>
+            </a:r>
+            <a:r>
+              <a:rPr lang="es" sz="1050">
+                <a:solidFill>
+                  <a:srgbClr val="569CD6"/>
+                </a:solidFill>
+                <a:highlight>
+                  <a:srgbClr val="1E1E1E"/>
+                </a:highlight>
+                <a:latin typeface="Courier New"/>
+                <a:ea typeface="Courier New"/>
+                <a:cs typeface="Courier New"/>
+                <a:sym typeface="Courier New"/>
+              </a:rPr>
+              <a:t>extends</a:t>
+            </a:r>
+            <a:r>
+              <a:rPr lang="es" sz="1050">
+                <a:solidFill>
+                  <a:srgbClr val="D4D4D4"/>
+                </a:solidFill>
+                <a:highlight>
+                  <a:srgbClr val="1E1E1E"/>
+                </a:highlight>
+                <a:latin typeface="Courier New"/>
+                <a:ea typeface="Courier New"/>
+                <a:cs typeface="Courier New"/>
+                <a:sym typeface="Courier New"/>
+              </a:rPr>
+              <a:t> </a:t>
+            </a:r>
+            <a:r>
+              <a:rPr lang="es" sz="1050">
+                <a:solidFill>
+                  <a:srgbClr val="4EC9B0"/>
+                </a:solidFill>
+                <a:highlight>
+                  <a:srgbClr val="1E1E1E"/>
+                </a:highlight>
+                <a:latin typeface="Courier New"/>
+                <a:ea typeface="Courier New"/>
+                <a:cs typeface="Courier New"/>
+                <a:sym typeface="Courier New"/>
+              </a:rPr>
+              <a:t>State</a:t>
+            </a:r>
+            <a:r>
+              <a:rPr lang="es" sz="1050">
+                <a:solidFill>
+                  <a:srgbClr val="D4D4D4"/>
+                </a:solidFill>
+                <a:highlight>
+                  <a:srgbClr val="1E1E1E"/>
+                </a:highlight>
+                <a:latin typeface="Courier New"/>
+                <a:ea typeface="Courier New"/>
+                <a:cs typeface="Courier New"/>
+                <a:sym typeface="Courier New"/>
+              </a:rPr>
+              <a:t>&lt;</a:t>
+            </a:r>
+            <a:r>
+              <a:rPr lang="es" sz="1050">
+                <a:solidFill>
+                  <a:srgbClr val="4EC9B0"/>
+                </a:solidFill>
+                <a:highlight>
+                  <a:srgbClr val="1E1E1E"/>
+                </a:highlight>
+                <a:latin typeface="Courier New"/>
+                <a:ea typeface="Courier New"/>
+                <a:cs typeface="Courier New"/>
+                <a:sym typeface="Courier New"/>
+              </a:rPr>
+              <a:t>MyApp</a:t>
+            </a:r>
+            <a:r>
+              <a:rPr lang="es" sz="1050">
+                <a:solidFill>
+                  <a:srgbClr val="D4D4D4"/>
+                </a:solidFill>
+                <a:highlight>
+                  <a:srgbClr val="1E1E1E"/>
+                </a:highlight>
+                <a:latin typeface="Courier New"/>
+                <a:ea typeface="Courier New"/>
+                <a:cs typeface="Courier New"/>
+                <a:sym typeface="Courier New"/>
+              </a:rPr>
+              <a:t>&gt; {</a:t>
+            </a:r>
+            <a:endParaRPr sz="1050">
+              <a:solidFill>
+                <a:srgbClr val="D4D4D4"/>
+              </a:solidFill>
+              <a:highlight>
+                <a:srgbClr val="1E1E1E"/>
+              </a:highlight>
+              <a:latin typeface="Courier New"/>
+              <a:ea typeface="Courier New"/>
+              <a:cs typeface="Courier New"/>
+              <a:sym typeface="Courier New"/>
+            </a:endParaRPr>
+          </a:p>
+          <a:p>
+            <a:pPr indent="0" lvl="0" marL="0" rtl="0" algn="l">
+              <a:lnSpc>
+                <a:spcPct val="135714"/>
+              </a:lnSpc>
+              <a:spcBef>
+                <a:spcPts val="0"/>
+              </a:spcBef>
+              <a:spcAft>
+                <a:spcPts val="0"/>
+              </a:spcAft>
+              <a:buClr>
+                <a:schemeClr val="dk1"/>
+              </a:buClr>
+              <a:buSzPts val="1100"/>
+              <a:buFont typeface="Arial"/>
+              <a:buNone/>
+            </a:pPr>
+            <a:r>
+              <a:rPr lang="es" sz="1050">
+                <a:solidFill>
+                  <a:srgbClr val="D4D4D4"/>
+                </a:solidFill>
+                <a:highlight>
+                  <a:srgbClr val="1E1E1E"/>
+                </a:highlight>
+                <a:latin typeface="Courier New"/>
+                <a:ea typeface="Courier New"/>
+                <a:cs typeface="Courier New"/>
+                <a:sym typeface="Courier New"/>
+              </a:rPr>
+              <a:t> </a:t>
+            </a:r>
+            <a:r>
+              <a:rPr lang="es" sz="1050">
+                <a:solidFill>
+                  <a:srgbClr val="569CD6"/>
+                </a:solidFill>
+                <a:highlight>
+                  <a:srgbClr val="1E1E1E"/>
+                </a:highlight>
+                <a:latin typeface="Courier New"/>
+                <a:ea typeface="Courier New"/>
+                <a:cs typeface="Courier New"/>
+                <a:sym typeface="Courier New"/>
+              </a:rPr>
+              <a:t>@override</a:t>
+            </a:r>
+            <a:endParaRPr sz="1050">
+              <a:solidFill>
+                <a:srgbClr val="569CD6"/>
+              </a:solidFill>
+              <a:highlight>
+                <a:srgbClr val="1E1E1E"/>
+              </a:highlight>
+              <a:latin typeface="Courier New"/>
+              <a:ea typeface="Courier New"/>
+              <a:cs typeface="Courier New"/>
+              <a:sym typeface="Courier New"/>
+            </a:endParaRPr>
+          </a:p>
+          <a:p>
+            <a:pPr indent="0" lvl="0" marL="0" rtl="0" algn="l">
+              <a:lnSpc>
+                <a:spcPct val="135714"/>
+              </a:lnSpc>
+              <a:spcBef>
+                <a:spcPts val="0"/>
+              </a:spcBef>
+              <a:spcAft>
+                <a:spcPts val="0"/>
+              </a:spcAft>
+              <a:buClr>
+                <a:schemeClr val="dk1"/>
+              </a:buClr>
+              <a:buSzPts val="1100"/>
+              <a:buFont typeface="Arial"/>
+              <a:buNone/>
+            </a:pPr>
+            <a:r>
+              <a:rPr lang="es" sz="1050">
+                <a:solidFill>
+                  <a:srgbClr val="D4D4D4"/>
+                </a:solidFill>
+                <a:highlight>
+                  <a:srgbClr val="1E1E1E"/>
+                </a:highlight>
+                <a:latin typeface="Courier New"/>
+                <a:ea typeface="Courier New"/>
+                <a:cs typeface="Courier New"/>
+                <a:sym typeface="Courier New"/>
+              </a:rPr>
+              <a:t> </a:t>
+            </a:r>
+            <a:r>
+              <a:rPr lang="es" sz="1050">
+                <a:solidFill>
+                  <a:srgbClr val="4EC9B0"/>
+                </a:solidFill>
+                <a:highlight>
+                  <a:srgbClr val="1E1E1E"/>
+                </a:highlight>
+                <a:latin typeface="Courier New"/>
+                <a:ea typeface="Courier New"/>
+                <a:cs typeface="Courier New"/>
+                <a:sym typeface="Courier New"/>
+              </a:rPr>
+              <a:t>Widget</a:t>
+            </a:r>
+            <a:r>
+              <a:rPr lang="es" sz="1050">
+                <a:solidFill>
+                  <a:srgbClr val="D4D4D4"/>
+                </a:solidFill>
+                <a:highlight>
+                  <a:srgbClr val="1E1E1E"/>
+                </a:highlight>
+                <a:latin typeface="Courier New"/>
+                <a:ea typeface="Courier New"/>
+                <a:cs typeface="Courier New"/>
+                <a:sym typeface="Courier New"/>
+              </a:rPr>
+              <a:t> </a:t>
+            </a:r>
+            <a:r>
+              <a:rPr lang="es" sz="1050">
+                <a:solidFill>
+                  <a:srgbClr val="DCDCAA"/>
+                </a:solidFill>
+                <a:highlight>
+                  <a:srgbClr val="1E1E1E"/>
+                </a:highlight>
+                <a:latin typeface="Courier New"/>
+                <a:ea typeface="Courier New"/>
+                <a:cs typeface="Courier New"/>
+                <a:sym typeface="Courier New"/>
+              </a:rPr>
+              <a:t>build</a:t>
+            </a:r>
+            <a:r>
+              <a:rPr lang="es" sz="1050">
+                <a:solidFill>
+                  <a:srgbClr val="D4D4D4"/>
+                </a:solidFill>
+                <a:highlight>
+                  <a:srgbClr val="1E1E1E"/>
+                </a:highlight>
+                <a:latin typeface="Courier New"/>
+                <a:ea typeface="Courier New"/>
+                <a:cs typeface="Courier New"/>
+                <a:sym typeface="Courier New"/>
+              </a:rPr>
+              <a:t>(</a:t>
+            </a:r>
+            <a:r>
+              <a:rPr lang="es" sz="1050">
+                <a:solidFill>
+                  <a:srgbClr val="4EC9B0"/>
+                </a:solidFill>
+                <a:highlight>
+                  <a:srgbClr val="1E1E1E"/>
+                </a:highlight>
+                <a:latin typeface="Courier New"/>
+                <a:ea typeface="Courier New"/>
+                <a:cs typeface="Courier New"/>
+                <a:sym typeface="Courier New"/>
+              </a:rPr>
+              <a:t>BuildContext</a:t>
+            </a:r>
+            <a:r>
+              <a:rPr lang="es" sz="1050">
+                <a:solidFill>
+                  <a:srgbClr val="D4D4D4"/>
+                </a:solidFill>
+                <a:highlight>
+                  <a:srgbClr val="1E1E1E"/>
+                </a:highlight>
+                <a:latin typeface="Courier New"/>
+                <a:ea typeface="Courier New"/>
+                <a:cs typeface="Courier New"/>
+                <a:sym typeface="Courier New"/>
+              </a:rPr>
+              <a:t> context) {</a:t>
+            </a:r>
+            <a:endParaRPr sz="1050">
+              <a:solidFill>
+                <a:srgbClr val="D4D4D4"/>
+              </a:solidFill>
+              <a:highlight>
+                <a:srgbClr val="1E1E1E"/>
+              </a:highlight>
+              <a:latin typeface="Courier New"/>
+              <a:ea typeface="Courier New"/>
+              <a:cs typeface="Courier New"/>
+              <a:sym typeface="Courier New"/>
+            </a:endParaRPr>
+          </a:p>
+          <a:p>
+            <a:pPr indent="0" lvl="0" marL="0" rtl="0" algn="l">
+              <a:lnSpc>
+                <a:spcPct val="135714"/>
+              </a:lnSpc>
+              <a:spcBef>
+                <a:spcPts val="0"/>
+              </a:spcBef>
+              <a:spcAft>
+                <a:spcPts val="0"/>
+              </a:spcAft>
+              <a:buClr>
+                <a:schemeClr val="dk1"/>
+              </a:buClr>
+              <a:buSzPts val="1100"/>
+              <a:buFont typeface="Arial"/>
+              <a:buNone/>
+            </a:pPr>
+            <a:r>
+              <a:rPr lang="es" sz="1050">
+                <a:solidFill>
+                  <a:srgbClr val="D4D4D4"/>
+                </a:solidFill>
+                <a:highlight>
+                  <a:srgbClr val="1E1E1E"/>
+                </a:highlight>
+                <a:latin typeface="Courier New"/>
+                <a:ea typeface="Courier New"/>
+                <a:cs typeface="Courier New"/>
+                <a:sym typeface="Courier New"/>
+              </a:rPr>
+              <a:t>   </a:t>
+            </a:r>
+            <a:r>
+              <a:rPr lang="es" sz="1050">
+                <a:solidFill>
+                  <a:srgbClr val="C586C0"/>
+                </a:solidFill>
+                <a:highlight>
+                  <a:srgbClr val="1E1E1E"/>
+                </a:highlight>
+                <a:latin typeface="Courier New"/>
+                <a:ea typeface="Courier New"/>
+                <a:cs typeface="Courier New"/>
+                <a:sym typeface="Courier New"/>
+              </a:rPr>
+              <a:t>return</a:t>
+            </a:r>
+            <a:r>
+              <a:rPr lang="es" sz="1050">
+                <a:solidFill>
+                  <a:srgbClr val="D4D4D4"/>
+                </a:solidFill>
+                <a:highlight>
+                  <a:srgbClr val="1E1E1E"/>
+                </a:highlight>
+                <a:latin typeface="Courier New"/>
+                <a:ea typeface="Courier New"/>
+                <a:cs typeface="Courier New"/>
+                <a:sym typeface="Courier New"/>
+              </a:rPr>
+              <a:t> </a:t>
+            </a:r>
+            <a:r>
+              <a:rPr lang="es" sz="1050">
+                <a:solidFill>
+                  <a:srgbClr val="4EC9B0"/>
+                </a:solidFill>
+                <a:highlight>
+                  <a:srgbClr val="1E1E1E"/>
+                </a:highlight>
+                <a:latin typeface="Courier New"/>
+                <a:ea typeface="Courier New"/>
+                <a:cs typeface="Courier New"/>
+                <a:sym typeface="Courier New"/>
+              </a:rPr>
+              <a:t>MaterialApp</a:t>
+            </a:r>
+            <a:r>
+              <a:rPr lang="es" sz="1050">
+                <a:solidFill>
+                  <a:srgbClr val="D4D4D4"/>
+                </a:solidFill>
+                <a:highlight>
+                  <a:srgbClr val="1E1E1E"/>
+                </a:highlight>
+                <a:latin typeface="Courier New"/>
+                <a:ea typeface="Courier New"/>
+                <a:cs typeface="Courier New"/>
+                <a:sym typeface="Courier New"/>
+              </a:rPr>
+              <a:t>(</a:t>
+            </a:r>
+            <a:endParaRPr sz="1050">
+              <a:solidFill>
+                <a:srgbClr val="D4D4D4"/>
+              </a:solidFill>
+              <a:highlight>
+                <a:srgbClr val="1E1E1E"/>
+              </a:highlight>
+              <a:latin typeface="Courier New"/>
+              <a:ea typeface="Courier New"/>
+              <a:cs typeface="Courier New"/>
+              <a:sym typeface="Courier New"/>
+            </a:endParaRPr>
+          </a:p>
+          <a:p>
+            <a:pPr indent="0" lvl="0" marL="0" rtl="0" algn="l">
+              <a:lnSpc>
+                <a:spcPct val="135714"/>
+              </a:lnSpc>
+              <a:spcBef>
+                <a:spcPts val="0"/>
+              </a:spcBef>
+              <a:spcAft>
+                <a:spcPts val="0"/>
+              </a:spcAft>
+              <a:buClr>
+                <a:schemeClr val="dk1"/>
+              </a:buClr>
+              <a:buSzPts val="1100"/>
+              <a:buFont typeface="Arial"/>
+              <a:buNone/>
+            </a:pPr>
+            <a:r>
+              <a:rPr lang="es" sz="1050">
+                <a:solidFill>
+                  <a:srgbClr val="D4D4D4"/>
+                </a:solidFill>
+                <a:highlight>
+                  <a:srgbClr val="1E1E1E"/>
+                </a:highlight>
+                <a:latin typeface="Courier New"/>
+                <a:ea typeface="Courier New"/>
+                <a:cs typeface="Courier New"/>
+                <a:sym typeface="Courier New"/>
+              </a:rPr>
+              <a:t>     title: </a:t>
+            </a:r>
+            <a:r>
+              <a:rPr lang="es" sz="1050">
+                <a:solidFill>
+                  <a:srgbClr val="CE9178"/>
+                </a:solidFill>
+                <a:highlight>
+                  <a:srgbClr val="1E1E1E"/>
+                </a:highlight>
+                <a:latin typeface="Courier New"/>
+                <a:ea typeface="Courier New"/>
+                <a:cs typeface="Courier New"/>
+                <a:sym typeface="Courier New"/>
+              </a:rPr>
+              <a:t>'Auto Login'</a:t>
+            </a:r>
+            <a:r>
+              <a:rPr lang="es" sz="1050">
+                <a:solidFill>
+                  <a:srgbClr val="D4D4D4"/>
+                </a:solidFill>
+                <a:highlight>
+                  <a:srgbClr val="1E1E1E"/>
+                </a:highlight>
+                <a:latin typeface="Courier New"/>
+                <a:ea typeface="Courier New"/>
+                <a:cs typeface="Courier New"/>
+                <a:sym typeface="Courier New"/>
+              </a:rPr>
+              <a:t>,</a:t>
+            </a:r>
+            <a:endParaRPr sz="1050">
+              <a:solidFill>
+                <a:srgbClr val="D4D4D4"/>
+              </a:solidFill>
+              <a:highlight>
+                <a:srgbClr val="1E1E1E"/>
+              </a:highlight>
+              <a:latin typeface="Courier New"/>
+              <a:ea typeface="Courier New"/>
+              <a:cs typeface="Courier New"/>
+              <a:sym typeface="Courier New"/>
+            </a:endParaRPr>
+          </a:p>
+          <a:p>
+            <a:pPr indent="0" lvl="0" marL="0" rtl="0" algn="l">
+              <a:lnSpc>
+                <a:spcPct val="135714"/>
+              </a:lnSpc>
+              <a:spcBef>
+                <a:spcPts val="0"/>
+              </a:spcBef>
+              <a:spcAft>
+                <a:spcPts val="0"/>
+              </a:spcAft>
+              <a:buClr>
+                <a:schemeClr val="dk1"/>
+              </a:buClr>
+              <a:buSzPts val="1100"/>
+              <a:buFont typeface="Arial"/>
+              <a:buNone/>
+            </a:pPr>
+            <a:r>
+              <a:rPr lang="es" sz="1050">
+                <a:solidFill>
+                  <a:srgbClr val="D4D4D4"/>
+                </a:solidFill>
+                <a:highlight>
+                  <a:srgbClr val="1E1E1E"/>
+                </a:highlight>
+                <a:latin typeface="Courier New"/>
+                <a:ea typeface="Courier New"/>
+                <a:cs typeface="Courier New"/>
+                <a:sym typeface="Courier New"/>
+              </a:rPr>
+              <a:t>     theme: </a:t>
+            </a:r>
+            <a:r>
+              <a:rPr lang="es" sz="1050">
+                <a:solidFill>
+                  <a:srgbClr val="4EC9B0"/>
+                </a:solidFill>
+                <a:highlight>
+                  <a:srgbClr val="1E1E1E"/>
+                </a:highlight>
+                <a:latin typeface="Courier New"/>
+                <a:ea typeface="Courier New"/>
+                <a:cs typeface="Courier New"/>
+                <a:sym typeface="Courier New"/>
+              </a:rPr>
+              <a:t>ThemeData</a:t>
+            </a:r>
+            <a:r>
+              <a:rPr lang="es" sz="1050">
+                <a:solidFill>
+                  <a:srgbClr val="D4D4D4"/>
+                </a:solidFill>
+                <a:highlight>
+                  <a:srgbClr val="1E1E1E"/>
+                </a:highlight>
+                <a:latin typeface="Courier New"/>
+                <a:ea typeface="Courier New"/>
+                <a:cs typeface="Courier New"/>
+                <a:sym typeface="Courier New"/>
+              </a:rPr>
+              <a:t>(</a:t>
+            </a:r>
+            <a:endParaRPr sz="1050">
+              <a:solidFill>
+                <a:srgbClr val="D4D4D4"/>
+              </a:solidFill>
+              <a:highlight>
+                <a:srgbClr val="1E1E1E"/>
+              </a:highlight>
+              <a:latin typeface="Courier New"/>
+              <a:ea typeface="Courier New"/>
+              <a:cs typeface="Courier New"/>
+              <a:sym typeface="Courier New"/>
+            </a:endParaRPr>
+          </a:p>
+          <a:p>
+            <a:pPr indent="0" lvl="0" marL="0" rtl="0" algn="l">
+              <a:lnSpc>
+                <a:spcPct val="135714"/>
+              </a:lnSpc>
+              <a:spcBef>
+                <a:spcPts val="0"/>
+              </a:spcBef>
+              <a:spcAft>
+                <a:spcPts val="0"/>
+              </a:spcAft>
+              <a:buClr>
+                <a:schemeClr val="dk1"/>
+              </a:buClr>
+              <a:buSzPts val="1100"/>
+              <a:buFont typeface="Arial"/>
+              <a:buNone/>
+            </a:pPr>
+            <a:r>
+              <a:rPr lang="es" sz="1050">
+                <a:solidFill>
+                  <a:srgbClr val="D4D4D4"/>
+                </a:solidFill>
+                <a:highlight>
+                  <a:srgbClr val="1E1E1E"/>
+                </a:highlight>
+                <a:latin typeface="Courier New"/>
+                <a:ea typeface="Courier New"/>
+                <a:cs typeface="Courier New"/>
+                <a:sym typeface="Courier New"/>
+              </a:rPr>
+              <a:t>       primarySwatch: </a:t>
+            </a:r>
+            <a:r>
+              <a:rPr lang="es" sz="1050">
+                <a:solidFill>
+                  <a:srgbClr val="4EC9B0"/>
+                </a:solidFill>
+                <a:highlight>
+                  <a:srgbClr val="1E1E1E"/>
+                </a:highlight>
+                <a:latin typeface="Courier New"/>
+                <a:ea typeface="Courier New"/>
+                <a:cs typeface="Courier New"/>
+                <a:sym typeface="Courier New"/>
+              </a:rPr>
+              <a:t>Colors</a:t>
+            </a:r>
+            <a:r>
+              <a:rPr lang="es" sz="1050">
+                <a:solidFill>
+                  <a:srgbClr val="D4D4D4"/>
+                </a:solidFill>
+                <a:highlight>
+                  <a:srgbClr val="1E1E1E"/>
+                </a:highlight>
+                <a:latin typeface="Courier New"/>
+                <a:ea typeface="Courier New"/>
+                <a:cs typeface="Courier New"/>
+                <a:sym typeface="Courier New"/>
+              </a:rPr>
+              <a:t>.blue,</a:t>
+            </a:r>
+            <a:endParaRPr sz="1050">
+              <a:solidFill>
+                <a:srgbClr val="D4D4D4"/>
+              </a:solidFill>
+              <a:highlight>
+                <a:srgbClr val="1E1E1E"/>
+              </a:highlight>
+              <a:latin typeface="Courier New"/>
+              <a:ea typeface="Courier New"/>
+              <a:cs typeface="Courier New"/>
+              <a:sym typeface="Courier New"/>
+            </a:endParaRPr>
+          </a:p>
+          <a:p>
+            <a:pPr indent="0" lvl="0" marL="0" rtl="0" algn="l">
+              <a:lnSpc>
+                <a:spcPct val="135714"/>
+              </a:lnSpc>
+              <a:spcBef>
+                <a:spcPts val="0"/>
+              </a:spcBef>
+              <a:spcAft>
+                <a:spcPts val="0"/>
+              </a:spcAft>
+              <a:buClr>
+                <a:schemeClr val="dk1"/>
+              </a:buClr>
+              <a:buSzPts val="1100"/>
+              <a:buFont typeface="Arial"/>
+              <a:buNone/>
+            </a:pPr>
+            <a:r>
+              <a:rPr lang="es" sz="1050">
+                <a:solidFill>
+                  <a:srgbClr val="D4D4D4"/>
+                </a:solidFill>
+                <a:highlight>
+                  <a:srgbClr val="1E1E1E"/>
+                </a:highlight>
+                <a:latin typeface="Courier New"/>
+                <a:ea typeface="Courier New"/>
+                <a:cs typeface="Courier New"/>
+                <a:sym typeface="Courier New"/>
+              </a:rPr>
+              <a:t>     ),</a:t>
+            </a:r>
+            <a:endParaRPr sz="1050">
+              <a:solidFill>
+                <a:srgbClr val="D4D4D4"/>
+              </a:solidFill>
+              <a:highlight>
+                <a:srgbClr val="1E1E1E"/>
+              </a:highlight>
+              <a:latin typeface="Courier New"/>
+              <a:ea typeface="Courier New"/>
+              <a:cs typeface="Courier New"/>
+              <a:sym typeface="Courier New"/>
+            </a:endParaRPr>
+          </a:p>
+          <a:p>
+            <a:pPr indent="0" lvl="0" marL="0" rtl="0" algn="l">
+              <a:lnSpc>
+                <a:spcPct val="135714"/>
+              </a:lnSpc>
+              <a:spcBef>
+                <a:spcPts val="0"/>
+              </a:spcBef>
+              <a:spcAft>
+                <a:spcPts val="0"/>
+              </a:spcAft>
+              <a:buClr>
+                <a:schemeClr val="dk1"/>
+              </a:buClr>
+              <a:buSzPts val="1100"/>
+              <a:buFont typeface="Arial"/>
+              <a:buNone/>
+            </a:pPr>
+            <a:r>
+              <a:rPr lang="es" sz="1050">
+                <a:solidFill>
+                  <a:srgbClr val="D4D4D4"/>
+                </a:solidFill>
+                <a:highlight>
+                  <a:srgbClr val="1E1E1E"/>
+                </a:highlight>
+                <a:latin typeface="Courier New"/>
+                <a:ea typeface="Courier New"/>
+                <a:cs typeface="Courier New"/>
+                <a:sym typeface="Courier New"/>
+              </a:rPr>
+              <a:t>     home: </a:t>
+            </a:r>
+            <a:r>
+              <a:rPr lang="es" sz="1050">
+                <a:solidFill>
+                  <a:srgbClr val="4EC9B0"/>
+                </a:solidFill>
+                <a:highlight>
+                  <a:srgbClr val="1E1E1E"/>
+                </a:highlight>
+                <a:latin typeface="Courier New"/>
+                <a:ea typeface="Courier New"/>
+                <a:cs typeface="Courier New"/>
+                <a:sym typeface="Courier New"/>
+              </a:rPr>
+              <a:t>MyHomePage</a:t>
+            </a:r>
+            <a:r>
+              <a:rPr lang="es" sz="1050">
+                <a:solidFill>
+                  <a:srgbClr val="D4D4D4"/>
+                </a:solidFill>
+                <a:highlight>
+                  <a:srgbClr val="1E1E1E"/>
+                </a:highlight>
+                <a:latin typeface="Courier New"/>
+                <a:ea typeface="Courier New"/>
+                <a:cs typeface="Courier New"/>
+                <a:sym typeface="Courier New"/>
+              </a:rPr>
+              <a:t>()</a:t>
+            </a:r>
+            <a:endParaRPr sz="1050">
+              <a:solidFill>
+                <a:srgbClr val="D4D4D4"/>
+              </a:solidFill>
+              <a:highlight>
+                <a:srgbClr val="1E1E1E"/>
+              </a:highlight>
+              <a:latin typeface="Courier New"/>
+              <a:ea typeface="Courier New"/>
+              <a:cs typeface="Courier New"/>
+              <a:sym typeface="Courier New"/>
+            </a:endParaRPr>
+          </a:p>
+          <a:p>
+            <a:pPr indent="0" lvl="0" marL="0" rtl="0" algn="l">
+              <a:lnSpc>
+                <a:spcPct val="135714"/>
+              </a:lnSpc>
+              <a:spcBef>
+                <a:spcPts val="0"/>
+              </a:spcBef>
+              <a:spcAft>
+                <a:spcPts val="0"/>
+              </a:spcAft>
+              <a:buClr>
+                <a:schemeClr val="dk1"/>
+              </a:buClr>
+              <a:buSzPts val="1100"/>
+              <a:buFont typeface="Arial"/>
+              <a:buNone/>
+            </a:pPr>
+            <a:r>
+              <a:rPr lang="es" sz="1050">
+                <a:solidFill>
+                  <a:srgbClr val="D4D4D4"/>
+                </a:solidFill>
+                <a:highlight>
+                  <a:srgbClr val="1E1E1E"/>
+                </a:highlight>
+                <a:latin typeface="Courier New"/>
+                <a:ea typeface="Courier New"/>
+                <a:cs typeface="Courier New"/>
+                <a:sym typeface="Courier New"/>
+              </a:rPr>
+              <a:t>   );</a:t>
+            </a:r>
+            <a:endParaRPr sz="1050">
+              <a:solidFill>
+                <a:srgbClr val="D4D4D4"/>
+              </a:solidFill>
+              <a:highlight>
+                <a:srgbClr val="1E1E1E"/>
+              </a:highlight>
+              <a:latin typeface="Courier New"/>
+              <a:ea typeface="Courier New"/>
+              <a:cs typeface="Courier New"/>
+              <a:sym typeface="Courier New"/>
+            </a:endParaRPr>
+          </a:p>
+          <a:p>
+            <a:pPr indent="0" lvl="0" marL="0" rtl="0" algn="l">
+              <a:lnSpc>
+                <a:spcPct val="135714"/>
+              </a:lnSpc>
+              <a:spcBef>
+                <a:spcPts val="0"/>
+              </a:spcBef>
+              <a:spcAft>
+                <a:spcPts val="0"/>
+              </a:spcAft>
+              <a:buClr>
+                <a:schemeClr val="dk1"/>
+              </a:buClr>
+              <a:buSzPts val="1100"/>
+              <a:buFont typeface="Arial"/>
+              <a:buNone/>
+            </a:pPr>
+            <a:r>
+              <a:rPr lang="es" sz="1050">
+                <a:solidFill>
+                  <a:srgbClr val="D4D4D4"/>
+                </a:solidFill>
+                <a:highlight>
+                  <a:srgbClr val="1E1E1E"/>
+                </a:highlight>
+                <a:latin typeface="Courier New"/>
+                <a:ea typeface="Courier New"/>
+                <a:cs typeface="Courier New"/>
+                <a:sym typeface="Courier New"/>
+              </a:rPr>
+              <a:t> }</a:t>
+            </a:r>
+            <a:endParaRPr sz="1050">
+              <a:solidFill>
+                <a:srgbClr val="D4D4D4"/>
+              </a:solidFill>
+              <a:highlight>
+                <a:srgbClr val="1E1E1E"/>
+              </a:highlight>
+              <a:latin typeface="Courier New"/>
+              <a:ea typeface="Courier New"/>
+              <a:cs typeface="Courier New"/>
+              <a:sym typeface="Courier New"/>
+            </a:endParaRPr>
+          </a:p>
+          <a:p>
+            <a:pPr indent="0" lvl="0" marL="0" rtl="0" algn="l">
+              <a:lnSpc>
+                <a:spcPct val="135714"/>
+              </a:lnSpc>
+              <a:spcBef>
+                <a:spcPts val="0"/>
+              </a:spcBef>
+              <a:spcAft>
+                <a:spcPts val="0"/>
+              </a:spcAft>
+              <a:buClr>
+                <a:schemeClr val="dk1"/>
+              </a:buClr>
+              <a:buSzPts val="1100"/>
+              <a:buFont typeface="Arial"/>
+              <a:buNone/>
+            </a:pPr>
+            <a:r>
+              <a:rPr lang="es" sz="1050">
+                <a:solidFill>
+                  <a:srgbClr val="D4D4D4"/>
+                </a:solidFill>
+                <a:highlight>
+                  <a:srgbClr val="1E1E1E"/>
+                </a:highlight>
+                <a:latin typeface="Courier New"/>
+                <a:ea typeface="Courier New"/>
+                <a:cs typeface="Courier New"/>
+                <a:sym typeface="Courier New"/>
+              </a:rPr>
+              <a:t>}</a:t>
+            </a:r>
+            <a:endParaRPr sz="1050">
+              <a:solidFill>
+                <a:srgbClr val="D4D4D4"/>
+              </a:solidFill>
+              <a:highlight>
+                <a:srgbClr val="1E1E1E"/>
+              </a:highlight>
+              <a:latin typeface="Courier New"/>
+              <a:ea typeface="Courier New"/>
+              <a:cs typeface="Courier New"/>
+              <a:sym typeface="Courier New"/>
+            </a:endParaRPr>
+          </a:p>
+          <a:p>
+            <a:pPr indent="0" lvl="0" marL="0" rtl="0" algn="l">
+              <a:lnSpc>
+                <a:spcPct val="135714"/>
+              </a:lnSpc>
+              <a:spcBef>
+                <a:spcPts val="0"/>
+              </a:spcBef>
+              <a:spcAft>
+                <a:spcPts val="0"/>
+              </a:spcAft>
+              <a:buClr>
+                <a:schemeClr val="dk1"/>
+              </a:buClr>
+              <a:buSzPts val="1100"/>
+              <a:buFont typeface="Arial"/>
+              <a:buNone/>
+            </a:pPr>
+            <a:r>
+              <a:t/>
+            </a:r>
+            <a:endParaRPr sz="1050">
+              <a:solidFill>
+                <a:srgbClr val="D4D4D4"/>
+              </a:solidFill>
+              <a:highlight>
+                <a:srgbClr val="1E1E1E"/>
+              </a:highlight>
+              <a:latin typeface="Courier New"/>
+              <a:ea typeface="Courier New"/>
+              <a:cs typeface="Courier New"/>
+              <a:sym typeface="Courier New"/>
+            </a:endParaRPr>
+          </a:p>
+          <a:p>
+            <a:pPr indent="0" lvl="0" marL="0" rtl="0" algn="l">
+              <a:lnSpc>
+                <a:spcPct val="135714"/>
+              </a:lnSpc>
+              <a:spcBef>
+                <a:spcPts val="0"/>
+              </a:spcBef>
+              <a:spcAft>
+                <a:spcPts val="0"/>
+              </a:spcAft>
+              <a:buClr>
+                <a:schemeClr val="dk1"/>
+              </a:buClr>
+              <a:buSzPts val="1100"/>
+              <a:buFont typeface="Arial"/>
+              <a:buNone/>
+            </a:pPr>
+            <a:r>
+              <a:rPr lang="es" sz="1050">
+                <a:solidFill>
+                  <a:srgbClr val="569CD6"/>
+                </a:solidFill>
+                <a:highlight>
+                  <a:srgbClr val="1E1E1E"/>
+                </a:highlight>
+                <a:latin typeface="Courier New"/>
+                <a:ea typeface="Courier New"/>
+                <a:cs typeface="Courier New"/>
+                <a:sym typeface="Courier New"/>
+              </a:rPr>
+              <a:t>class</a:t>
+            </a:r>
+            <a:r>
+              <a:rPr lang="es" sz="1050">
+                <a:solidFill>
+                  <a:srgbClr val="D4D4D4"/>
+                </a:solidFill>
+                <a:highlight>
+                  <a:srgbClr val="1E1E1E"/>
+                </a:highlight>
+                <a:latin typeface="Courier New"/>
+                <a:ea typeface="Courier New"/>
+                <a:cs typeface="Courier New"/>
+                <a:sym typeface="Courier New"/>
+              </a:rPr>
+              <a:t> </a:t>
+            </a:r>
+            <a:r>
+              <a:rPr lang="es" sz="1050">
+                <a:solidFill>
+                  <a:srgbClr val="4EC9B0"/>
+                </a:solidFill>
+                <a:highlight>
+                  <a:srgbClr val="1E1E1E"/>
+                </a:highlight>
+                <a:latin typeface="Courier New"/>
+                <a:ea typeface="Courier New"/>
+                <a:cs typeface="Courier New"/>
+                <a:sym typeface="Courier New"/>
+              </a:rPr>
+              <a:t>MyHomePage</a:t>
+            </a:r>
+            <a:r>
+              <a:rPr lang="es" sz="1050">
+                <a:solidFill>
+                  <a:srgbClr val="D4D4D4"/>
+                </a:solidFill>
+                <a:highlight>
+                  <a:srgbClr val="1E1E1E"/>
+                </a:highlight>
+                <a:latin typeface="Courier New"/>
+                <a:ea typeface="Courier New"/>
+                <a:cs typeface="Courier New"/>
+                <a:sym typeface="Courier New"/>
+              </a:rPr>
+              <a:t> </a:t>
+            </a:r>
+            <a:r>
+              <a:rPr lang="es" sz="1050">
+                <a:solidFill>
+                  <a:srgbClr val="569CD6"/>
+                </a:solidFill>
+                <a:highlight>
+                  <a:srgbClr val="1E1E1E"/>
+                </a:highlight>
+                <a:latin typeface="Courier New"/>
+                <a:ea typeface="Courier New"/>
+                <a:cs typeface="Courier New"/>
+                <a:sym typeface="Courier New"/>
+              </a:rPr>
+              <a:t>extends</a:t>
+            </a:r>
+            <a:r>
+              <a:rPr lang="es" sz="1050">
+                <a:solidFill>
+                  <a:srgbClr val="D4D4D4"/>
+                </a:solidFill>
+                <a:highlight>
+                  <a:srgbClr val="1E1E1E"/>
+                </a:highlight>
+                <a:latin typeface="Courier New"/>
+                <a:ea typeface="Courier New"/>
+                <a:cs typeface="Courier New"/>
+                <a:sym typeface="Courier New"/>
+              </a:rPr>
+              <a:t> </a:t>
+            </a:r>
+            <a:r>
+              <a:rPr lang="es" sz="1050">
+                <a:solidFill>
+                  <a:srgbClr val="4EC9B0"/>
+                </a:solidFill>
+                <a:highlight>
+                  <a:srgbClr val="1E1E1E"/>
+                </a:highlight>
+                <a:latin typeface="Courier New"/>
+                <a:ea typeface="Courier New"/>
+                <a:cs typeface="Courier New"/>
+                <a:sym typeface="Courier New"/>
+              </a:rPr>
+              <a:t>StatefulWidget</a:t>
+            </a:r>
+            <a:r>
+              <a:rPr lang="es" sz="1050">
+                <a:solidFill>
+                  <a:srgbClr val="D4D4D4"/>
+                </a:solidFill>
+                <a:highlight>
+                  <a:srgbClr val="1E1E1E"/>
+                </a:highlight>
+                <a:latin typeface="Courier New"/>
+                <a:ea typeface="Courier New"/>
+                <a:cs typeface="Courier New"/>
+                <a:sym typeface="Courier New"/>
+              </a:rPr>
+              <a:t> {</a:t>
+            </a:r>
+            <a:endParaRPr sz="1050">
+              <a:solidFill>
+                <a:srgbClr val="D4D4D4"/>
+              </a:solidFill>
+              <a:highlight>
+                <a:srgbClr val="1E1E1E"/>
+              </a:highlight>
+              <a:latin typeface="Courier New"/>
+              <a:ea typeface="Courier New"/>
+              <a:cs typeface="Courier New"/>
+              <a:sym typeface="Courier New"/>
+            </a:endParaRPr>
+          </a:p>
+          <a:p>
+            <a:pPr indent="0" lvl="0" marL="0" rtl="0" algn="l">
+              <a:lnSpc>
+                <a:spcPct val="135714"/>
+              </a:lnSpc>
+              <a:spcBef>
+                <a:spcPts val="0"/>
+              </a:spcBef>
+              <a:spcAft>
+                <a:spcPts val="0"/>
+              </a:spcAft>
+              <a:buClr>
+                <a:schemeClr val="dk1"/>
+              </a:buClr>
+              <a:buSzPts val="1100"/>
+              <a:buFont typeface="Arial"/>
+              <a:buNone/>
+            </a:pPr>
+            <a:r>
+              <a:rPr lang="es" sz="1050">
+                <a:solidFill>
+                  <a:srgbClr val="D4D4D4"/>
+                </a:solidFill>
+                <a:highlight>
+                  <a:srgbClr val="1E1E1E"/>
+                </a:highlight>
+                <a:latin typeface="Courier New"/>
+                <a:ea typeface="Courier New"/>
+                <a:cs typeface="Courier New"/>
+                <a:sym typeface="Courier New"/>
+              </a:rPr>
+              <a:t> </a:t>
+            </a:r>
+            <a:r>
+              <a:rPr lang="es" sz="1050">
+                <a:solidFill>
+                  <a:srgbClr val="569CD6"/>
+                </a:solidFill>
+                <a:highlight>
+                  <a:srgbClr val="1E1E1E"/>
+                </a:highlight>
+                <a:latin typeface="Courier New"/>
+                <a:ea typeface="Courier New"/>
+                <a:cs typeface="Courier New"/>
+                <a:sym typeface="Courier New"/>
+              </a:rPr>
+              <a:t>@override</a:t>
+            </a:r>
+            <a:endParaRPr sz="1050">
+              <a:solidFill>
+                <a:srgbClr val="569CD6"/>
+              </a:solidFill>
+              <a:highlight>
+                <a:srgbClr val="1E1E1E"/>
+              </a:highlight>
+              <a:latin typeface="Courier New"/>
+              <a:ea typeface="Courier New"/>
+              <a:cs typeface="Courier New"/>
+              <a:sym typeface="Courier New"/>
+            </a:endParaRPr>
+          </a:p>
+          <a:p>
+            <a:pPr indent="0" lvl="0" marL="0" rtl="0" algn="l">
+              <a:lnSpc>
+                <a:spcPct val="135714"/>
+              </a:lnSpc>
+              <a:spcBef>
+                <a:spcPts val="0"/>
+              </a:spcBef>
+              <a:spcAft>
+                <a:spcPts val="0"/>
+              </a:spcAft>
+              <a:buClr>
+                <a:schemeClr val="dk1"/>
+              </a:buClr>
+              <a:buSzPts val="1100"/>
+              <a:buFont typeface="Arial"/>
+              <a:buNone/>
+            </a:pPr>
+            <a:r>
+              <a:rPr lang="es" sz="1050">
+                <a:solidFill>
+                  <a:srgbClr val="D4D4D4"/>
+                </a:solidFill>
+                <a:highlight>
+                  <a:srgbClr val="1E1E1E"/>
+                </a:highlight>
+                <a:latin typeface="Courier New"/>
+                <a:ea typeface="Courier New"/>
+                <a:cs typeface="Courier New"/>
+                <a:sym typeface="Courier New"/>
+              </a:rPr>
+              <a:t> </a:t>
+            </a:r>
+            <a:r>
+              <a:rPr lang="es" sz="1050">
+                <a:solidFill>
+                  <a:srgbClr val="4EC9B0"/>
+                </a:solidFill>
+                <a:highlight>
+                  <a:srgbClr val="1E1E1E"/>
+                </a:highlight>
+                <a:latin typeface="Courier New"/>
+                <a:ea typeface="Courier New"/>
+                <a:cs typeface="Courier New"/>
+                <a:sym typeface="Courier New"/>
+              </a:rPr>
+              <a:t>_MyHomePageState</a:t>
+            </a:r>
+            <a:r>
+              <a:rPr lang="es" sz="1050">
+                <a:solidFill>
+                  <a:srgbClr val="D4D4D4"/>
+                </a:solidFill>
+                <a:highlight>
+                  <a:srgbClr val="1E1E1E"/>
+                </a:highlight>
+                <a:latin typeface="Courier New"/>
+                <a:ea typeface="Courier New"/>
+                <a:cs typeface="Courier New"/>
+                <a:sym typeface="Courier New"/>
+              </a:rPr>
+              <a:t> </a:t>
+            </a:r>
+            <a:r>
+              <a:rPr lang="es" sz="1050">
+                <a:solidFill>
+                  <a:srgbClr val="DCDCAA"/>
+                </a:solidFill>
+                <a:highlight>
+                  <a:srgbClr val="1E1E1E"/>
+                </a:highlight>
+                <a:latin typeface="Courier New"/>
+                <a:ea typeface="Courier New"/>
+                <a:cs typeface="Courier New"/>
+                <a:sym typeface="Courier New"/>
+              </a:rPr>
+              <a:t>createState</a:t>
+            </a:r>
+            <a:r>
+              <a:rPr lang="es" sz="1050">
+                <a:solidFill>
+                  <a:srgbClr val="D4D4D4"/>
+                </a:solidFill>
+                <a:highlight>
+                  <a:srgbClr val="1E1E1E"/>
+                </a:highlight>
+                <a:latin typeface="Courier New"/>
+                <a:ea typeface="Courier New"/>
+                <a:cs typeface="Courier New"/>
+                <a:sym typeface="Courier New"/>
+              </a:rPr>
+              <a:t>() =&gt; </a:t>
+            </a:r>
+            <a:r>
+              <a:rPr lang="es" sz="1050">
+                <a:solidFill>
+                  <a:srgbClr val="4EC9B0"/>
+                </a:solidFill>
+                <a:highlight>
+                  <a:srgbClr val="1E1E1E"/>
+                </a:highlight>
+                <a:latin typeface="Courier New"/>
+                <a:ea typeface="Courier New"/>
+                <a:cs typeface="Courier New"/>
+                <a:sym typeface="Courier New"/>
+              </a:rPr>
+              <a:t>_MyHomePageState</a:t>
+            </a:r>
+            <a:r>
+              <a:rPr lang="es" sz="1050">
+                <a:solidFill>
+                  <a:srgbClr val="D4D4D4"/>
+                </a:solidFill>
+                <a:highlight>
+                  <a:srgbClr val="1E1E1E"/>
+                </a:highlight>
+                <a:latin typeface="Courier New"/>
+                <a:ea typeface="Courier New"/>
+                <a:cs typeface="Courier New"/>
+                <a:sym typeface="Courier New"/>
+              </a:rPr>
+              <a:t>();</a:t>
+            </a:r>
+            <a:endParaRPr sz="1050">
+              <a:solidFill>
+                <a:srgbClr val="D4D4D4"/>
+              </a:solidFill>
+              <a:highlight>
+                <a:srgbClr val="1E1E1E"/>
+              </a:highlight>
+              <a:latin typeface="Courier New"/>
+              <a:ea typeface="Courier New"/>
+              <a:cs typeface="Courier New"/>
+              <a:sym typeface="Courier New"/>
+            </a:endParaRPr>
+          </a:p>
+          <a:p>
+            <a:pPr indent="0" lvl="0" marL="0" rtl="0" algn="l">
+              <a:lnSpc>
+                <a:spcPct val="135714"/>
+              </a:lnSpc>
+              <a:spcBef>
+                <a:spcPts val="0"/>
+              </a:spcBef>
+              <a:spcAft>
+                <a:spcPts val="0"/>
+              </a:spcAft>
+              <a:buClr>
+                <a:schemeClr val="dk1"/>
+              </a:buClr>
+              <a:buSzPts val="1100"/>
+              <a:buFont typeface="Arial"/>
+              <a:buNone/>
+            </a:pPr>
+            <a:r>
+              <a:rPr lang="es" sz="1050">
+                <a:solidFill>
+                  <a:srgbClr val="D4D4D4"/>
+                </a:solidFill>
+                <a:highlight>
+                  <a:srgbClr val="1E1E1E"/>
+                </a:highlight>
+                <a:latin typeface="Courier New"/>
+                <a:ea typeface="Courier New"/>
+                <a:cs typeface="Courier New"/>
+                <a:sym typeface="Courier New"/>
+              </a:rPr>
+              <a:t>}</a:t>
+            </a:r>
+            <a:endParaRPr sz="1050">
+              <a:solidFill>
+                <a:srgbClr val="D4D4D4"/>
+              </a:solidFill>
+              <a:highlight>
+                <a:srgbClr val="1E1E1E"/>
+              </a:highlight>
+              <a:latin typeface="Courier New"/>
+              <a:ea typeface="Courier New"/>
+              <a:cs typeface="Courier New"/>
+              <a:sym typeface="Courier New"/>
+            </a:endParaRPr>
+          </a:p>
+          <a:p>
+            <a:pPr indent="0" lvl="0" marL="0" rtl="0" algn="l">
+              <a:lnSpc>
+                <a:spcPct val="135714"/>
+              </a:lnSpc>
+              <a:spcBef>
+                <a:spcPts val="0"/>
+              </a:spcBef>
+              <a:spcAft>
+                <a:spcPts val="0"/>
+              </a:spcAft>
+              <a:buClr>
+                <a:schemeClr val="dk1"/>
+              </a:buClr>
+              <a:buSzPts val="1100"/>
+              <a:buFont typeface="Arial"/>
+              <a:buNone/>
+            </a:pPr>
+            <a:r>
+              <a:t/>
+            </a:r>
+            <a:endParaRPr sz="1050">
+              <a:solidFill>
+                <a:srgbClr val="D4D4D4"/>
+              </a:solidFill>
+              <a:highlight>
+                <a:srgbClr val="1E1E1E"/>
+              </a:highlight>
+              <a:latin typeface="Courier New"/>
+              <a:ea typeface="Courier New"/>
+              <a:cs typeface="Courier New"/>
+              <a:sym typeface="Courier New"/>
+            </a:endParaRPr>
+          </a:p>
+          <a:p>
+            <a:pPr indent="0" lvl="0" marL="0" rtl="0" algn="l">
+              <a:lnSpc>
+                <a:spcPct val="135714"/>
+              </a:lnSpc>
+              <a:spcBef>
+                <a:spcPts val="0"/>
+              </a:spcBef>
+              <a:spcAft>
+                <a:spcPts val="0"/>
+              </a:spcAft>
+              <a:buClr>
+                <a:schemeClr val="dk1"/>
+              </a:buClr>
+              <a:buSzPts val="1100"/>
+              <a:buFont typeface="Arial"/>
+              <a:buNone/>
+            </a:pPr>
+            <a:r>
+              <a:rPr lang="es" sz="1050">
+                <a:solidFill>
+                  <a:srgbClr val="569CD6"/>
+                </a:solidFill>
+                <a:highlight>
+                  <a:srgbClr val="1E1E1E"/>
+                </a:highlight>
+                <a:latin typeface="Courier New"/>
+                <a:ea typeface="Courier New"/>
+                <a:cs typeface="Courier New"/>
+                <a:sym typeface="Courier New"/>
+              </a:rPr>
+              <a:t>class</a:t>
+            </a:r>
+            <a:r>
+              <a:rPr lang="es" sz="1050">
+                <a:solidFill>
+                  <a:srgbClr val="D4D4D4"/>
+                </a:solidFill>
+                <a:highlight>
+                  <a:srgbClr val="1E1E1E"/>
+                </a:highlight>
+                <a:latin typeface="Courier New"/>
+                <a:ea typeface="Courier New"/>
+                <a:cs typeface="Courier New"/>
+                <a:sym typeface="Courier New"/>
+              </a:rPr>
+              <a:t> </a:t>
+            </a:r>
+            <a:r>
+              <a:rPr lang="es" sz="1050">
+                <a:solidFill>
+                  <a:srgbClr val="4EC9B0"/>
+                </a:solidFill>
+                <a:highlight>
+                  <a:srgbClr val="1E1E1E"/>
+                </a:highlight>
+                <a:latin typeface="Courier New"/>
+                <a:ea typeface="Courier New"/>
+                <a:cs typeface="Courier New"/>
+                <a:sym typeface="Courier New"/>
+              </a:rPr>
+              <a:t>_MyHomePageState</a:t>
+            </a:r>
+            <a:r>
+              <a:rPr lang="es" sz="1050">
+                <a:solidFill>
+                  <a:srgbClr val="D4D4D4"/>
+                </a:solidFill>
+                <a:highlight>
+                  <a:srgbClr val="1E1E1E"/>
+                </a:highlight>
+                <a:latin typeface="Courier New"/>
+                <a:ea typeface="Courier New"/>
+                <a:cs typeface="Courier New"/>
+                <a:sym typeface="Courier New"/>
+              </a:rPr>
+              <a:t> </a:t>
+            </a:r>
+            <a:r>
+              <a:rPr lang="es" sz="1050">
+                <a:solidFill>
+                  <a:srgbClr val="569CD6"/>
+                </a:solidFill>
+                <a:highlight>
+                  <a:srgbClr val="1E1E1E"/>
+                </a:highlight>
+                <a:latin typeface="Courier New"/>
+                <a:ea typeface="Courier New"/>
+                <a:cs typeface="Courier New"/>
+                <a:sym typeface="Courier New"/>
+              </a:rPr>
+              <a:t>extends</a:t>
+            </a:r>
+            <a:r>
+              <a:rPr lang="es" sz="1050">
+                <a:solidFill>
+                  <a:srgbClr val="D4D4D4"/>
+                </a:solidFill>
+                <a:highlight>
+                  <a:srgbClr val="1E1E1E"/>
+                </a:highlight>
+                <a:latin typeface="Courier New"/>
+                <a:ea typeface="Courier New"/>
+                <a:cs typeface="Courier New"/>
+                <a:sym typeface="Courier New"/>
+              </a:rPr>
+              <a:t> </a:t>
+            </a:r>
+            <a:r>
+              <a:rPr lang="es" sz="1050">
+                <a:solidFill>
+                  <a:srgbClr val="4EC9B0"/>
+                </a:solidFill>
+                <a:highlight>
+                  <a:srgbClr val="1E1E1E"/>
+                </a:highlight>
+                <a:latin typeface="Courier New"/>
+                <a:ea typeface="Courier New"/>
+                <a:cs typeface="Courier New"/>
+                <a:sym typeface="Courier New"/>
+              </a:rPr>
+              <a:t>State</a:t>
+            </a:r>
+            <a:r>
+              <a:rPr lang="es" sz="1050">
+                <a:solidFill>
+                  <a:srgbClr val="D4D4D4"/>
+                </a:solidFill>
+                <a:highlight>
+                  <a:srgbClr val="1E1E1E"/>
+                </a:highlight>
+                <a:latin typeface="Courier New"/>
+                <a:ea typeface="Courier New"/>
+                <a:cs typeface="Courier New"/>
+                <a:sym typeface="Courier New"/>
+              </a:rPr>
+              <a:t>&lt;</a:t>
+            </a:r>
+            <a:r>
+              <a:rPr lang="es" sz="1050">
+                <a:solidFill>
+                  <a:srgbClr val="4EC9B0"/>
+                </a:solidFill>
+                <a:highlight>
+                  <a:srgbClr val="1E1E1E"/>
+                </a:highlight>
+                <a:latin typeface="Courier New"/>
+                <a:ea typeface="Courier New"/>
+                <a:cs typeface="Courier New"/>
+                <a:sym typeface="Courier New"/>
+              </a:rPr>
+              <a:t>MyHomePage</a:t>
+            </a:r>
+            <a:r>
+              <a:rPr lang="es" sz="1050">
+                <a:solidFill>
+                  <a:srgbClr val="D4D4D4"/>
+                </a:solidFill>
+                <a:highlight>
+                  <a:srgbClr val="1E1E1E"/>
+                </a:highlight>
+                <a:latin typeface="Courier New"/>
+                <a:ea typeface="Courier New"/>
+                <a:cs typeface="Courier New"/>
+                <a:sym typeface="Courier New"/>
+              </a:rPr>
+              <a:t>&gt; {</a:t>
+            </a:r>
+            <a:endParaRPr sz="1050">
+              <a:solidFill>
+                <a:srgbClr val="D4D4D4"/>
+              </a:solidFill>
+              <a:highlight>
+                <a:srgbClr val="1E1E1E"/>
+              </a:highlight>
+              <a:latin typeface="Courier New"/>
+              <a:ea typeface="Courier New"/>
+              <a:cs typeface="Courier New"/>
+              <a:sym typeface="Courier New"/>
+            </a:endParaRPr>
+          </a:p>
+          <a:p>
+            <a:pPr indent="0" lvl="0" marL="0" rtl="0" algn="l">
+              <a:lnSpc>
+                <a:spcPct val="135714"/>
+              </a:lnSpc>
+              <a:spcBef>
+                <a:spcPts val="0"/>
+              </a:spcBef>
+              <a:spcAft>
+                <a:spcPts val="0"/>
+              </a:spcAft>
+              <a:buClr>
+                <a:schemeClr val="dk1"/>
+              </a:buClr>
+              <a:buSzPts val="1100"/>
+              <a:buFont typeface="Arial"/>
+              <a:buNone/>
+            </a:pPr>
+            <a:r>
+              <a:rPr lang="es" sz="1050">
+                <a:solidFill>
+                  <a:srgbClr val="D4D4D4"/>
+                </a:solidFill>
+                <a:highlight>
+                  <a:srgbClr val="1E1E1E"/>
+                </a:highlight>
+                <a:latin typeface="Courier New"/>
+                <a:ea typeface="Courier New"/>
+                <a:cs typeface="Courier New"/>
+                <a:sym typeface="Courier New"/>
+              </a:rPr>
+              <a:t> </a:t>
+            </a:r>
+            <a:r>
+              <a:rPr lang="es" sz="1050">
+                <a:solidFill>
+                  <a:srgbClr val="4EC9B0"/>
+                </a:solidFill>
+                <a:highlight>
+                  <a:srgbClr val="1E1E1E"/>
+                </a:highlight>
+                <a:latin typeface="Courier New"/>
+                <a:ea typeface="Courier New"/>
+                <a:cs typeface="Courier New"/>
+                <a:sym typeface="Courier New"/>
+              </a:rPr>
+              <a:t>TextEditingController</a:t>
+            </a:r>
+            <a:r>
+              <a:rPr lang="es" sz="1050">
+                <a:solidFill>
+                  <a:srgbClr val="D4D4D4"/>
+                </a:solidFill>
+                <a:highlight>
+                  <a:srgbClr val="1E1E1E"/>
+                </a:highlight>
+                <a:latin typeface="Courier New"/>
+                <a:ea typeface="Courier New"/>
+                <a:cs typeface="Courier New"/>
+                <a:sym typeface="Courier New"/>
+              </a:rPr>
+              <a:t> nameController = </a:t>
+            </a:r>
+            <a:r>
+              <a:rPr lang="es" sz="1050">
+                <a:solidFill>
+                  <a:srgbClr val="4EC9B0"/>
+                </a:solidFill>
+                <a:highlight>
+                  <a:srgbClr val="1E1E1E"/>
+                </a:highlight>
+                <a:latin typeface="Courier New"/>
+                <a:ea typeface="Courier New"/>
+                <a:cs typeface="Courier New"/>
+                <a:sym typeface="Courier New"/>
+              </a:rPr>
+              <a:t>TextEditingController</a:t>
+            </a:r>
+            <a:r>
+              <a:rPr lang="es" sz="1050">
+                <a:solidFill>
+                  <a:srgbClr val="D4D4D4"/>
+                </a:solidFill>
+                <a:highlight>
+                  <a:srgbClr val="1E1E1E"/>
+                </a:highlight>
+                <a:latin typeface="Courier New"/>
+                <a:ea typeface="Courier New"/>
+                <a:cs typeface="Courier New"/>
+                <a:sym typeface="Courier New"/>
+              </a:rPr>
+              <a:t>();</a:t>
+            </a:r>
+            <a:endParaRPr sz="1050">
+              <a:solidFill>
+                <a:srgbClr val="D4D4D4"/>
+              </a:solidFill>
+              <a:highlight>
+                <a:srgbClr val="1E1E1E"/>
+              </a:highlight>
+              <a:latin typeface="Courier New"/>
+              <a:ea typeface="Courier New"/>
+              <a:cs typeface="Courier New"/>
+              <a:sym typeface="Courier New"/>
+            </a:endParaRPr>
+          </a:p>
+          <a:p>
+            <a:pPr indent="0" lvl="0" marL="0" rtl="0" algn="l">
+              <a:lnSpc>
+                <a:spcPct val="135714"/>
+              </a:lnSpc>
+              <a:spcBef>
+                <a:spcPts val="0"/>
+              </a:spcBef>
+              <a:spcAft>
+                <a:spcPts val="0"/>
+              </a:spcAft>
+              <a:buClr>
+                <a:schemeClr val="dk1"/>
+              </a:buClr>
+              <a:buSzPts val="1100"/>
+              <a:buFont typeface="Arial"/>
+              <a:buNone/>
+            </a:pPr>
+            <a:r>
+              <a:t/>
+            </a:r>
+            <a:endParaRPr sz="1050">
+              <a:solidFill>
+                <a:srgbClr val="D4D4D4"/>
+              </a:solidFill>
+              <a:highlight>
+                <a:srgbClr val="1E1E1E"/>
+              </a:highlight>
+              <a:latin typeface="Courier New"/>
+              <a:ea typeface="Courier New"/>
+              <a:cs typeface="Courier New"/>
+              <a:sym typeface="Courier New"/>
+            </a:endParaRPr>
+          </a:p>
+          <a:p>
+            <a:pPr indent="0" lvl="0" marL="0" rtl="0" algn="l">
+              <a:lnSpc>
+                <a:spcPct val="135714"/>
+              </a:lnSpc>
+              <a:spcBef>
+                <a:spcPts val="0"/>
+              </a:spcBef>
+              <a:spcAft>
+                <a:spcPts val="0"/>
+              </a:spcAft>
+              <a:buClr>
+                <a:schemeClr val="dk1"/>
+              </a:buClr>
+              <a:buSzPts val="1100"/>
+              <a:buFont typeface="Arial"/>
+              <a:buNone/>
+            </a:pPr>
+            <a:r>
+              <a:rPr lang="es" sz="1050">
+                <a:solidFill>
+                  <a:srgbClr val="D4D4D4"/>
+                </a:solidFill>
+                <a:highlight>
+                  <a:srgbClr val="1E1E1E"/>
+                </a:highlight>
+                <a:latin typeface="Courier New"/>
+                <a:ea typeface="Courier New"/>
+                <a:cs typeface="Courier New"/>
+                <a:sym typeface="Courier New"/>
+              </a:rPr>
+              <a:t> </a:t>
+            </a:r>
+            <a:r>
+              <a:rPr lang="es" sz="1050">
+                <a:solidFill>
+                  <a:srgbClr val="4EC9B0"/>
+                </a:solidFill>
+                <a:highlight>
+                  <a:srgbClr val="1E1E1E"/>
+                </a:highlight>
+                <a:latin typeface="Courier New"/>
+                <a:ea typeface="Courier New"/>
+                <a:cs typeface="Courier New"/>
+                <a:sym typeface="Courier New"/>
+              </a:rPr>
+              <a:t>bool</a:t>
+            </a:r>
+            <a:r>
+              <a:rPr lang="es" sz="1050">
+                <a:solidFill>
+                  <a:srgbClr val="D4D4D4"/>
+                </a:solidFill>
+                <a:highlight>
+                  <a:srgbClr val="1E1E1E"/>
+                </a:highlight>
+                <a:latin typeface="Courier New"/>
+                <a:ea typeface="Courier New"/>
+                <a:cs typeface="Courier New"/>
+                <a:sym typeface="Courier New"/>
+              </a:rPr>
+              <a:t> isLoggedIn = </a:t>
+            </a:r>
+            <a:r>
+              <a:rPr lang="es" sz="1050">
+                <a:solidFill>
+                  <a:srgbClr val="569CD6"/>
+                </a:solidFill>
+                <a:highlight>
+                  <a:srgbClr val="1E1E1E"/>
+                </a:highlight>
+                <a:latin typeface="Courier New"/>
+                <a:ea typeface="Courier New"/>
+                <a:cs typeface="Courier New"/>
+                <a:sym typeface="Courier New"/>
+              </a:rPr>
+              <a:t>false</a:t>
+            </a:r>
+            <a:r>
+              <a:rPr lang="es" sz="1050">
+                <a:solidFill>
+                  <a:srgbClr val="D4D4D4"/>
+                </a:solidFill>
+                <a:highlight>
+                  <a:srgbClr val="1E1E1E"/>
+                </a:highlight>
+                <a:latin typeface="Courier New"/>
+                <a:ea typeface="Courier New"/>
+                <a:cs typeface="Courier New"/>
+                <a:sym typeface="Courier New"/>
+              </a:rPr>
+              <a:t>;</a:t>
+            </a:r>
+            <a:endParaRPr sz="1050">
+              <a:solidFill>
+                <a:srgbClr val="D4D4D4"/>
+              </a:solidFill>
+              <a:highlight>
+                <a:srgbClr val="1E1E1E"/>
+              </a:highlight>
+              <a:latin typeface="Courier New"/>
+              <a:ea typeface="Courier New"/>
+              <a:cs typeface="Courier New"/>
+              <a:sym typeface="Courier New"/>
+            </a:endParaRPr>
+          </a:p>
+          <a:p>
+            <a:pPr indent="0" lvl="0" marL="0" rtl="0" algn="l">
+              <a:lnSpc>
+                <a:spcPct val="135714"/>
+              </a:lnSpc>
+              <a:spcBef>
+                <a:spcPts val="0"/>
+              </a:spcBef>
+              <a:spcAft>
+                <a:spcPts val="0"/>
+              </a:spcAft>
+              <a:buClr>
+                <a:schemeClr val="dk1"/>
+              </a:buClr>
+              <a:buSzPts val="1100"/>
+              <a:buFont typeface="Arial"/>
+              <a:buNone/>
+            </a:pPr>
+            <a:r>
+              <a:rPr lang="es" sz="1050">
+                <a:solidFill>
+                  <a:srgbClr val="D4D4D4"/>
+                </a:solidFill>
+                <a:highlight>
+                  <a:srgbClr val="1E1E1E"/>
+                </a:highlight>
+                <a:latin typeface="Courier New"/>
+                <a:ea typeface="Courier New"/>
+                <a:cs typeface="Courier New"/>
+                <a:sym typeface="Courier New"/>
+              </a:rPr>
+              <a:t> </a:t>
+            </a:r>
+            <a:r>
+              <a:rPr lang="es" sz="1050">
+                <a:solidFill>
+                  <a:srgbClr val="4EC9B0"/>
+                </a:solidFill>
+                <a:highlight>
+                  <a:srgbClr val="1E1E1E"/>
+                </a:highlight>
+                <a:latin typeface="Courier New"/>
+                <a:ea typeface="Courier New"/>
+                <a:cs typeface="Courier New"/>
+                <a:sym typeface="Courier New"/>
+              </a:rPr>
+              <a:t>String</a:t>
+            </a:r>
+            <a:r>
+              <a:rPr lang="es" sz="1050">
+                <a:solidFill>
+                  <a:srgbClr val="D4D4D4"/>
+                </a:solidFill>
+                <a:highlight>
+                  <a:srgbClr val="1E1E1E"/>
+                </a:highlight>
+                <a:latin typeface="Courier New"/>
+                <a:ea typeface="Courier New"/>
+                <a:cs typeface="Courier New"/>
+                <a:sym typeface="Courier New"/>
+              </a:rPr>
+              <a:t> name = </a:t>
+            </a:r>
+            <a:r>
+              <a:rPr lang="es" sz="1050">
+                <a:solidFill>
+                  <a:srgbClr val="CE9178"/>
+                </a:solidFill>
+                <a:highlight>
+                  <a:srgbClr val="1E1E1E"/>
+                </a:highlight>
+                <a:latin typeface="Courier New"/>
+                <a:ea typeface="Courier New"/>
+                <a:cs typeface="Courier New"/>
+                <a:sym typeface="Courier New"/>
+              </a:rPr>
+              <a:t>''</a:t>
+            </a:r>
+            <a:r>
+              <a:rPr lang="es" sz="1050">
+                <a:solidFill>
+                  <a:srgbClr val="D4D4D4"/>
+                </a:solidFill>
+                <a:highlight>
+                  <a:srgbClr val="1E1E1E"/>
+                </a:highlight>
+                <a:latin typeface="Courier New"/>
+                <a:ea typeface="Courier New"/>
+                <a:cs typeface="Courier New"/>
+                <a:sym typeface="Courier New"/>
+              </a:rPr>
+              <a:t>;</a:t>
+            </a:r>
+            <a:endParaRPr sz="1050">
+              <a:solidFill>
+                <a:srgbClr val="D4D4D4"/>
+              </a:solidFill>
+              <a:highlight>
+                <a:srgbClr val="1E1E1E"/>
+              </a:highlight>
+              <a:latin typeface="Courier New"/>
+              <a:ea typeface="Courier New"/>
+              <a:cs typeface="Courier New"/>
+              <a:sym typeface="Courier New"/>
+            </a:endParaRPr>
+          </a:p>
+          <a:p>
+            <a:pPr indent="0" lvl="0" marL="0" rtl="0" algn="l">
+              <a:lnSpc>
+                <a:spcPct val="135714"/>
+              </a:lnSpc>
+              <a:spcBef>
+                <a:spcPts val="0"/>
+              </a:spcBef>
+              <a:spcAft>
+                <a:spcPts val="0"/>
+              </a:spcAft>
+              <a:buClr>
+                <a:schemeClr val="dk1"/>
+              </a:buClr>
+              <a:buSzPts val="1100"/>
+              <a:buFont typeface="Arial"/>
+              <a:buNone/>
+            </a:pPr>
+            <a:r>
+              <a:t/>
+            </a:r>
+            <a:endParaRPr sz="1050">
+              <a:solidFill>
+                <a:srgbClr val="D4D4D4"/>
+              </a:solidFill>
+              <a:highlight>
+                <a:srgbClr val="1E1E1E"/>
+              </a:highlight>
+              <a:latin typeface="Courier New"/>
+              <a:ea typeface="Courier New"/>
+              <a:cs typeface="Courier New"/>
+              <a:sym typeface="Courier New"/>
+            </a:endParaRPr>
+          </a:p>
+          <a:p>
+            <a:pPr indent="0" lvl="0" marL="0" rtl="0" algn="l">
+              <a:lnSpc>
+                <a:spcPct val="135714"/>
+              </a:lnSpc>
+              <a:spcBef>
+                <a:spcPts val="0"/>
+              </a:spcBef>
+              <a:spcAft>
+                <a:spcPts val="0"/>
+              </a:spcAft>
+              <a:buClr>
+                <a:schemeClr val="dk1"/>
+              </a:buClr>
+              <a:buSzPts val="1100"/>
+              <a:buFont typeface="Arial"/>
+              <a:buNone/>
+            </a:pPr>
+            <a:r>
+              <a:rPr lang="es" sz="1050">
+                <a:solidFill>
+                  <a:srgbClr val="D4D4D4"/>
+                </a:solidFill>
+                <a:highlight>
+                  <a:srgbClr val="1E1E1E"/>
+                </a:highlight>
+                <a:latin typeface="Courier New"/>
+                <a:ea typeface="Courier New"/>
+                <a:cs typeface="Courier New"/>
+                <a:sym typeface="Courier New"/>
+              </a:rPr>
+              <a:t> </a:t>
+            </a:r>
+            <a:r>
+              <a:rPr lang="es" sz="1050">
+                <a:solidFill>
+                  <a:srgbClr val="569CD6"/>
+                </a:solidFill>
+                <a:highlight>
+                  <a:srgbClr val="1E1E1E"/>
+                </a:highlight>
+                <a:latin typeface="Courier New"/>
+                <a:ea typeface="Courier New"/>
+                <a:cs typeface="Courier New"/>
+                <a:sym typeface="Courier New"/>
+              </a:rPr>
+              <a:t>@override</a:t>
+            </a:r>
+            <a:endParaRPr sz="1050">
+              <a:solidFill>
+                <a:srgbClr val="569CD6"/>
+              </a:solidFill>
+              <a:highlight>
+                <a:srgbClr val="1E1E1E"/>
+              </a:highlight>
+              <a:latin typeface="Courier New"/>
+              <a:ea typeface="Courier New"/>
+              <a:cs typeface="Courier New"/>
+              <a:sym typeface="Courier New"/>
+            </a:endParaRPr>
+          </a:p>
+          <a:p>
+            <a:pPr indent="0" lvl="0" marL="0" rtl="0" algn="l">
+              <a:lnSpc>
+                <a:spcPct val="135714"/>
+              </a:lnSpc>
+              <a:spcBef>
+                <a:spcPts val="0"/>
+              </a:spcBef>
+              <a:spcAft>
+                <a:spcPts val="0"/>
+              </a:spcAft>
+              <a:buClr>
+                <a:schemeClr val="dk1"/>
+              </a:buClr>
+              <a:buSzPts val="1100"/>
+              <a:buFont typeface="Arial"/>
+              <a:buNone/>
+            </a:pPr>
+            <a:r>
+              <a:rPr lang="es" sz="1050">
+                <a:solidFill>
+                  <a:srgbClr val="D4D4D4"/>
+                </a:solidFill>
+                <a:highlight>
+                  <a:srgbClr val="1E1E1E"/>
+                </a:highlight>
+                <a:latin typeface="Courier New"/>
+                <a:ea typeface="Courier New"/>
+                <a:cs typeface="Courier New"/>
+                <a:sym typeface="Courier New"/>
+              </a:rPr>
+              <a:t> </a:t>
+            </a:r>
+            <a:r>
+              <a:rPr lang="es" sz="1050">
+                <a:solidFill>
+                  <a:srgbClr val="569CD6"/>
+                </a:solidFill>
+                <a:highlight>
+                  <a:srgbClr val="1E1E1E"/>
+                </a:highlight>
+                <a:latin typeface="Courier New"/>
+                <a:ea typeface="Courier New"/>
+                <a:cs typeface="Courier New"/>
+                <a:sym typeface="Courier New"/>
+              </a:rPr>
+              <a:t>void</a:t>
+            </a:r>
+            <a:r>
+              <a:rPr lang="es" sz="1050">
+                <a:solidFill>
+                  <a:srgbClr val="D4D4D4"/>
+                </a:solidFill>
+                <a:highlight>
+                  <a:srgbClr val="1E1E1E"/>
+                </a:highlight>
+                <a:latin typeface="Courier New"/>
+                <a:ea typeface="Courier New"/>
+                <a:cs typeface="Courier New"/>
+                <a:sym typeface="Courier New"/>
+              </a:rPr>
+              <a:t> </a:t>
+            </a:r>
+            <a:r>
+              <a:rPr lang="es" sz="1050">
+                <a:solidFill>
+                  <a:srgbClr val="DCDCAA"/>
+                </a:solidFill>
+                <a:highlight>
+                  <a:srgbClr val="1E1E1E"/>
+                </a:highlight>
+                <a:latin typeface="Courier New"/>
+                <a:ea typeface="Courier New"/>
+                <a:cs typeface="Courier New"/>
+                <a:sym typeface="Courier New"/>
+              </a:rPr>
+              <a:t>initState</a:t>
+            </a:r>
+            <a:r>
+              <a:rPr lang="es" sz="1050">
+                <a:solidFill>
+                  <a:srgbClr val="D4D4D4"/>
+                </a:solidFill>
+                <a:highlight>
+                  <a:srgbClr val="1E1E1E"/>
+                </a:highlight>
+                <a:latin typeface="Courier New"/>
+                <a:ea typeface="Courier New"/>
+                <a:cs typeface="Courier New"/>
+                <a:sym typeface="Courier New"/>
+              </a:rPr>
+              <a:t>() {</a:t>
+            </a:r>
+            <a:endParaRPr sz="1050">
+              <a:solidFill>
+                <a:srgbClr val="D4D4D4"/>
+              </a:solidFill>
+              <a:highlight>
+                <a:srgbClr val="1E1E1E"/>
+              </a:highlight>
+              <a:latin typeface="Courier New"/>
+              <a:ea typeface="Courier New"/>
+              <a:cs typeface="Courier New"/>
+              <a:sym typeface="Courier New"/>
+            </a:endParaRPr>
+          </a:p>
+          <a:p>
+            <a:pPr indent="0" lvl="0" marL="0" rtl="0" algn="l">
+              <a:lnSpc>
+                <a:spcPct val="135714"/>
+              </a:lnSpc>
+              <a:spcBef>
+                <a:spcPts val="0"/>
+              </a:spcBef>
+              <a:spcAft>
+                <a:spcPts val="0"/>
+              </a:spcAft>
+              <a:buClr>
+                <a:schemeClr val="dk1"/>
+              </a:buClr>
+              <a:buSzPts val="1100"/>
+              <a:buFont typeface="Arial"/>
+              <a:buNone/>
+            </a:pPr>
+            <a:r>
+              <a:rPr lang="es" sz="1050">
+                <a:solidFill>
+                  <a:srgbClr val="D4D4D4"/>
+                </a:solidFill>
+                <a:highlight>
+                  <a:srgbClr val="1E1E1E"/>
+                </a:highlight>
+                <a:latin typeface="Courier New"/>
+                <a:ea typeface="Courier New"/>
+                <a:cs typeface="Courier New"/>
+                <a:sym typeface="Courier New"/>
+              </a:rPr>
+              <a:t>   </a:t>
+            </a:r>
+            <a:r>
+              <a:rPr lang="es" sz="1050">
+                <a:solidFill>
+                  <a:srgbClr val="569CD6"/>
+                </a:solidFill>
+                <a:highlight>
+                  <a:srgbClr val="1E1E1E"/>
+                </a:highlight>
+                <a:latin typeface="Courier New"/>
+                <a:ea typeface="Courier New"/>
+                <a:cs typeface="Courier New"/>
+                <a:sym typeface="Courier New"/>
+              </a:rPr>
+              <a:t>super</a:t>
+            </a:r>
+            <a:r>
+              <a:rPr lang="es" sz="1050">
+                <a:solidFill>
+                  <a:srgbClr val="D4D4D4"/>
+                </a:solidFill>
+                <a:highlight>
+                  <a:srgbClr val="1E1E1E"/>
+                </a:highlight>
+                <a:latin typeface="Courier New"/>
+                <a:ea typeface="Courier New"/>
+                <a:cs typeface="Courier New"/>
+                <a:sym typeface="Courier New"/>
+              </a:rPr>
+              <a:t>.</a:t>
+            </a:r>
+            <a:r>
+              <a:rPr lang="es" sz="1050">
+                <a:solidFill>
+                  <a:srgbClr val="DCDCAA"/>
+                </a:solidFill>
+                <a:highlight>
+                  <a:srgbClr val="1E1E1E"/>
+                </a:highlight>
+                <a:latin typeface="Courier New"/>
+                <a:ea typeface="Courier New"/>
+                <a:cs typeface="Courier New"/>
+                <a:sym typeface="Courier New"/>
+              </a:rPr>
+              <a:t>initState</a:t>
+            </a:r>
+            <a:r>
+              <a:rPr lang="es" sz="1050">
+                <a:solidFill>
+                  <a:srgbClr val="D4D4D4"/>
+                </a:solidFill>
+                <a:highlight>
+                  <a:srgbClr val="1E1E1E"/>
+                </a:highlight>
+                <a:latin typeface="Courier New"/>
+                <a:ea typeface="Courier New"/>
+                <a:cs typeface="Courier New"/>
+                <a:sym typeface="Courier New"/>
+              </a:rPr>
+              <a:t>();</a:t>
+            </a:r>
+            <a:endParaRPr sz="1050">
+              <a:solidFill>
+                <a:srgbClr val="D4D4D4"/>
+              </a:solidFill>
+              <a:highlight>
+                <a:srgbClr val="1E1E1E"/>
+              </a:highlight>
+              <a:latin typeface="Courier New"/>
+              <a:ea typeface="Courier New"/>
+              <a:cs typeface="Courier New"/>
+              <a:sym typeface="Courier New"/>
+            </a:endParaRPr>
+          </a:p>
+          <a:p>
+            <a:pPr indent="0" lvl="0" marL="0" rtl="0" algn="l">
+              <a:lnSpc>
+                <a:spcPct val="135714"/>
+              </a:lnSpc>
+              <a:spcBef>
+                <a:spcPts val="0"/>
+              </a:spcBef>
+              <a:spcAft>
+                <a:spcPts val="0"/>
+              </a:spcAft>
+              <a:buClr>
+                <a:schemeClr val="dk1"/>
+              </a:buClr>
+              <a:buSzPts val="1100"/>
+              <a:buFont typeface="Arial"/>
+              <a:buNone/>
+            </a:pPr>
+            <a:r>
+              <a:rPr lang="es" sz="1050">
+                <a:solidFill>
+                  <a:srgbClr val="D4D4D4"/>
+                </a:solidFill>
+                <a:highlight>
+                  <a:srgbClr val="1E1E1E"/>
+                </a:highlight>
+                <a:latin typeface="Courier New"/>
+                <a:ea typeface="Courier New"/>
+                <a:cs typeface="Courier New"/>
+                <a:sym typeface="Courier New"/>
+              </a:rPr>
+              <a:t>   </a:t>
+            </a:r>
+            <a:r>
+              <a:rPr lang="es" sz="1050">
+                <a:solidFill>
+                  <a:srgbClr val="DCDCAA"/>
+                </a:solidFill>
+                <a:highlight>
+                  <a:srgbClr val="1E1E1E"/>
+                </a:highlight>
+                <a:latin typeface="Courier New"/>
+                <a:ea typeface="Courier New"/>
+                <a:cs typeface="Courier New"/>
+                <a:sym typeface="Courier New"/>
+              </a:rPr>
+              <a:t>autoLogIn</a:t>
+            </a:r>
+            <a:r>
+              <a:rPr lang="es" sz="1050">
+                <a:solidFill>
+                  <a:srgbClr val="D4D4D4"/>
+                </a:solidFill>
+                <a:highlight>
+                  <a:srgbClr val="1E1E1E"/>
+                </a:highlight>
+                <a:latin typeface="Courier New"/>
+                <a:ea typeface="Courier New"/>
+                <a:cs typeface="Courier New"/>
+                <a:sym typeface="Courier New"/>
+              </a:rPr>
+              <a:t>();</a:t>
+            </a:r>
+            <a:endParaRPr sz="1050">
+              <a:solidFill>
+                <a:srgbClr val="D4D4D4"/>
+              </a:solidFill>
+              <a:highlight>
+                <a:srgbClr val="1E1E1E"/>
+              </a:highlight>
+              <a:latin typeface="Courier New"/>
+              <a:ea typeface="Courier New"/>
+              <a:cs typeface="Courier New"/>
+              <a:sym typeface="Courier New"/>
+            </a:endParaRPr>
+          </a:p>
+          <a:p>
+            <a:pPr indent="0" lvl="0" marL="0" rtl="0" algn="l">
+              <a:lnSpc>
+                <a:spcPct val="135714"/>
+              </a:lnSpc>
+              <a:spcBef>
+                <a:spcPts val="0"/>
+              </a:spcBef>
+              <a:spcAft>
+                <a:spcPts val="0"/>
+              </a:spcAft>
+              <a:buClr>
+                <a:schemeClr val="dk1"/>
+              </a:buClr>
+              <a:buSzPts val="1100"/>
+              <a:buFont typeface="Arial"/>
+              <a:buNone/>
+            </a:pPr>
+            <a:r>
+              <a:rPr lang="es" sz="1050">
+                <a:solidFill>
+                  <a:srgbClr val="D4D4D4"/>
+                </a:solidFill>
+                <a:highlight>
+                  <a:srgbClr val="1E1E1E"/>
+                </a:highlight>
+                <a:latin typeface="Courier New"/>
+                <a:ea typeface="Courier New"/>
+                <a:cs typeface="Courier New"/>
+                <a:sym typeface="Courier New"/>
+              </a:rPr>
+              <a:t> }</a:t>
+            </a:r>
+            <a:endParaRPr sz="1050">
+              <a:solidFill>
+                <a:srgbClr val="D4D4D4"/>
+              </a:solidFill>
+              <a:highlight>
+                <a:srgbClr val="1E1E1E"/>
+              </a:highlight>
+              <a:latin typeface="Courier New"/>
+              <a:ea typeface="Courier New"/>
+              <a:cs typeface="Courier New"/>
+              <a:sym typeface="Courier New"/>
+            </a:endParaRPr>
+          </a:p>
+          <a:p>
+            <a:pPr indent="0" lvl="0" marL="0" rtl="0" algn="l">
+              <a:lnSpc>
+                <a:spcPct val="135714"/>
+              </a:lnSpc>
+              <a:spcBef>
+                <a:spcPts val="0"/>
+              </a:spcBef>
+              <a:spcAft>
+                <a:spcPts val="0"/>
+              </a:spcAft>
+              <a:buClr>
+                <a:schemeClr val="dk1"/>
+              </a:buClr>
+              <a:buSzPts val="1100"/>
+              <a:buFont typeface="Arial"/>
+              <a:buNone/>
+            </a:pPr>
+            <a:r>
+              <a:t/>
+            </a:r>
+            <a:endParaRPr sz="1050">
+              <a:solidFill>
+                <a:srgbClr val="D4D4D4"/>
+              </a:solidFill>
+              <a:highlight>
+                <a:srgbClr val="1E1E1E"/>
+              </a:highlight>
+              <a:latin typeface="Courier New"/>
+              <a:ea typeface="Courier New"/>
+              <a:cs typeface="Courier New"/>
+              <a:sym typeface="Courier New"/>
+            </a:endParaRPr>
+          </a:p>
+          <a:p>
+            <a:pPr indent="0" lvl="0" marL="0" rtl="0" algn="l">
+              <a:lnSpc>
+                <a:spcPct val="135714"/>
+              </a:lnSpc>
+              <a:spcBef>
+                <a:spcPts val="0"/>
+              </a:spcBef>
+              <a:spcAft>
+                <a:spcPts val="0"/>
+              </a:spcAft>
+              <a:buClr>
+                <a:schemeClr val="dk1"/>
+              </a:buClr>
+              <a:buSzPts val="1100"/>
+              <a:buFont typeface="Arial"/>
+              <a:buNone/>
+            </a:pPr>
+            <a:r>
+              <a:rPr lang="es" sz="1050">
+                <a:solidFill>
+                  <a:srgbClr val="D4D4D4"/>
+                </a:solidFill>
+                <a:highlight>
+                  <a:srgbClr val="1E1E1E"/>
+                </a:highlight>
+                <a:latin typeface="Courier New"/>
+                <a:ea typeface="Courier New"/>
+                <a:cs typeface="Courier New"/>
+                <a:sym typeface="Courier New"/>
+              </a:rPr>
+              <a:t> </a:t>
+            </a:r>
+            <a:r>
+              <a:rPr lang="es" sz="1050">
+                <a:solidFill>
+                  <a:srgbClr val="569CD6"/>
+                </a:solidFill>
+                <a:highlight>
+                  <a:srgbClr val="1E1E1E"/>
+                </a:highlight>
+                <a:latin typeface="Courier New"/>
+                <a:ea typeface="Courier New"/>
+                <a:cs typeface="Courier New"/>
+                <a:sym typeface="Courier New"/>
+              </a:rPr>
+              <a:t>void</a:t>
+            </a:r>
+            <a:r>
+              <a:rPr lang="es" sz="1050">
+                <a:solidFill>
+                  <a:srgbClr val="D4D4D4"/>
+                </a:solidFill>
+                <a:highlight>
+                  <a:srgbClr val="1E1E1E"/>
+                </a:highlight>
+                <a:latin typeface="Courier New"/>
+                <a:ea typeface="Courier New"/>
+                <a:cs typeface="Courier New"/>
+                <a:sym typeface="Courier New"/>
+              </a:rPr>
+              <a:t> </a:t>
+            </a:r>
+            <a:r>
+              <a:rPr lang="es" sz="1050">
+                <a:solidFill>
+                  <a:srgbClr val="DCDCAA"/>
+                </a:solidFill>
+                <a:highlight>
+                  <a:srgbClr val="1E1E1E"/>
+                </a:highlight>
+                <a:latin typeface="Courier New"/>
+                <a:ea typeface="Courier New"/>
+                <a:cs typeface="Courier New"/>
+                <a:sym typeface="Courier New"/>
+              </a:rPr>
+              <a:t>autoLogIn</a:t>
+            </a:r>
+            <a:r>
+              <a:rPr lang="es" sz="1050">
+                <a:solidFill>
+                  <a:srgbClr val="D4D4D4"/>
+                </a:solidFill>
+                <a:highlight>
+                  <a:srgbClr val="1E1E1E"/>
+                </a:highlight>
+                <a:latin typeface="Courier New"/>
+                <a:ea typeface="Courier New"/>
+                <a:cs typeface="Courier New"/>
+                <a:sym typeface="Courier New"/>
+              </a:rPr>
+              <a:t>() </a:t>
+            </a:r>
+            <a:r>
+              <a:rPr lang="es" sz="1050">
+                <a:solidFill>
+                  <a:srgbClr val="C586C0"/>
+                </a:solidFill>
+                <a:highlight>
+                  <a:srgbClr val="1E1E1E"/>
+                </a:highlight>
+                <a:latin typeface="Courier New"/>
+                <a:ea typeface="Courier New"/>
+                <a:cs typeface="Courier New"/>
+                <a:sym typeface="Courier New"/>
+              </a:rPr>
+              <a:t>async</a:t>
+            </a:r>
+            <a:r>
+              <a:rPr lang="es" sz="1050">
+                <a:solidFill>
+                  <a:srgbClr val="D4D4D4"/>
+                </a:solidFill>
+                <a:highlight>
+                  <a:srgbClr val="1E1E1E"/>
+                </a:highlight>
+                <a:latin typeface="Courier New"/>
+                <a:ea typeface="Courier New"/>
+                <a:cs typeface="Courier New"/>
+                <a:sym typeface="Courier New"/>
+              </a:rPr>
+              <a:t> {</a:t>
+            </a:r>
+            <a:endParaRPr sz="1050">
+              <a:solidFill>
+                <a:srgbClr val="D4D4D4"/>
+              </a:solidFill>
+              <a:highlight>
+                <a:srgbClr val="1E1E1E"/>
+              </a:highlight>
+              <a:latin typeface="Courier New"/>
+              <a:ea typeface="Courier New"/>
+              <a:cs typeface="Courier New"/>
+              <a:sym typeface="Courier New"/>
+            </a:endParaRPr>
+          </a:p>
+          <a:p>
+            <a:pPr indent="0" lvl="0" marL="0" rtl="0" algn="l">
+              <a:lnSpc>
+                <a:spcPct val="135714"/>
+              </a:lnSpc>
+              <a:spcBef>
+                <a:spcPts val="0"/>
+              </a:spcBef>
+              <a:spcAft>
+                <a:spcPts val="0"/>
+              </a:spcAft>
+              <a:buClr>
+                <a:schemeClr val="dk1"/>
+              </a:buClr>
+              <a:buSzPts val="1100"/>
+              <a:buFont typeface="Arial"/>
+              <a:buNone/>
+            </a:pPr>
+            <a:r>
+              <a:rPr lang="es" sz="1050">
+                <a:solidFill>
+                  <a:srgbClr val="D4D4D4"/>
+                </a:solidFill>
+                <a:highlight>
+                  <a:srgbClr val="1E1E1E"/>
+                </a:highlight>
+                <a:latin typeface="Courier New"/>
+                <a:ea typeface="Courier New"/>
+                <a:cs typeface="Courier New"/>
+                <a:sym typeface="Courier New"/>
+              </a:rPr>
+              <a:t>   </a:t>
+            </a:r>
+            <a:r>
+              <a:rPr lang="es" sz="1050">
+                <a:solidFill>
+                  <a:srgbClr val="569CD6"/>
+                </a:solidFill>
+                <a:highlight>
+                  <a:srgbClr val="1E1E1E"/>
+                </a:highlight>
+                <a:latin typeface="Courier New"/>
+                <a:ea typeface="Courier New"/>
+                <a:cs typeface="Courier New"/>
+                <a:sym typeface="Courier New"/>
+              </a:rPr>
+              <a:t>final</a:t>
+            </a:r>
+            <a:r>
+              <a:rPr lang="es" sz="1050">
+                <a:solidFill>
+                  <a:srgbClr val="D4D4D4"/>
+                </a:solidFill>
+                <a:highlight>
+                  <a:srgbClr val="1E1E1E"/>
+                </a:highlight>
+                <a:latin typeface="Courier New"/>
+                <a:ea typeface="Courier New"/>
+                <a:cs typeface="Courier New"/>
+                <a:sym typeface="Courier New"/>
+              </a:rPr>
+              <a:t> </a:t>
+            </a:r>
+            <a:r>
+              <a:rPr lang="es" sz="1050">
+                <a:solidFill>
+                  <a:srgbClr val="4EC9B0"/>
+                </a:solidFill>
+                <a:highlight>
+                  <a:srgbClr val="1E1E1E"/>
+                </a:highlight>
+                <a:latin typeface="Courier New"/>
+                <a:ea typeface="Courier New"/>
+                <a:cs typeface="Courier New"/>
+                <a:sym typeface="Courier New"/>
+              </a:rPr>
+              <a:t>SharedPreferences</a:t>
+            </a:r>
+            <a:r>
+              <a:rPr lang="es" sz="1050">
+                <a:solidFill>
+                  <a:srgbClr val="D4D4D4"/>
+                </a:solidFill>
+                <a:highlight>
+                  <a:srgbClr val="1E1E1E"/>
+                </a:highlight>
+                <a:latin typeface="Courier New"/>
+                <a:ea typeface="Courier New"/>
+                <a:cs typeface="Courier New"/>
+                <a:sym typeface="Courier New"/>
+              </a:rPr>
+              <a:t> prefs = </a:t>
+            </a:r>
+            <a:r>
+              <a:rPr lang="es" sz="1050">
+                <a:solidFill>
+                  <a:srgbClr val="C586C0"/>
+                </a:solidFill>
+                <a:highlight>
+                  <a:srgbClr val="1E1E1E"/>
+                </a:highlight>
+                <a:latin typeface="Courier New"/>
+                <a:ea typeface="Courier New"/>
+                <a:cs typeface="Courier New"/>
+                <a:sym typeface="Courier New"/>
+              </a:rPr>
+              <a:t>await</a:t>
+            </a:r>
+            <a:r>
+              <a:rPr lang="es" sz="1050">
+                <a:solidFill>
+                  <a:srgbClr val="D4D4D4"/>
+                </a:solidFill>
+                <a:highlight>
+                  <a:srgbClr val="1E1E1E"/>
+                </a:highlight>
+                <a:latin typeface="Courier New"/>
+                <a:ea typeface="Courier New"/>
+                <a:cs typeface="Courier New"/>
+                <a:sym typeface="Courier New"/>
+              </a:rPr>
+              <a:t> </a:t>
+            </a:r>
+            <a:r>
+              <a:rPr lang="es" sz="1050">
+                <a:solidFill>
+                  <a:srgbClr val="4EC9B0"/>
+                </a:solidFill>
+                <a:highlight>
+                  <a:srgbClr val="1E1E1E"/>
+                </a:highlight>
+                <a:latin typeface="Courier New"/>
+                <a:ea typeface="Courier New"/>
+                <a:cs typeface="Courier New"/>
+                <a:sym typeface="Courier New"/>
+              </a:rPr>
+              <a:t>SharedPreferences</a:t>
+            </a:r>
+            <a:r>
+              <a:rPr lang="es" sz="1050">
+                <a:solidFill>
+                  <a:srgbClr val="D4D4D4"/>
+                </a:solidFill>
+                <a:highlight>
+                  <a:srgbClr val="1E1E1E"/>
+                </a:highlight>
+                <a:latin typeface="Courier New"/>
+                <a:ea typeface="Courier New"/>
+                <a:cs typeface="Courier New"/>
+                <a:sym typeface="Courier New"/>
+              </a:rPr>
+              <a:t>.</a:t>
+            </a:r>
+            <a:r>
+              <a:rPr lang="es" sz="1050">
+                <a:solidFill>
+                  <a:srgbClr val="DCDCAA"/>
+                </a:solidFill>
+                <a:highlight>
+                  <a:srgbClr val="1E1E1E"/>
+                </a:highlight>
+                <a:latin typeface="Courier New"/>
+                <a:ea typeface="Courier New"/>
+                <a:cs typeface="Courier New"/>
+                <a:sym typeface="Courier New"/>
+              </a:rPr>
+              <a:t>getInstance</a:t>
+            </a:r>
+            <a:r>
+              <a:rPr lang="es" sz="1050">
+                <a:solidFill>
+                  <a:srgbClr val="D4D4D4"/>
+                </a:solidFill>
+                <a:highlight>
+                  <a:srgbClr val="1E1E1E"/>
+                </a:highlight>
+                <a:latin typeface="Courier New"/>
+                <a:ea typeface="Courier New"/>
+                <a:cs typeface="Courier New"/>
+                <a:sym typeface="Courier New"/>
+              </a:rPr>
+              <a:t>();</a:t>
+            </a:r>
+            <a:endParaRPr sz="1050">
+              <a:solidFill>
+                <a:srgbClr val="D4D4D4"/>
+              </a:solidFill>
+              <a:highlight>
+                <a:srgbClr val="1E1E1E"/>
+              </a:highlight>
+              <a:latin typeface="Courier New"/>
+              <a:ea typeface="Courier New"/>
+              <a:cs typeface="Courier New"/>
+              <a:sym typeface="Courier New"/>
+            </a:endParaRPr>
+          </a:p>
+          <a:p>
+            <a:pPr indent="0" lvl="0" marL="0" rtl="0" algn="l">
+              <a:lnSpc>
+                <a:spcPct val="135714"/>
+              </a:lnSpc>
+              <a:spcBef>
+                <a:spcPts val="0"/>
+              </a:spcBef>
+              <a:spcAft>
+                <a:spcPts val="0"/>
+              </a:spcAft>
+              <a:buClr>
+                <a:schemeClr val="dk1"/>
+              </a:buClr>
+              <a:buSzPts val="1100"/>
+              <a:buFont typeface="Arial"/>
+              <a:buNone/>
+            </a:pPr>
+            <a:r>
+              <a:rPr lang="es" sz="1050">
+                <a:solidFill>
+                  <a:srgbClr val="D4D4D4"/>
+                </a:solidFill>
+                <a:highlight>
+                  <a:srgbClr val="1E1E1E"/>
+                </a:highlight>
+                <a:latin typeface="Courier New"/>
+                <a:ea typeface="Courier New"/>
+                <a:cs typeface="Courier New"/>
+                <a:sym typeface="Courier New"/>
+              </a:rPr>
+              <a:t>   </a:t>
+            </a:r>
+            <a:r>
+              <a:rPr lang="es" sz="1050">
+                <a:solidFill>
+                  <a:srgbClr val="569CD6"/>
+                </a:solidFill>
+                <a:highlight>
+                  <a:srgbClr val="1E1E1E"/>
+                </a:highlight>
+                <a:latin typeface="Courier New"/>
+                <a:ea typeface="Courier New"/>
+                <a:cs typeface="Courier New"/>
+                <a:sym typeface="Courier New"/>
+              </a:rPr>
+              <a:t>final</a:t>
+            </a:r>
+            <a:r>
+              <a:rPr lang="es" sz="1050">
+                <a:solidFill>
+                  <a:srgbClr val="D4D4D4"/>
+                </a:solidFill>
+                <a:highlight>
+                  <a:srgbClr val="1E1E1E"/>
+                </a:highlight>
+                <a:latin typeface="Courier New"/>
+                <a:ea typeface="Courier New"/>
+                <a:cs typeface="Courier New"/>
+                <a:sym typeface="Courier New"/>
+              </a:rPr>
+              <a:t> </a:t>
+            </a:r>
+            <a:r>
+              <a:rPr lang="es" sz="1050">
+                <a:solidFill>
+                  <a:srgbClr val="4EC9B0"/>
+                </a:solidFill>
+                <a:highlight>
+                  <a:srgbClr val="1E1E1E"/>
+                </a:highlight>
+                <a:latin typeface="Courier New"/>
+                <a:ea typeface="Courier New"/>
+                <a:cs typeface="Courier New"/>
+                <a:sym typeface="Courier New"/>
+              </a:rPr>
+              <a:t>String</a:t>
+            </a:r>
+            <a:r>
+              <a:rPr lang="es" sz="1050">
+                <a:solidFill>
+                  <a:srgbClr val="D4D4D4"/>
+                </a:solidFill>
+                <a:highlight>
+                  <a:srgbClr val="1E1E1E"/>
+                </a:highlight>
+                <a:latin typeface="Courier New"/>
+                <a:ea typeface="Courier New"/>
+                <a:cs typeface="Courier New"/>
+                <a:sym typeface="Courier New"/>
+              </a:rPr>
+              <a:t> userId = prefs.</a:t>
+            </a:r>
+            <a:r>
+              <a:rPr lang="es" sz="1050">
+                <a:solidFill>
+                  <a:srgbClr val="DCDCAA"/>
+                </a:solidFill>
+                <a:highlight>
+                  <a:srgbClr val="1E1E1E"/>
+                </a:highlight>
+                <a:latin typeface="Courier New"/>
+                <a:ea typeface="Courier New"/>
+                <a:cs typeface="Courier New"/>
+                <a:sym typeface="Courier New"/>
+              </a:rPr>
+              <a:t>getString</a:t>
+            </a:r>
+            <a:r>
+              <a:rPr lang="es" sz="1050">
+                <a:solidFill>
+                  <a:srgbClr val="D4D4D4"/>
+                </a:solidFill>
+                <a:highlight>
+                  <a:srgbClr val="1E1E1E"/>
+                </a:highlight>
+                <a:latin typeface="Courier New"/>
+                <a:ea typeface="Courier New"/>
+                <a:cs typeface="Courier New"/>
+                <a:sym typeface="Courier New"/>
+              </a:rPr>
+              <a:t>(</a:t>
+            </a:r>
+            <a:r>
+              <a:rPr lang="es" sz="1050">
+                <a:solidFill>
+                  <a:srgbClr val="CE9178"/>
+                </a:solidFill>
+                <a:highlight>
+                  <a:srgbClr val="1E1E1E"/>
+                </a:highlight>
+                <a:latin typeface="Courier New"/>
+                <a:ea typeface="Courier New"/>
+                <a:cs typeface="Courier New"/>
+                <a:sym typeface="Courier New"/>
+              </a:rPr>
+              <a:t>'username'</a:t>
+            </a:r>
+            <a:r>
+              <a:rPr lang="es" sz="1050">
+                <a:solidFill>
+                  <a:srgbClr val="D4D4D4"/>
+                </a:solidFill>
+                <a:highlight>
+                  <a:srgbClr val="1E1E1E"/>
+                </a:highlight>
+                <a:latin typeface="Courier New"/>
+                <a:ea typeface="Courier New"/>
+                <a:cs typeface="Courier New"/>
+                <a:sym typeface="Courier New"/>
+              </a:rPr>
+              <a:t>);</a:t>
+            </a:r>
+            <a:endParaRPr sz="1050">
+              <a:solidFill>
+                <a:srgbClr val="D4D4D4"/>
+              </a:solidFill>
+              <a:highlight>
+                <a:srgbClr val="1E1E1E"/>
+              </a:highlight>
+              <a:latin typeface="Courier New"/>
+              <a:ea typeface="Courier New"/>
+              <a:cs typeface="Courier New"/>
+              <a:sym typeface="Courier New"/>
+            </a:endParaRPr>
+          </a:p>
+          <a:p>
+            <a:pPr indent="0" lvl="0" marL="0" rtl="0" algn="l">
+              <a:lnSpc>
+                <a:spcPct val="135714"/>
+              </a:lnSpc>
+              <a:spcBef>
+                <a:spcPts val="0"/>
+              </a:spcBef>
+              <a:spcAft>
+                <a:spcPts val="0"/>
+              </a:spcAft>
+              <a:buClr>
+                <a:schemeClr val="dk1"/>
+              </a:buClr>
+              <a:buSzPts val="1100"/>
+              <a:buFont typeface="Arial"/>
+              <a:buNone/>
+            </a:pPr>
+            <a:r>
+              <a:t/>
+            </a:r>
+            <a:endParaRPr sz="1050">
+              <a:solidFill>
+                <a:srgbClr val="D4D4D4"/>
+              </a:solidFill>
+              <a:highlight>
+                <a:srgbClr val="1E1E1E"/>
+              </a:highlight>
+              <a:latin typeface="Courier New"/>
+              <a:ea typeface="Courier New"/>
+              <a:cs typeface="Courier New"/>
+              <a:sym typeface="Courier New"/>
+            </a:endParaRPr>
+          </a:p>
+          <a:p>
+            <a:pPr indent="0" lvl="0" marL="0" rtl="0" algn="l">
+              <a:lnSpc>
+                <a:spcPct val="135714"/>
+              </a:lnSpc>
+              <a:spcBef>
+                <a:spcPts val="0"/>
+              </a:spcBef>
+              <a:spcAft>
+                <a:spcPts val="0"/>
+              </a:spcAft>
+              <a:buClr>
+                <a:schemeClr val="dk1"/>
+              </a:buClr>
+              <a:buSzPts val="1100"/>
+              <a:buFont typeface="Arial"/>
+              <a:buNone/>
+            </a:pPr>
+            <a:r>
+              <a:rPr lang="es" sz="1050">
+                <a:solidFill>
+                  <a:srgbClr val="D4D4D4"/>
+                </a:solidFill>
+                <a:highlight>
+                  <a:srgbClr val="1E1E1E"/>
+                </a:highlight>
+                <a:latin typeface="Courier New"/>
+                <a:ea typeface="Courier New"/>
+                <a:cs typeface="Courier New"/>
+                <a:sym typeface="Courier New"/>
+              </a:rPr>
+              <a:t>   </a:t>
+            </a:r>
+            <a:r>
+              <a:rPr lang="es" sz="1050">
+                <a:solidFill>
+                  <a:srgbClr val="C586C0"/>
+                </a:solidFill>
+                <a:highlight>
+                  <a:srgbClr val="1E1E1E"/>
+                </a:highlight>
+                <a:latin typeface="Courier New"/>
+                <a:ea typeface="Courier New"/>
+                <a:cs typeface="Courier New"/>
+                <a:sym typeface="Courier New"/>
+              </a:rPr>
+              <a:t>if</a:t>
+            </a:r>
+            <a:r>
+              <a:rPr lang="es" sz="1050">
+                <a:solidFill>
+                  <a:srgbClr val="D4D4D4"/>
+                </a:solidFill>
+                <a:highlight>
+                  <a:srgbClr val="1E1E1E"/>
+                </a:highlight>
+                <a:latin typeface="Courier New"/>
+                <a:ea typeface="Courier New"/>
+                <a:cs typeface="Courier New"/>
+                <a:sym typeface="Courier New"/>
+              </a:rPr>
+              <a:t> (userId != </a:t>
+            </a:r>
+            <a:r>
+              <a:rPr lang="es" sz="1050">
+                <a:solidFill>
+                  <a:srgbClr val="569CD6"/>
+                </a:solidFill>
+                <a:highlight>
+                  <a:srgbClr val="1E1E1E"/>
+                </a:highlight>
+                <a:latin typeface="Courier New"/>
+                <a:ea typeface="Courier New"/>
+                <a:cs typeface="Courier New"/>
+                <a:sym typeface="Courier New"/>
+              </a:rPr>
+              <a:t>null</a:t>
+            </a:r>
+            <a:r>
+              <a:rPr lang="es" sz="1050">
+                <a:solidFill>
+                  <a:srgbClr val="D4D4D4"/>
+                </a:solidFill>
+                <a:highlight>
+                  <a:srgbClr val="1E1E1E"/>
+                </a:highlight>
+                <a:latin typeface="Courier New"/>
+                <a:ea typeface="Courier New"/>
+                <a:cs typeface="Courier New"/>
+                <a:sym typeface="Courier New"/>
+              </a:rPr>
+              <a:t>) {</a:t>
+            </a:r>
+            <a:endParaRPr sz="1050">
+              <a:solidFill>
+                <a:srgbClr val="D4D4D4"/>
+              </a:solidFill>
+              <a:highlight>
+                <a:srgbClr val="1E1E1E"/>
+              </a:highlight>
+              <a:latin typeface="Courier New"/>
+              <a:ea typeface="Courier New"/>
+              <a:cs typeface="Courier New"/>
+              <a:sym typeface="Courier New"/>
+            </a:endParaRPr>
+          </a:p>
+          <a:p>
+            <a:pPr indent="0" lvl="0" marL="0" rtl="0" algn="l">
+              <a:lnSpc>
+                <a:spcPct val="135714"/>
+              </a:lnSpc>
+              <a:spcBef>
+                <a:spcPts val="0"/>
+              </a:spcBef>
+              <a:spcAft>
+                <a:spcPts val="0"/>
+              </a:spcAft>
+              <a:buClr>
+                <a:schemeClr val="dk1"/>
+              </a:buClr>
+              <a:buSzPts val="1100"/>
+              <a:buFont typeface="Arial"/>
+              <a:buNone/>
+            </a:pPr>
+            <a:r>
+              <a:rPr lang="es" sz="1050">
+                <a:solidFill>
+                  <a:srgbClr val="D4D4D4"/>
+                </a:solidFill>
+                <a:highlight>
+                  <a:srgbClr val="1E1E1E"/>
+                </a:highlight>
+                <a:latin typeface="Courier New"/>
+                <a:ea typeface="Courier New"/>
+                <a:cs typeface="Courier New"/>
+                <a:sym typeface="Courier New"/>
+              </a:rPr>
+              <a:t>     </a:t>
+            </a:r>
+            <a:r>
+              <a:rPr lang="es" sz="1050">
+                <a:solidFill>
+                  <a:srgbClr val="DCDCAA"/>
+                </a:solidFill>
+                <a:highlight>
+                  <a:srgbClr val="1E1E1E"/>
+                </a:highlight>
+                <a:latin typeface="Courier New"/>
+                <a:ea typeface="Courier New"/>
+                <a:cs typeface="Courier New"/>
+                <a:sym typeface="Courier New"/>
+              </a:rPr>
+              <a:t>setState</a:t>
+            </a:r>
+            <a:r>
+              <a:rPr lang="es" sz="1050">
+                <a:solidFill>
+                  <a:srgbClr val="D4D4D4"/>
+                </a:solidFill>
+                <a:highlight>
+                  <a:srgbClr val="1E1E1E"/>
+                </a:highlight>
+                <a:latin typeface="Courier New"/>
+                <a:ea typeface="Courier New"/>
+                <a:cs typeface="Courier New"/>
+                <a:sym typeface="Courier New"/>
+              </a:rPr>
+              <a:t>(() {</a:t>
+            </a:r>
+            <a:endParaRPr sz="1050">
+              <a:solidFill>
+                <a:srgbClr val="D4D4D4"/>
+              </a:solidFill>
+              <a:highlight>
+                <a:srgbClr val="1E1E1E"/>
+              </a:highlight>
+              <a:latin typeface="Courier New"/>
+              <a:ea typeface="Courier New"/>
+              <a:cs typeface="Courier New"/>
+              <a:sym typeface="Courier New"/>
+            </a:endParaRPr>
+          </a:p>
+          <a:p>
+            <a:pPr indent="0" lvl="0" marL="0" rtl="0" algn="l">
+              <a:lnSpc>
+                <a:spcPct val="135714"/>
+              </a:lnSpc>
+              <a:spcBef>
+                <a:spcPts val="0"/>
+              </a:spcBef>
+              <a:spcAft>
+                <a:spcPts val="0"/>
+              </a:spcAft>
+              <a:buClr>
+                <a:schemeClr val="dk1"/>
+              </a:buClr>
+              <a:buSzPts val="1100"/>
+              <a:buFont typeface="Arial"/>
+              <a:buNone/>
+            </a:pPr>
+            <a:r>
+              <a:rPr lang="es" sz="1050">
+                <a:solidFill>
+                  <a:srgbClr val="D4D4D4"/>
+                </a:solidFill>
+                <a:highlight>
+                  <a:srgbClr val="1E1E1E"/>
+                </a:highlight>
+                <a:latin typeface="Courier New"/>
+                <a:ea typeface="Courier New"/>
+                <a:cs typeface="Courier New"/>
+                <a:sym typeface="Courier New"/>
+              </a:rPr>
+              <a:t>       isLoggedIn = </a:t>
+            </a:r>
+            <a:r>
+              <a:rPr lang="es" sz="1050">
+                <a:solidFill>
+                  <a:srgbClr val="569CD6"/>
+                </a:solidFill>
+                <a:highlight>
+                  <a:srgbClr val="1E1E1E"/>
+                </a:highlight>
+                <a:latin typeface="Courier New"/>
+                <a:ea typeface="Courier New"/>
+                <a:cs typeface="Courier New"/>
+                <a:sym typeface="Courier New"/>
+              </a:rPr>
+              <a:t>true</a:t>
+            </a:r>
+            <a:r>
+              <a:rPr lang="es" sz="1050">
+                <a:solidFill>
+                  <a:srgbClr val="D4D4D4"/>
+                </a:solidFill>
+                <a:highlight>
+                  <a:srgbClr val="1E1E1E"/>
+                </a:highlight>
+                <a:latin typeface="Courier New"/>
+                <a:ea typeface="Courier New"/>
+                <a:cs typeface="Courier New"/>
+                <a:sym typeface="Courier New"/>
+              </a:rPr>
+              <a:t>;</a:t>
+            </a:r>
+            <a:endParaRPr sz="1050">
+              <a:solidFill>
+                <a:srgbClr val="D4D4D4"/>
+              </a:solidFill>
+              <a:highlight>
+                <a:srgbClr val="1E1E1E"/>
+              </a:highlight>
+              <a:latin typeface="Courier New"/>
+              <a:ea typeface="Courier New"/>
+              <a:cs typeface="Courier New"/>
+              <a:sym typeface="Courier New"/>
+            </a:endParaRPr>
+          </a:p>
+          <a:p>
+            <a:pPr indent="0" lvl="0" marL="0" rtl="0" algn="l">
+              <a:lnSpc>
+                <a:spcPct val="135714"/>
+              </a:lnSpc>
+              <a:spcBef>
+                <a:spcPts val="0"/>
+              </a:spcBef>
+              <a:spcAft>
+                <a:spcPts val="0"/>
+              </a:spcAft>
+              <a:buClr>
+                <a:schemeClr val="dk1"/>
+              </a:buClr>
+              <a:buSzPts val="1100"/>
+              <a:buFont typeface="Arial"/>
+              <a:buNone/>
+            </a:pPr>
+            <a:r>
+              <a:rPr lang="es" sz="1050">
+                <a:solidFill>
+                  <a:srgbClr val="D4D4D4"/>
+                </a:solidFill>
+                <a:highlight>
+                  <a:srgbClr val="1E1E1E"/>
+                </a:highlight>
+                <a:latin typeface="Courier New"/>
+                <a:ea typeface="Courier New"/>
+                <a:cs typeface="Courier New"/>
+                <a:sym typeface="Courier New"/>
+              </a:rPr>
+              <a:t>       name = userId;</a:t>
+            </a:r>
+            <a:endParaRPr sz="1050">
+              <a:solidFill>
+                <a:srgbClr val="D4D4D4"/>
+              </a:solidFill>
+              <a:highlight>
+                <a:srgbClr val="1E1E1E"/>
+              </a:highlight>
+              <a:latin typeface="Courier New"/>
+              <a:ea typeface="Courier New"/>
+              <a:cs typeface="Courier New"/>
+              <a:sym typeface="Courier New"/>
+            </a:endParaRPr>
+          </a:p>
+          <a:p>
+            <a:pPr indent="0" lvl="0" marL="0" rtl="0" algn="l">
+              <a:lnSpc>
+                <a:spcPct val="135714"/>
+              </a:lnSpc>
+              <a:spcBef>
+                <a:spcPts val="0"/>
+              </a:spcBef>
+              <a:spcAft>
+                <a:spcPts val="0"/>
+              </a:spcAft>
+              <a:buClr>
+                <a:schemeClr val="dk1"/>
+              </a:buClr>
+              <a:buSzPts val="1100"/>
+              <a:buFont typeface="Arial"/>
+              <a:buNone/>
+            </a:pPr>
+            <a:r>
+              <a:rPr lang="es" sz="1050">
+                <a:solidFill>
+                  <a:srgbClr val="D4D4D4"/>
+                </a:solidFill>
+                <a:highlight>
+                  <a:srgbClr val="1E1E1E"/>
+                </a:highlight>
+                <a:latin typeface="Courier New"/>
+                <a:ea typeface="Courier New"/>
+                <a:cs typeface="Courier New"/>
+                <a:sym typeface="Courier New"/>
+              </a:rPr>
+              <a:t>     });</a:t>
+            </a:r>
+            <a:endParaRPr sz="1050">
+              <a:solidFill>
+                <a:srgbClr val="D4D4D4"/>
+              </a:solidFill>
+              <a:highlight>
+                <a:srgbClr val="1E1E1E"/>
+              </a:highlight>
+              <a:latin typeface="Courier New"/>
+              <a:ea typeface="Courier New"/>
+              <a:cs typeface="Courier New"/>
+              <a:sym typeface="Courier New"/>
+            </a:endParaRPr>
+          </a:p>
+          <a:p>
+            <a:pPr indent="0" lvl="0" marL="0" rtl="0" algn="l">
+              <a:lnSpc>
+                <a:spcPct val="135714"/>
+              </a:lnSpc>
+              <a:spcBef>
+                <a:spcPts val="0"/>
+              </a:spcBef>
+              <a:spcAft>
+                <a:spcPts val="0"/>
+              </a:spcAft>
+              <a:buClr>
+                <a:schemeClr val="dk1"/>
+              </a:buClr>
+              <a:buSzPts val="1100"/>
+              <a:buFont typeface="Arial"/>
+              <a:buNone/>
+            </a:pPr>
+            <a:r>
+              <a:rPr lang="es" sz="1050">
+                <a:solidFill>
+                  <a:srgbClr val="D4D4D4"/>
+                </a:solidFill>
+                <a:highlight>
+                  <a:srgbClr val="1E1E1E"/>
+                </a:highlight>
+                <a:latin typeface="Courier New"/>
+                <a:ea typeface="Courier New"/>
+                <a:cs typeface="Courier New"/>
+                <a:sym typeface="Courier New"/>
+              </a:rPr>
+              <a:t>     </a:t>
+            </a:r>
+            <a:r>
+              <a:rPr lang="es" sz="1050">
+                <a:solidFill>
+                  <a:srgbClr val="C586C0"/>
+                </a:solidFill>
+                <a:highlight>
+                  <a:srgbClr val="1E1E1E"/>
+                </a:highlight>
+                <a:latin typeface="Courier New"/>
+                <a:ea typeface="Courier New"/>
+                <a:cs typeface="Courier New"/>
+                <a:sym typeface="Courier New"/>
+              </a:rPr>
+              <a:t>return</a:t>
+            </a:r>
+            <a:r>
+              <a:rPr lang="es" sz="1050">
+                <a:solidFill>
+                  <a:srgbClr val="D4D4D4"/>
+                </a:solidFill>
+                <a:highlight>
+                  <a:srgbClr val="1E1E1E"/>
+                </a:highlight>
+                <a:latin typeface="Courier New"/>
+                <a:ea typeface="Courier New"/>
+                <a:cs typeface="Courier New"/>
+                <a:sym typeface="Courier New"/>
+              </a:rPr>
+              <a:t>;</a:t>
+            </a:r>
+            <a:endParaRPr sz="1050">
+              <a:solidFill>
+                <a:srgbClr val="D4D4D4"/>
+              </a:solidFill>
+              <a:highlight>
+                <a:srgbClr val="1E1E1E"/>
+              </a:highlight>
+              <a:latin typeface="Courier New"/>
+              <a:ea typeface="Courier New"/>
+              <a:cs typeface="Courier New"/>
+              <a:sym typeface="Courier New"/>
+            </a:endParaRPr>
+          </a:p>
+          <a:p>
+            <a:pPr indent="0" lvl="0" marL="0" rtl="0" algn="l">
+              <a:lnSpc>
+                <a:spcPct val="135714"/>
+              </a:lnSpc>
+              <a:spcBef>
+                <a:spcPts val="0"/>
+              </a:spcBef>
+              <a:spcAft>
+                <a:spcPts val="0"/>
+              </a:spcAft>
+              <a:buClr>
+                <a:schemeClr val="dk1"/>
+              </a:buClr>
+              <a:buSzPts val="1100"/>
+              <a:buFont typeface="Arial"/>
+              <a:buNone/>
+            </a:pPr>
+            <a:r>
+              <a:rPr lang="es" sz="1050">
+                <a:solidFill>
+                  <a:srgbClr val="D4D4D4"/>
+                </a:solidFill>
+                <a:highlight>
+                  <a:srgbClr val="1E1E1E"/>
+                </a:highlight>
+                <a:latin typeface="Courier New"/>
+                <a:ea typeface="Courier New"/>
+                <a:cs typeface="Courier New"/>
+                <a:sym typeface="Courier New"/>
+              </a:rPr>
+              <a:t>   }</a:t>
+            </a:r>
+            <a:endParaRPr sz="1050">
+              <a:solidFill>
+                <a:srgbClr val="D4D4D4"/>
+              </a:solidFill>
+              <a:highlight>
+                <a:srgbClr val="1E1E1E"/>
+              </a:highlight>
+              <a:latin typeface="Courier New"/>
+              <a:ea typeface="Courier New"/>
+              <a:cs typeface="Courier New"/>
+              <a:sym typeface="Courier New"/>
+            </a:endParaRPr>
+          </a:p>
+          <a:p>
+            <a:pPr indent="0" lvl="0" marL="0" rtl="0" algn="l">
+              <a:lnSpc>
+                <a:spcPct val="135714"/>
+              </a:lnSpc>
+              <a:spcBef>
+                <a:spcPts val="0"/>
+              </a:spcBef>
+              <a:spcAft>
+                <a:spcPts val="0"/>
+              </a:spcAft>
+              <a:buClr>
+                <a:schemeClr val="dk1"/>
+              </a:buClr>
+              <a:buSzPts val="1100"/>
+              <a:buFont typeface="Arial"/>
+              <a:buNone/>
+            </a:pPr>
+            <a:r>
+              <a:rPr lang="es" sz="1050">
+                <a:solidFill>
+                  <a:srgbClr val="D4D4D4"/>
+                </a:solidFill>
+                <a:highlight>
+                  <a:srgbClr val="1E1E1E"/>
+                </a:highlight>
+                <a:latin typeface="Courier New"/>
+                <a:ea typeface="Courier New"/>
+                <a:cs typeface="Courier New"/>
+                <a:sym typeface="Courier New"/>
+              </a:rPr>
+              <a:t> }</a:t>
+            </a:r>
+            <a:endParaRPr sz="1050">
+              <a:solidFill>
+                <a:srgbClr val="D4D4D4"/>
+              </a:solidFill>
+              <a:highlight>
+                <a:srgbClr val="1E1E1E"/>
+              </a:highlight>
+              <a:latin typeface="Courier New"/>
+              <a:ea typeface="Courier New"/>
+              <a:cs typeface="Courier New"/>
+              <a:sym typeface="Courier New"/>
+            </a:endParaRPr>
+          </a:p>
+          <a:p>
+            <a:pPr indent="0" lvl="0" marL="0" rtl="0" algn="l">
+              <a:lnSpc>
+                <a:spcPct val="100000"/>
+              </a:lnSpc>
+              <a:spcBef>
+                <a:spcPts val="0"/>
+              </a:spcBef>
+              <a:spcAft>
+                <a:spcPts val="0"/>
+              </a:spcAft>
+              <a:buSzPts val="1100"/>
+              <a:buNone/>
+            </a:pPr>
+            <a:r>
+              <a:t/>
+            </a:r>
+            <a:endParaRPr/>
+          </a:p>
+          <a:p>
+            <a:pPr indent="0" lvl="0" marL="0" rtl="0" algn="l">
+              <a:lnSpc>
+                <a:spcPct val="135714"/>
+              </a:lnSpc>
+              <a:spcBef>
+                <a:spcPts val="0"/>
+              </a:spcBef>
+              <a:spcAft>
+                <a:spcPts val="0"/>
+              </a:spcAft>
+              <a:buClr>
+                <a:schemeClr val="dk1"/>
+              </a:buClr>
+              <a:buSzPts val="1100"/>
+              <a:buFont typeface="Arial"/>
+              <a:buNone/>
+            </a:pPr>
+            <a:r>
+              <a:rPr lang="es" sz="1050">
+                <a:solidFill>
+                  <a:srgbClr val="4EC9B0"/>
+                </a:solidFill>
+                <a:highlight>
+                  <a:srgbClr val="1E1E1E"/>
+                </a:highlight>
+                <a:latin typeface="Courier New"/>
+                <a:ea typeface="Courier New"/>
+                <a:cs typeface="Courier New"/>
+                <a:sym typeface="Courier New"/>
+              </a:rPr>
+              <a:t>Future</a:t>
+            </a:r>
+            <a:r>
+              <a:rPr lang="es" sz="1050">
+                <a:solidFill>
+                  <a:srgbClr val="D4D4D4"/>
+                </a:solidFill>
+                <a:highlight>
+                  <a:srgbClr val="1E1E1E"/>
+                </a:highlight>
+                <a:latin typeface="Courier New"/>
+                <a:ea typeface="Courier New"/>
+                <a:cs typeface="Courier New"/>
+                <a:sym typeface="Courier New"/>
+              </a:rPr>
+              <a:t>&lt;</a:t>
+            </a:r>
+            <a:r>
+              <a:rPr lang="es" sz="1050">
+                <a:solidFill>
+                  <a:srgbClr val="4EC9B0"/>
+                </a:solidFill>
+                <a:highlight>
+                  <a:srgbClr val="1E1E1E"/>
+                </a:highlight>
+                <a:latin typeface="Courier New"/>
+                <a:ea typeface="Courier New"/>
+                <a:cs typeface="Courier New"/>
+                <a:sym typeface="Courier New"/>
+              </a:rPr>
+              <a:t>Null</a:t>
+            </a:r>
+            <a:r>
+              <a:rPr lang="es" sz="1050">
+                <a:solidFill>
+                  <a:srgbClr val="D4D4D4"/>
+                </a:solidFill>
+                <a:highlight>
+                  <a:srgbClr val="1E1E1E"/>
+                </a:highlight>
+                <a:latin typeface="Courier New"/>
+                <a:ea typeface="Courier New"/>
+                <a:cs typeface="Courier New"/>
+                <a:sym typeface="Courier New"/>
+              </a:rPr>
+              <a:t>&gt; </a:t>
+            </a:r>
+            <a:r>
+              <a:rPr lang="es" sz="1050">
+                <a:solidFill>
+                  <a:srgbClr val="DCDCAA"/>
+                </a:solidFill>
+                <a:highlight>
+                  <a:srgbClr val="1E1E1E"/>
+                </a:highlight>
+                <a:latin typeface="Courier New"/>
+                <a:ea typeface="Courier New"/>
+                <a:cs typeface="Courier New"/>
+                <a:sym typeface="Courier New"/>
+              </a:rPr>
+              <a:t>logout</a:t>
+            </a:r>
+            <a:r>
+              <a:rPr lang="es" sz="1050">
+                <a:solidFill>
+                  <a:srgbClr val="D4D4D4"/>
+                </a:solidFill>
+                <a:highlight>
+                  <a:srgbClr val="1E1E1E"/>
+                </a:highlight>
+                <a:latin typeface="Courier New"/>
+                <a:ea typeface="Courier New"/>
+                <a:cs typeface="Courier New"/>
+                <a:sym typeface="Courier New"/>
+              </a:rPr>
+              <a:t>() </a:t>
+            </a:r>
+            <a:r>
+              <a:rPr lang="es" sz="1050">
+                <a:solidFill>
+                  <a:srgbClr val="C586C0"/>
+                </a:solidFill>
+                <a:highlight>
+                  <a:srgbClr val="1E1E1E"/>
+                </a:highlight>
+                <a:latin typeface="Courier New"/>
+                <a:ea typeface="Courier New"/>
+                <a:cs typeface="Courier New"/>
+                <a:sym typeface="Courier New"/>
+              </a:rPr>
+              <a:t>async</a:t>
+            </a:r>
+            <a:r>
+              <a:rPr lang="es" sz="1050">
+                <a:solidFill>
+                  <a:srgbClr val="D4D4D4"/>
+                </a:solidFill>
+                <a:highlight>
+                  <a:srgbClr val="1E1E1E"/>
+                </a:highlight>
+                <a:latin typeface="Courier New"/>
+                <a:ea typeface="Courier New"/>
+                <a:cs typeface="Courier New"/>
+                <a:sym typeface="Courier New"/>
+              </a:rPr>
+              <a:t> {</a:t>
+            </a:r>
+            <a:endParaRPr sz="1050">
+              <a:solidFill>
+                <a:srgbClr val="D4D4D4"/>
+              </a:solidFill>
+              <a:highlight>
+                <a:srgbClr val="1E1E1E"/>
+              </a:highlight>
+              <a:latin typeface="Courier New"/>
+              <a:ea typeface="Courier New"/>
+              <a:cs typeface="Courier New"/>
+              <a:sym typeface="Courier New"/>
+            </a:endParaRPr>
+          </a:p>
+          <a:p>
+            <a:pPr indent="0" lvl="0" marL="0" rtl="0" algn="l">
+              <a:lnSpc>
+                <a:spcPct val="135714"/>
+              </a:lnSpc>
+              <a:spcBef>
+                <a:spcPts val="0"/>
+              </a:spcBef>
+              <a:spcAft>
+                <a:spcPts val="0"/>
+              </a:spcAft>
+              <a:buClr>
+                <a:schemeClr val="dk1"/>
+              </a:buClr>
+              <a:buSzPts val="1100"/>
+              <a:buFont typeface="Arial"/>
+              <a:buNone/>
+            </a:pPr>
+            <a:r>
+              <a:rPr lang="es" sz="1050">
+                <a:solidFill>
+                  <a:srgbClr val="D4D4D4"/>
+                </a:solidFill>
+                <a:highlight>
+                  <a:srgbClr val="1E1E1E"/>
+                </a:highlight>
+                <a:latin typeface="Courier New"/>
+                <a:ea typeface="Courier New"/>
+                <a:cs typeface="Courier New"/>
+                <a:sym typeface="Courier New"/>
+              </a:rPr>
+              <a:t> </a:t>
+            </a:r>
+            <a:r>
+              <a:rPr lang="es" sz="1050">
+                <a:solidFill>
+                  <a:srgbClr val="569CD6"/>
+                </a:solidFill>
+                <a:highlight>
+                  <a:srgbClr val="1E1E1E"/>
+                </a:highlight>
+                <a:latin typeface="Courier New"/>
+                <a:ea typeface="Courier New"/>
+                <a:cs typeface="Courier New"/>
+                <a:sym typeface="Courier New"/>
+              </a:rPr>
+              <a:t>final</a:t>
+            </a:r>
+            <a:r>
+              <a:rPr lang="es" sz="1050">
+                <a:solidFill>
+                  <a:srgbClr val="D4D4D4"/>
+                </a:solidFill>
+                <a:highlight>
+                  <a:srgbClr val="1E1E1E"/>
+                </a:highlight>
+                <a:latin typeface="Courier New"/>
+                <a:ea typeface="Courier New"/>
+                <a:cs typeface="Courier New"/>
+                <a:sym typeface="Courier New"/>
+              </a:rPr>
+              <a:t> </a:t>
+            </a:r>
+            <a:r>
+              <a:rPr lang="es" sz="1050">
+                <a:solidFill>
+                  <a:srgbClr val="4EC9B0"/>
+                </a:solidFill>
+                <a:highlight>
+                  <a:srgbClr val="1E1E1E"/>
+                </a:highlight>
+                <a:latin typeface="Courier New"/>
+                <a:ea typeface="Courier New"/>
+                <a:cs typeface="Courier New"/>
+                <a:sym typeface="Courier New"/>
+              </a:rPr>
+              <a:t>SharedPreferences</a:t>
+            </a:r>
+            <a:r>
+              <a:rPr lang="es" sz="1050">
+                <a:solidFill>
+                  <a:srgbClr val="D4D4D4"/>
+                </a:solidFill>
+                <a:highlight>
+                  <a:srgbClr val="1E1E1E"/>
+                </a:highlight>
+                <a:latin typeface="Courier New"/>
+                <a:ea typeface="Courier New"/>
+                <a:cs typeface="Courier New"/>
+                <a:sym typeface="Courier New"/>
+              </a:rPr>
+              <a:t> prefs = </a:t>
+            </a:r>
+            <a:r>
+              <a:rPr lang="es" sz="1050">
+                <a:solidFill>
+                  <a:srgbClr val="C586C0"/>
+                </a:solidFill>
+                <a:highlight>
+                  <a:srgbClr val="1E1E1E"/>
+                </a:highlight>
+                <a:latin typeface="Courier New"/>
+                <a:ea typeface="Courier New"/>
+                <a:cs typeface="Courier New"/>
+                <a:sym typeface="Courier New"/>
+              </a:rPr>
+              <a:t>await</a:t>
+            </a:r>
+            <a:r>
+              <a:rPr lang="es" sz="1050">
+                <a:solidFill>
+                  <a:srgbClr val="D4D4D4"/>
+                </a:solidFill>
+                <a:highlight>
+                  <a:srgbClr val="1E1E1E"/>
+                </a:highlight>
+                <a:latin typeface="Courier New"/>
+                <a:ea typeface="Courier New"/>
+                <a:cs typeface="Courier New"/>
+                <a:sym typeface="Courier New"/>
+              </a:rPr>
+              <a:t> </a:t>
+            </a:r>
+            <a:r>
+              <a:rPr lang="es" sz="1050">
+                <a:solidFill>
+                  <a:srgbClr val="4EC9B0"/>
+                </a:solidFill>
+                <a:highlight>
+                  <a:srgbClr val="1E1E1E"/>
+                </a:highlight>
+                <a:latin typeface="Courier New"/>
+                <a:ea typeface="Courier New"/>
+                <a:cs typeface="Courier New"/>
+                <a:sym typeface="Courier New"/>
+              </a:rPr>
+              <a:t>SharedPreferences</a:t>
+            </a:r>
+            <a:r>
+              <a:rPr lang="es" sz="1050">
+                <a:solidFill>
+                  <a:srgbClr val="D4D4D4"/>
+                </a:solidFill>
+                <a:highlight>
+                  <a:srgbClr val="1E1E1E"/>
+                </a:highlight>
+                <a:latin typeface="Courier New"/>
+                <a:ea typeface="Courier New"/>
+                <a:cs typeface="Courier New"/>
+                <a:sym typeface="Courier New"/>
+              </a:rPr>
+              <a:t>.</a:t>
+            </a:r>
+            <a:r>
+              <a:rPr lang="es" sz="1050">
+                <a:solidFill>
+                  <a:srgbClr val="DCDCAA"/>
+                </a:solidFill>
+                <a:highlight>
+                  <a:srgbClr val="1E1E1E"/>
+                </a:highlight>
+                <a:latin typeface="Courier New"/>
+                <a:ea typeface="Courier New"/>
+                <a:cs typeface="Courier New"/>
+                <a:sym typeface="Courier New"/>
+              </a:rPr>
+              <a:t>getInstance</a:t>
+            </a:r>
+            <a:r>
+              <a:rPr lang="es" sz="1050">
+                <a:solidFill>
+                  <a:srgbClr val="D4D4D4"/>
+                </a:solidFill>
+                <a:highlight>
+                  <a:srgbClr val="1E1E1E"/>
+                </a:highlight>
+                <a:latin typeface="Courier New"/>
+                <a:ea typeface="Courier New"/>
+                <a:cs typeface="Courier New"/>
+                <a:sym typeface="Courier New"/>
+              </a:rPr>
+              <a:t>();</a:t>
+            </a:r>
+            <a:endParaRPr sz="1050">
+              <a:solidFill>
+                <a:srgbClr val="D4D4D4"/>
+              </a:solidFill>
+              <a:highlight>
+                <a:srgbClr val="1E1E1E"/>
+              </a:highlight>
+              <a:latin typeface="Courier New"/>
+              <a:ea typeface="Courier New"/>
+              <a:cs typeface="Courier New"/>
+              <a:sym typeface="Courier New"/>
+            </a:endParaRPr>
+          </a:p>
+          <a:p>
+            <a:pPr indent="0" lvl="0" marL="0" rtl="0" algn="l">
+              <a:lnSpc>
+                <a:spcPct val="135714"/>
+              </a:lnSpc>
+              <a:spcBef>
+                <a:spcPts val="0"/>
+              </a:spcBef>
+              <a:spcAft>
+                <a:spcPts val="0"/>
+              </a:spcAft>
+              <a:buClr>
+                <a:schemeClr val="dk1"/>
+              </a:buClr>
+              <a:buSzPts val="1100"/>
+              <a:buFont typeface="Arial"/>
+              <a:buNone/>
+            </a:pPr>
+            <a:r>
+              <a:rPr lang="es" sz="1050">
+                <a:solidFill>
+                  <a:srgbClr val="D4D4D4"/>
+                </a:solidFill>
+                <a:highlight>
+                  <a:srgbClr val="1E1E1E"/>
+                </a:highlight>
+                <a:latin typeface="Courier New"/>
+                <a:ea typeface="Courier New"/>
+                <a:cs typeface="Courier New"/>
+                <a:sym typeface="Courier New"/>
+              </a:rPr>
+              <a:t> prefs.</a:t>
+            </a:r>
+            <a:r>
+              <a:rPr lang="es" sz="1050">
+                <a:solidFill>
+                  <a:srgbClr val="DCDCAA"/>
+                </a:solidFill>
+                <a:highlight>
+                  <a:srgbClr val="1E1E1E"/>
+                </a:highlight>
+                <a:latin typeface="Courier New"/>
+                <a:ea typeface="Courier New"/>
+                <a:cs typeface="Courier New"/>
+                <a:sym typeface="Courier New"/>
+              </a:rPr>
+              <a:t>setString</a:t>
+            </a:r>
+            <a:r>
+              <a:rPr lang="es" sz="1050">
+                <a:solidFill>
+                  <a:srgbClr val="D4D4D4"/>
+                </a:solidFill>
+                <a:highlight>
+                  <a:srgbClr val="1E1E1E"/>
+                </a:highlight>
+                <a:latin typeface="Courier New"/>
+                <a:ea typeface="Courier New"/>
+                <a:cs typeface="Courier New"/>
+                <a:sym typeface="Courier New"/>
+              </a:rPr>
+              <a:t>(</a:t>
+            </a:r>
+            <a:r>
+              <a:rPr lang="es" sz="1050">
+                <a:solidFill>
+                  <a:srgbClr val="CE9178"/>
+                </a:solidFill>
+                <a:highlight>
+                  <a:srgbClr val="1E1E1E"/>
+                </a:highlight>
+                <a:latin typeface="Courier New"/>
+                <a:ea typeface="Courier New"/>
+                <a:cs typeface="Courier New"/>
+                <a:sym typeface="Courier New"/>
+              </a:rPr>
+              <a:t>'username'</a:t>
+            </a:r>
+            <a:r>
+              <a:rPr lang="es" sz="1050">
+                <a:solidFill>
+                  <a:srgbClr val="D4D4D4"/>
+                </a:solidFill>
+                <a:highlight>
+                  <a:srgbClr val="1E1E1E"/>
+                </a:highlight>
+                <a:latin typeface="Courier New"/>
+                <a:ea typeface="Courier New"/>
+                <a:cs typeface="Courier New"/>
+                <a:sym typeface="Courier New"/>
+              </a:rPr>
+              <a:t>, </a:t>
+            </a:r>
+            <a:r>
+              <a:rPr lang="es" sz="1050">
+                <a:solidFill>
+                  <a:srgbClr val="569CD6"/>
+                </a:solidFill>
+                <a:highlight>
+                  <a:srgbClr val="1E1E1E"/>
+                </a:highlight>
+                <a:latin typeface="Courier New"/>
+                <a:ea typeface="Courier New"/>
+                <a:cs typeface="Courier New"/>
+                <a:sym typeface="Courier New"/>
+              </a:rPr>
+              <a:t>null</a:t>
+            </a:r>
+            <a:r>
+              <a:rPr lang="es" sz="1050">
+                <a:solidFill>
+                  <a:srgbClr val="D4D4D4"/>
+                </a:solidFill>
+                <a:highlight>
+                  <a:srgbClr val="1E1E1E"/>
+                </a:highlight>
+                <a:latin typeface="Courier New"/>
+                <a:ea typeface="Courier New"/>
+                <a:cs typeface="Courier New"/>
+                <a:sym typeface="Courier New"/>
+              </a:rPr>
+              <a:t>);</a:t>
+            </a:r>
+            <a:endParaRPr sz="1050">
+              <a:solidFill>
+                <a:srgbClr val="D4D4D4"/>
+              </a:solidFill>
+              <a:highlight>
+                <a:srgbClr val="1E1E1E"/>
+              </a:highlight>
+              <a:latin typeface="Courier New"/>
+              <a:ea typeface="Courier New"/>
+              <a:cs typeface="Courier New"/>
+              <a:sym typeface="Courier New"/>
+            </a:endParaRPr>
+          </a:p>
+          <a:p>
+            <a:pPr indent="0" lvl="0" marL="0" rtl="0" algn="l">
+              <a:lnSpc>
+                <a:spcPct val="135714"/>
+              </a:lnSpc>
+              <a:spcBef>
+                <a:spcPts val="0"/>
+              </a:spcBef>
+              <a:spcAft>
+                <a:spcPts val="0"/>
+              </a:spcAft>
+              <a:buClr>
+                <a:schemeClr val="dk1"/>
+              </a:buClr>
+              <a:buSzPts val="1100"/>
+              <a:buFont typeface="Arial"/>
+              <a:buNone/>
+            </a:pPr>
+            <a:r>
+              <a:t/>
+            </a:r>
+            <a:endParaRPr sz="1050">
+              <a:solidFill>
+                <a:srgbClr val="D4D4D4"/>
+              </a:solidFill>
+              <a:highlight>
+                <a:srgbClr val="1E1E1E"/>
+              </a:highlight>
+              <a:latin typeface="Courier New"/>
+              <a:ea typeface="Courier New"/>
+              <a:cs typeface="Courier New"/>
+              <a:sym typeface="Courier New"/>
+            </a:endParaRPr>
+          </a:p>
+          <a:p>
+            <a:pPr indent="0" lvl="0" marL="0" rtl="0" algn="l">
+              <a:lnSpc>
+                <a:spcPct val="135714"/>
+              </a:lnSpc>
+              <a:spcBef>
+                <a:spcPts val="0"/>
+              </a:spcBef>
+              <a:spcAft>
+                <a:spcPts val="0"/>
+              </a:spcAft>
+              <a:buClr>
+                <a:schemeClr val="dk1"/>
+              </a:buClr>
+              <a:buSzPts val="1100"/>
+              <a:buFont typeface="Arial"/>
+              <a:buNone/>
+            </a:pPr>
+            <a:r>
+              <a:rPr lang="es" sz="1050">
+                <a:solidFill>
+                  <a:srgbClr val="D4D4D4"/>
+                </a:solidFill>
+                <a:highlight>
+                  <a:srgbClr val="1E1E1E"/>
+                </a:highlight>
+                <a:latin typeface="Courier New"/>
+                <a:ea typeface="Courier New"/>
+                <a:cs typeface="Courier New"/>
+                <a:sym typeface="Courier New"/>
+              </a:rPr>
+              <a:t> </a:t>
+            </a:r>
+            <a:r>
+              <a:rPr lang="es" sz="1050">
+                <a:solidFill>
+                  <a:srgbClr val="DCDCAA"/>
+                </a:solidFill>
+                <a:highlight>
+                  <a:srgbClr val="1E1E1E"/>
+                </a:highlight>
+                <a:latin typeface="Courier New"/>
+                <a:ea typeface="Courier New"/>
+                <a:cs typeface="Courier New"/>
+                <a:sym typeface="Courier New"/>
+              </a:rPr>
+              <a:t>setState</a:t>
+            </a:r>
+            <a:r>
+              <a:rPr lang="es" sz="1050">
+                <a:solidFill>
+                  <a:srgbClr val="D4D4D4"/>
+                </a:solidFill>
+                <a:highlight>
+                  <a:srgbClr val="1E1E1E"/>
+                </a:highlight>
+                <a:latin typeface="Courier New"/>
+                <a:ea typeface="Courier New"/>
+                <a:cs typeface="Courier New"/>
+                <a:sym typeface="Courier New"/>
+              </a:rPr>
+              <a:t>(() {</a:t>
+            </a:r>
+            <a:endParaRPr sz="1050">
+              <a:solidFill>
+                <a:srgbClr val="D4D4D4"/>
+              </a:solidFill>
+              <a:highlight>
+                <a:srgbClr val="1E1E1E"/>
+              </a:highlight>
+              <a:latin typeface="Courier New"/>
+              <a:ea typeface="Courier New"/>
+              <a:cs typeface="Courier New"/>
+              <a:sym typeface="Courier New"/>
+            </a:endParaRPr>
+          </a:p>
+          <a:p>
+            <a:pPr indent="0" lvl="0" marL="0" rtl="0" algn="l">
+              <a:lnSpc>
+                <a:spcPct val="135714"/>
+              </a:lnSpc>
+              <a:spcBef>
+                <a:spcPts val="0"/>
+              </a:spcBef>
+              <a:spcAft>
+                <a:spcPts val="0"/>
+              </a:spcAft>
+              <a:buClr>
+                <a:schemeClr val="dk1"/>
+              </a:buClr>
+              <a:buSzPts val="1100"/>
+              <a:buFont typeface="Arial"/>
+              <a:buNone/>
+            </a:pPr>
+            <a:r>
+              <a:rPr lang="es" sz="1050">
+                <a:solidFill>
+                  <a:srgbClr val="D4D4D4"/>
+                </a:solidFill>
+                <a:highlight>
+                  <a:srgbClr val="1E1E1E"/>
+                </a:highlight>
+                <a:latin typeface="Courier New"/>
+                <a:ea typeface="Courier New"/>
+                <a:cs typeface="Courier New"/>
+                <a:sym typeface="Courier New"/>
+              </a:rPr>
+              <a:t>   name = </a:t>
+            </a:r>
+            <a:r>
+              <a:rPr lang="es" sz="1050">
+                <a:solidFill>
+                  <a:srgbClr val="CE9178"/>
+                </a:solidFill>
+                <a:highlight>
+                  <a:srgbClr val="1E1E1E"/>
+                </a:highlight>
+                <a:latin typeface="Courier New"/>
+                <a:ea typeface="Courier New"/>
+                <a:cs typeface="Courier New"/>
+                <a:sym typeface="Courier New"/>
+              </a:rPr>
+              <a:t>''</a:t>
+            </a:r>
+            <a:r>
+              <a:rPr lang="es" sz="1050">
+                <a:solidFill>
+                  <a:srgbClr val="D4D4D4"/>
+                </a:solidFill>
+                <a:highlight>
+                  <a:srgbClr val="1E1E1E"/>
+                </a:highlight>
+                <a:latin typeface="Courier New"/>
+                <a:ea typeface="Courier New"/>
+                <a:cs typeface="Courier New"/>
+                <a:sym typeface="Courier New"/>
+              </a:rPr>
+              <a:t>;</a:t>
+            </a:r>
+            <a:endParaRPr sz="1050">
+              <a:solidFill>
+                <a:srgbClr val="D4D4D4"/>
+              </a:solidFill>
+              <a:highlight>
+                <a:srgbClr val="1E1E1E"/>
+              </a:highlight>
+              <a:latin typeface="Courier New"/>
+              <a:ea typeface="Courier New"/>
+              <a:cs typeface="Courier New"/>
+              <a:sym typeface="Courier New"/>
+            </a:endParaRPr>
+          </a:p>
+          <a:p>
+            <a:pPr indent="0" lvl="0" marL="0" rtl="0" algn="l">
+              <a:lnSpc>
+                <a:spcPct val="135714"/>
+              </a:lnSpc>
+              <a:spcBef>
+                <a:spcPts val="0"/>
+              </a:spcBef>
+              <a:spcAft>
+                <a:spcPts val="0"/>
+              </a:spcAft>
+              <a:buClr>
+                <a:schemeClr val="dk1"/>
+              </a:buClr>
+              <a:buSzPts val="1100"/>
+              <a:buFont typeface="Arial"/>
+              <a:buNone/>
+            </a:pPr>
+            <a:r>
+              <a:rPr lang="es" sz="1050">
+                <a:solidFill>
+                  <a:srgbClr val="D4D4D4"/>
+                </a:solidFill>
+                <a:highlight>
+                  <a:srgbClr val="1E1E1E"/>
+                </a:highlight>
+                <a:latin typeface="Courier New"/>
+                <a:ea typeface="Courier New"/>
+                <a:cs typeface="Courier New"/>
+                <a:sym typeface="Courier New"/>
+              </a:rPr>
+              <a:t>   isLoggedIn = </a:t>
+            </a:r>
+            <a:r>
+              <a:rPr lang="es" sz="1050">
+                <a:solidFill>
+                  <a:srgbClr val="569CD6"/>
+                </a:solidFill>
+                <a:highlight>
+                  <a:srgbClr val="1E1E1E"/>
+                </a:highlight>
+                <a:latin typeface="Courier New"/>
+                <a:ea typeface="Courier New"/>
+                <a:cs typeface="Courier New"/>
+                <a:sym typeface="Courier New"/>
+              </a:rPr>
+              <a:t>false</a:t>
+            </a:r>
+            <a:r>
+              <a:rPr lang="es" sz="1050">
+                <a:solidFill>
+                  <a:srgbClr val="D4D4D4"/>
+                </a:solidFill>
+                <a:highlight>
+                  <a:srgbClr val="1E1E1E"/>
+                </a:highlight>
+                <a:latin typeface="Courier New"/>
+                <a:ea typeface="Courier New"/>
+                <a:cs typeface="Courier New"/>
+                <a:sym typeface="Courier New"/>
+              </a:rPr>
+              <a:t>;</a:t>
+            </a:r>
+            <a:endParaRPr sz="1050">
+              <a:solidFill>
+                <a:srgbClr val="D4D4D4"/>
+              </a:solidFill>
+              <a:highlight>
+                <a:srgbClr val="1E1E1E"/>
+              </a:highlight>
+              <a:latin typeface="Courier New"/>
+              <a:ea typeface="Courier New"/>
+              <a:cs typeface="Courier New"/>
+              <a:sym typeface="Courier New"/>
+            </a:endParaRPr>
+          </a:p>
+          <a:p>
+            <a:pPr indent="0" lvl="0" marL="0" rtl="0" algn="l">
+              <a:lnSpc>
+                <a:spcPct val="135714"/>
+              </a:lnSpc>
+              <a:spcBef>
+                <a:spcPts val="0"/>
+              </a:spcBef>
+              <a:spcAft>
+                <a:spcPts val="0"/>
+              </a:spcAft>
+              <a:buClr>
+                <a:schemeClr val="dk1"/>
+              </a:buClr>
+              <a:buSzPts val="1100"/>
+              <a:buFont typeface="Arial"/>
+              <a:buNone/>
+            </a:pPr>
+            <a:r>
+              <a:rPr lang="es" sz="1050">
+                <a:solidFill>
+                  <a:srgbClr val="D4D4D4"/>
+                </a:solidFill>
+                <a:highlight>
+                  <a:srgbClr val="1E1E1E"/>
+                </a:highlight>
+                <a:latin typeface="Courier New"/>
+                <a:ea typeface="Courier New"/>
+                <a:cs typeface="Courier New"/>
+                <a:sym typeface="Courier New"/>
+              </a:rPr>
+              <a:t> });</a:t>
+            </a:r>
+            <a:endParaRPr sz="1050">
+              <a:solidFill>
+                <a:srgbClr val="D4D4D4"/>
+              </a:solidFill>
+              <a:highlight>
+                <a:srgbClr val="1E1E1E"/>
+              </a:highlight>
+              <a:latin typeface="Courier New"/>
+              <a:ea typeface="Courier New"/>
+              <a:cs typeface="Courier New"/>
+              <a:sym typeface="Courier New"/>
+            </a:endParaRPr>
+          </a:p>
+          <a:p>
+            <a:pPr indent="0" lvl="0" marL="0" rtl="0" algn="l">
+              <a:lnSpc>
+                <a:spcPct val="135714"/>
+              </a:lnSpc>
+              <a:spcBef>
+                <a:spcPts val="0"/>
+              </a:spcBef>
+              <a:spcAft>
+                <a:spcPts val="0"/>
+              </a:spcAft>
+              <a:buClr>
+                <a:schemeClr val="dk1"/>
+              </a:buClr>
+              <a:buSzPts val="1100"/>
+              <a:buFont typeface="Arial"/>
+              <a:buNone/>
+            </a:pPr>
+            <a:r>
+              <a:rPr lang="es" sz="1050">
+                <a:solidFill>
+                  <a:srgbClr val="D4D4D4"/>
+                </a:solidFill>
+                <a:highlight>
+                  <a:srgbClr val="1E1E1E"/>
+                </a:highlight>
+                <a:latin typeface="Courier New"/>
+                <a:ea typeface="Courier New"/>
+                <a:cs typeface="Courier New"/>
+                <a:sym typeface="Courier New"/>
+              </a:rPr>
+              <a:t>}</a:t>
+            </a:r>
+            <a:endParaRPr sz="1050">
+              <a:solidFill>
+                <a:srgbClr val="D4D4D4"/>
+              </a:solidFill>
+              <a:highlight>
+                <a:srgbClr val="1E1E1E"/>
+              </a:highlight>
+              <a:latin typeface="Courier New"/>
+              <a:ea typeface="Courier New"/>
+              <a:cs typeface="Courier New"/>
+              <a:sym typeface="Courier New"/>
+            </a:endParaRPr>
+          </a:p>
+          <a:p>
+            <a:pPr indent="0" lvl="0" marL="0" rtl="0" algn="l">
+              <a:lnSpc>
+                <a:spcPct val="135714"/>
+              </a:lnSpc>
+              <a:spcBef>
+                <a:spcPts val="0"/>
+              </a:spcBef>
+              <a:spcAft>
+                <a:spcPts val="0"/>
+              </a:spcAft>
+              <a:buClr>
+                <a:schemeClr val="dk1"/>
+              </a:buClr>
+              <a:buSzPts val="1100"/>
+              <a:buFont typeface="Arial"/>
+              <a:buNone/>
+            </a:pPr>
+            <a:r>
+              <a:t/>
+            </a:r>
+            <a:endParaRPr sz="1050">
+              <a:solidFill>
+                <a:srgbClr val="D4D4D4"/>
+              </a:solidFill>
+              <a:highlight>
+                <a:srgbClr val="1E1E1E"/>
+              </a:highlight>
+              <a:latin typeface="Courier New"/>
+              <a:ea typeface="Courier New"/>
+              <a:cs typeface="Courier New"/>
+              <a:sym typeface="Courier New"/>
+            </a:endParaRPr>
+          </a:p>
+          <a:p>
+            <a:pPr indent="0" lvl="0" marL="0" rtl="0" algn="l">
+              <a:lnSpc>
+                <a:spcPct val="135714"/>
+              </a:lnSpc>
+              <a:spcBef>
+                <a:spcPts val="0"/>
+              </a:spcBef>
+              <a:spcAft>
+                <a:spcPts val="0"/>
+              </a:spcAft>
+              <a:buClr>
+                <a:schemeClr val="dk1"/>
+              </a:buClr>
+              <a:buSzPts val="1100"/>
+              <a:buFont typeface="Arial"/>
+              <a:buNone/>
+            </a:pPr>
+            <a:r>
+              <a:rPr lang="es" sz="1050">
+                <a:solidFill>
+                  <a:srgbClr val="4EC9B0"/>
+                </a:solidFill>
+                <a:highlight>
+                  <a:srgbClr val="1E1E1E"/>
+                </a:highlight>
+                <a:latin typeface="Courier New"/>
+                <a:ea typeface="Courier New"/>
+                <a:cs typeface="Courier New"/>
+                <a:sym typeface="Courier New"/>
+              </a:rPr>
+              <a:t>Future</a:t>
+            </a:r>
+            <a:r>
+              <a:rPr lang="es" sz="1050">
+                <a:solidFill>
+                  <a:srgbClr val="D4D4D4"/>
+                </a:solidFill>
+                <a:highlight>
+                  <a:srgbClr val="1E1E1E"/>
+                </a:highlight>
+                <a:latin typeface="Courier New"/>
+                <a:ea typeface="Courier New"/>
+                <a:cs typeface="Courier New"/>
+                <a:sym typeface="Courier New"/>
+              </a:rPr>
+              <a:t>&lt;</a:t>
+            </a:r>
+            <a:r>
+              <a:rPr lang="es" sz="1050">
+                <a:solidFill>
+                  <a:srgbClr val="4EC9B0"/>
+                </a:solidFill>
+                <a:highlight>
+                  <a:srgbClr val="1E1E1E"/>
+                </a:highlight>
+                <a:latin typeface="Courier New"/>
+                <a:ea typeface="Courier New"/>
+                <a:cs typeface="Courier New"/>
+                <a:sym typeface="Courier New"/>
+              </a:rPr>
+              <a:t>Null</a:t>
+            </a:r>
+            <a:r>
+              <a:rPr lang="es" sz="1050">
+                <a:solidFill>
+                  <a:srgbClr val="D4D4D4"/>
+                </a:solidFill>
+                <a:highlight>
+                  <a:srgbClr val="1E1E1E"/>
+                </a:highlight>
+                <a:latin typeface="Courier New"/>
+                <a:ea typeface="Courier New"/>
+                <a:cs typeface="Courier New"/>
+                <a:sym typeface="Courier New"/>
+              </a:rPr>
+              <a:t>&gt; </a:t>
+            </a:r>
+            <a:r>
+              <a:rPr lang="es" sz="1050">
+                <a:solidFill>
+                  <a:srgbClr val="DCDCAA"/>
+                </a:solidFill>
+                <a:highlight>
+                  <a:srgbClr val="1E1E1E"/>
+                </a:highlight>
+                <a:latin typeface="Courier New"/>
+                <a:ea typeface="Courier New"/>
+                <a:cs typeface="Courier New"/>
+                <a:sym typeface="Courier New"/>
+              </a:rPr>
+              <a:t>loginUser</a:t>
+            </a:r>
+            <a:r>
+              <a:rPr lang="es" sz="1050">
+                <a:solidFill>
+                  <a:srgbClr val="D4D4D4"/>
+                </a:solidFill>
+                <a:highlight>
+                  <a:srgbClr val="1E1E1E"/>
+                </a:highlight>
+                <a:latin typeface="Courier New"/>
+                <a:ea typeface="Courier New"/>
+                <a:cs typeface="Courier New"/>
+                <a:sym typeface="Courier New"/>
+              </a:rPr>
+              <a:t>() </a:t>
+            </a:r>
+            <a:r>
+              <a:rPr lang="es" sz="1050">
+                <a:solidFill>
+                  <a:srgbClr val="C586C0"/>
+                </a:solidFill>
+                <a:highlight>
+                  <a:srgbClr val="1E1E1E"/>
+                </a:highlight>
+                <a:latin typeface="Courier New"/>
+                <a:ea typeface="Courier New"/>
+                <a:cs typeface="Courier New"/>
+                <a:sym typeface="Courier New"/>
+              </a:rPr>
+              <a:t>async</a:t>
+            </a:r>
+            <a:r>
+              <a:rPr lang="es" sz="1050">
+                <a:solidFill>
+                  <a:srgbClr val="D4D4D4"/>
+                </a:solidFill>
+                <a:highlight>
+                  <a:srgbClr val="1E1E1E"/>
+                </a:highlight>
+                <a:latin typeface="Courier New"/>
+                <a:ea typeface="Courier New"/>
+                <a:cs typeface="Courier New"/>
+                <a:sym typeface="Courier New"/>
+              </a:rPr>
+              <a:t> {</a:t>
+            </a:r>
+            <a:endParaRPr sz="1050">
+              <a:solidFill>
+                <a:srgbClr val="D4D4D4"/>
+              </a:solidFill>
+              <a:highlight>
+                <a:srgbClr val="1E1E1E"/>
+              </a:highlight>
+              <a:latin typeface="Courier New"/>
+              <a:ea typeface="Courier New"/>
+              <a:cs typeface="Courier New"/>
+              <a:sym typeface="Courier New"/>
+            </a:endParaRPr>
+          </a:p>
+          <a:p>
+            <a:pPr indent="0" lvl="0" marL="0" rtl="0" algn="l">
+              <a:lnSpc>
+                <a:spcPct val="135714"/>
+              </a:lnSpc>
+              <a:spcBef>
+                <a:spcPts val="0"/>
+              </a:spcBef>
+              <a:spcAft>
+                <a:spcPts val="0"/>
+              </a:spcAft>
+              <a:buClr>
+                <a:schemeClr val="dk1"/>
+              </a:buClr>
+              <a:buSzPts val="1100"/>
+              <a:buFont typeface="Arial"/>
+              <a:buNone/>
+            </a:pPr>
+            <a:r>
+              <a:rPr lang="es" sz="1050">
+                <a:solidFill>
+                  <a:srgbClr val="D4D4D4"/>
+                </a:solidFill>
+                <a:highlight>
+                  <a:srgbClr val="1E1E1E"/>
+                </a:highlight>
+                <a:latin typeface="Courier New"/>
+                <a:ea typeface="Courier New"/>
+                <a:cs typeface="Courier New"/>
+                <a:sym typeface="Courier New"/>
+              </a:rPr>
+              <a:t> </a:t>
+            </a:r>
+            <a:r>
+              <a:rPr lang="es" sz="1050">
+                <a:solidFill>
+                  <a:srgbClr val="569CD6"/>
+                </a:solidFill>
+                <a:highlight>
+                  <a:srgbClr val="1E1E1E"/>
+                </a:highlight>
+                <a:latin typeface="Courier New"/>
+                <a:ea typeface="Courier New"/>
+                <a:cs typeface="Courier New"/>
+                <a:sym typeface="Courier New"/>
+              </a:rPr>
+              <a:t>final</a:t>
+            </a:r>
+            <a:r>
+              <a:rPr lang="es" sz="1050">
+                <a:solidFill>
+                  <a:srgbClr val="D4D4D4"/>
+                </a:solidFill>
+                <a:highlight>
+                  <a:srgbClr val="1E1E1E"/>
+                </a:highlight>
+                <a:latin typeface="Courier New"/>
+                <a:ea typeface="Courier New"/>
+                <a:cs typeface="Courier New"/>
+                <a:sym typeface="Courier New"/>
+              </a:rPr>
+              <a:t> </a:t>
+            </a:r>
+            <a:r>
+              <a:rPr lang="es" sz="1050">
+                <a:solidFill>
+                  <a:srgbClr val="4EC9B0"/>
+                </a:solidFill>
+                <a:highlight>
+                  <a:srgbClr val="1E1E1E"/>
+                </a:highlight>
+                <a:latin typeface="Courier New"/>
+                <a:ea typeface="Courier New"/>
+                <a:cs typeface="Courier New"/>
+                <a:sym typeface="Courier New"/>
+              </a:rPr>
+              <a:t>SharedPreferences</a:t>
+            </a:r>
+            <a:r>
+              <a:rPr lang="es" sz="1050">
+                <a:solidFill>
+                  <a:srgbClr val="D4D4D4"/>
+                </a:solidFill>
+                <a:highlight>
+                  <a:srgbClr val="1E1E1E"/>
+                </a:highlight>
+                <a:latin typeface="Courier New"/>
+                <a:ea typeface="Courier New"/>
+                <a:cs typeface="Courier New"/>
+                <a:sym typeface="Courier New"/>
+              </a:rPr>
+              <a:t> prefs = </a:t>
+            </a:r>
+            <a:r>
+              <a:rPr lang="es" sz="1050">
+                <a:solidFill>
+                  <a:srgbClr val="C586C0"/>
+                </a:solidFill>
+                <a:highlight>
+                  <a:srgbClr val="1E1E1E"/>
+                </a:highlight>
+                <a:latin typeface="Courier New"/>
+                <a:ea typeface="Courier New"/>
+                <a:cs typeface="Courier New"/>
+                <a:sym typeface="Courier New"/>
+              </a:rPr>
+              <a:t>await</a:t>
+            </a:r>
+            <a:r>
+              <a:rPr lang="es" sz="1050">
+                <a:solidFill>
+                  <a:srgbClr val="D4D4D4"/>
+                </a:solidFill>
+                <a:highlight>
+                  <a:srgbClr val="1E1E1E"/>
+                </a:highlight>
+                <a:latin typeface="Courier New"/>
+                <a:ea typeface="Courier New"/>
+                <a:cs typeface="Courier New"/>
+                <a:sym typeface="Courier New"/>
+              </a:rPr>
+              <a:t> </a:t>
+            </a:r>
+            <a:r>
+              <a:rPr lang="es" sz="1050">
+                <a:solidFill>
+                  <a:srgbClr val="4EC9B0"/>
+                </a:solidFill>
+                <a:highlight>
+                  <a:srgbClr val="1E1E1E"/>
+                </a:highlight>
+                <a:latin typeface="Courier New"/>
+                <a:ea typeface="Courier New"/>
+                <a:cs typeface="Courier New"/>
+                <a:sym typeface="Courier New"/>
+              </a:rPr>
+              <a:t>SharedPreferences</a:t>
+            </a:r>
+            <a:r>
+              <a:rPr lang="es" sz="1050">
+                <a:solidFill>
+                  <a:srgbClr val="D4D4D4"/>
+                </a:solidFill>
+                <a:highlight>
+                  <a:srgbClr val="1E1E1E"/>
+                </a:highlight>
+                <a:latin typeface="Courier New"/>
+                <a:ea typeface="Courier New"/>
+                <a:cs typeface="Courier New"/>
+                <a:sym typeface="Courier New"/>
+              </a:rPr>
+              <a:t>.</a:t>
+            </a:r>
+            <a:r>
+              <a:rPr lang="es" sz="1050">
+                <a:solidFill>
+                  <a:srgbClr val="DCDCAA"/>
+                </a:solidFill>
+                <a:highlight>
+                  <a:srgbClr val="1E1E1E"/>
+                </a:highlight>
+                <a:latin typeface="Courier New"/>
+                <a:ea typeface="Courier New"/>
+                <a:cs typeface="Courier New"/>
+                <a:sym typeface="Courier New"/>
+              </a:rPr>
+              <a:t>getInstance</a:t>
+            </a:r>
+            <a:r>
+              <a:rPr lang="es" sz="1050">
+                <a:solidFill>
+                  <a:srgbClr val="D4D4D4"/>
+                </a:solidFill>
+                <a:highlight>
+                  <a:srgbClr val="1E1E1E"/>
+                </a:highlight>
+                <a:latin typeface="Courier New"/>
+                <a:ea typeface="Courier New"/>
+                <a:cs typeface="Courier New"/>
+                <a:sym typeface="Courier New"/>
+              </a:rPr>
+              <a:t>();</a:t>
+            </a:r>
+            <a:endParaRPr sz="1050">
+              <a:solidFill>
+                <a:srgbClr val="D4D4D4"/>
+              </a:solidFill>
+              <a:highlight>
+                <a:srgbClr val="1E1E1E"/>
+              </a:highlight>
+              <a:latin typeface="Courier New"/>
+              <a:ea typeface="Courier New"/>
+              <a:cs typeface="Courier New"/>
+              <a:sym typeface="Courier New"/>
+            </a:endParaRPr>
+          </a:p>
+          <a:p>
+            <a:pPr indent="0" lvl="0" marL="0" rtl="0" algn="l">
+              <a:lnSpc>
+                <a:spcPct val="135714"/>
+              </a:lnSpc>
+              <a:spcBef>
+                <a:spcPts val="0"/>
+              </a:spcBef>
+              <a:spcAft>
+                <a:spcPts val="0"/>
+              </a:spcAft>
+              <a:buClr>
+                <a:schemeClr val="dk1"/>
+              </a:buClr>
+              <a:buSzPts val="1100"/>
+              <a:buFont typeface="Arial"/>
+              <a:buNone/>
+            </a:pPr>
+            <a:r>
+              <a:rPr lang="es" sz="1050">
+                <a:solidFill>
+                  <a:srgbClr val="D4D4D4"/>
+                </a:solidFill>
+                <a:highlight>
+                  <a:srgbClr val="1E1E1E"/>
+                </a:highlight>
+                <a:latin typeface="Courier New"/>
+                <a:ea typeface="Courier New"/>
+                <a:cs typeface="Courier New"/>
+                <a:sym typeface="Courier New"/>
+              </a:rPr>
+              <a:t> prefs.</a:t>
+            </a:r>
+            <a:r>
+              <a:rPr lang="es" sz="1050">
+                <a:solidFill>
+                  <a:srgbClr val="DCDCAA"/>
+                </a:solidFill>
+                <a:highlight>
+                  <a:srgbClr val="1E1E1E"/>
+                </a:highlight>
+                <a:latin typeface="Courier New"/>
+                <a:ea typeface="Courier New"/>
+                <a:cs typeface="Courier New"/>
+                <a:sym typeface="Courier New"/>
+              </a:rPr>
+              <a:t>setString</a:t>
+            </a:r>
+            <a:r>
+              <a:rPr lang="es" sz="1050">
+                <a:solidFill>
+                  <a:srgbClr val="D4D4D4"/>
+                </a:solidFill>
+                <a:highlight>
+                  <a:srgbClr val="1E1E1E"/>
+                </a:highlight>
+                <a:latin typeface="Courier New"/>
+                <a:ea typeface="Courier New"/>
+                <a:cs typeface="Courier New"/>
+                <a:sym typeface="Courier New"/>
+              </a:rPr>
+              <a:t>(</a:t>
+            </a:r>
+            <a:r>
+              <a:rPr lang="es" sz="1050">
+                <a:solidFill>
+                  <a:srgbClr val="CE9178"/>
+                </a:solidFill>
+                <a:highlight>
+                  <a:srgbClr val="1E1E1E"/>
+                </a:highlight>
+                <a:latin typeface="Courier New"/>
+                <a:ea typeface="Courier New"/>
+                <a:cs typeface="Courier New"/>
+                <a:sym typeface="Courier New"/>
+              </a:rPr>
+              <a:t>'username'</a:t>
+            </a:r>
+            <a:r>
+              <a:rPr lang="es" sz="1050">
+                <a:solidFill>
+                  <a:srgbClr val="D4D4D4"/>
+                </a:solidFill>
+                <a:highlight>
+                  <a:srgbClr val="1E1E1E"/>
+                </a:highlight>
+                <a:latin typeface="Courier New"/>
+                <a:ea typeface="Courier New"/>
+                <a:cs typeface="Courier New"/>
+                <a:sym typeface="Courier New"/>
+              </a:rPr>
+              <a:t>, nameController.text);</a:t>
+            </a:r>
+            <a:endParaRPr sz="1050">
+              <a:solidFill>
+                <a:srgbClr val="D4D4D4"/>
+              </a:solidFill>
+              <a:highlight>
+                <a:srgbClr val="1E1E1E"/>
+              </a:highlight>
+              <a:latin typeface="Courier New"/>
+              <a:ea typeface="Courier New"/>
+              <a:cs typeface="Courier New"/>
+              <a:sym typeface="Courier New"/>
+            </a:endParaRPr>
+          </a:p>
+          <a:p>
+            <a:pPr indent="0" lvl="0" marL="0" rtl="0" algn="l">
+              <a:lnSpc>
+                <a:spcPct val="135714"/>
+              </a:lnSpc>
+              <a:spcBef>
+                <a:spcPts val="0"/>
+              </a:spcBef>
+              <a:spcAft>
+                <a:spcPts val="0"/>
+              </a:spcAft>
+              <a:buClr>
+                <a:schemeClr val="dk1"/>
+              </a:buClr>
+              <a:buSzPts val="1100"/>
+              <a:buFont typeface="Arial"/>
+              <a:buNone/>
+            </a:pPr>
+            <a:r>
+              <a:rPr lang="es" sz="1050">
+                <a:solidFill>
+                  <a:srgbClr val="D4D4D4"/>
+                </a:solidFill>
+                <a:highlight>
+                  <a:srgbClr val="1E1E1E"/>
+                </a:highlight>
+                <a:latin typeface="Courier New"/>
+                <a:ea typeface="Courier New"/>
+                <a:cs typeface="Courier New"/>
+                <a:sym typeface="Courier New"/>
+              </a:rPr>
+              <a:t>  </a:t>
+            </a:r>
+            <a:r>
+              <a:rPr lang="es" sz="1050">
+                <a:solidFill>
+                  <a:srgbClr val="DCDCAA"/>
+                </a:solidFill>
+                <a:highlight>
+                  <a:srgbClr val="1E1E1E"/>
+                </a:highlight>
+                <a:latin typeface="Courier New"/>
+                <a:ea typeface="Courier New"/>
+                <a:cs typeface="Courier New"/>
+                <a:sym typeface="Courier New"/>
+              </a:rPr>
+              <a:t>setState</a:t>
+            </a:r>
+            <a:r>
+              <a:rPr lang="es" sz="1050">
+                <a:solidFill>
+                  <a:srgbClr val="D4D4D4"/>
+                </a:solidFill>
+                <a:highlight>
+                  <a:srgbClr val="1E1E1E"/>
+                </a:highlight>
+                <a:latin typeface="Courier New"/>
+                <a:ea typeface="Courier New"/>
+                <a:cs typeface="Courier New"/>
+                <a:sym typeface="Courier New"/>
+              </a:rPr>
+              <a:t>(() {</a:t>
+            </a:r>
+            <a:endParaRPr sz="1050">
+              <a:solidFill>
+                <a:srgbClr val="D4D4D4"/>
+              </a:solidFill>
+              <a:highlight>
+                <a:srgbClr val="1E1E1E"/>
+              </a:highlight>
+              <a:latin typeface="Courier New"/>
+              <a:ea typeface="Courier New"/>
+              <a:cs typeface="Courier New"/>
+              <a:sym typeface="Courier New"/>
+            </a:endParaRPr>
+          </a:p>
+          <a:p>
+            <a:pPr indent="0" lvl="0" marL="0" rtl="0" algn="l">
+              <a:lnSpc>
+                <a:spcPct val="135714"/>
+              </a:lnSpc>
+              <a:spcBef>
+                <a:spcPts val="0"/>
+              </a:spcBef>
+              <a:spcAft>
+                <a:spcPts val="0"/>
+              </a:spcAft>
+              <a:buClr>
+                <a:schemeClr val="dk1"/>
+              </a:buClr>
+              <a:buSzPts val="1100"/>
+              <a:buFont typeface="Arial"/>
+              <a:buNone/>
+            </a:pPr>
+            <a:r>
+              <a:rPr lang="es" sz="1050">
+                <a:solidFill>
+                  <a:srgbClr val="D4D4D4"/>
+                </a:solidFill>
+                <a:highlight>
+                  <a:srgbClr val="1E1E1E"/>
+                </a:highlight>
+                <a:latin typeface="Courier New"/>
+                <a:ea typeface="Courier New"/>
+                <a:cs typeface="Courier New"/>
+                <a:sym typeface="Courier New"/>
+              </a:rPr>
+              <a:t>   name = nameController.text;</a:t>
+            </a:r>
+            <a:endParaRPr sz="1050">
+              <a:solidFill>
+                <a:srgbClr val="D4D4D4"/>
+              </a:solidFill>
+              <a:highlight>
+                <a:srgbClr val="1E1E1E"/>
+              </a:highlight>
+              <a:latin typeface="Courier New"/>
+              <a:ea typeface="Courier New"/>
+              <a:cs typeface="Courier New"/>
+              <a:sym typeface="Courier New"/>
+            </a:endParaRPr>
+          </a:p>
+          <a:p>
+            <a:pPr indent="0" lvl="0" marL="0" rtl="0" algn="l">
+              <a:lnSpc>
+                <a:spcPct val="135714"/>
+              </a:lnSpc>
+              <a:spcBef>
+                <a:spcPts val="0"/>
+              </a:spcBef>
+              <a:spcAft>
+                <a:spcPts val="0"/>
+              </a:spcAft>
+              <a:buClr>
+                <a:schemeClr val="dk1"/>
+              </a:buClr>
+              <a:buSzPts val="1100"/>
+              <a:buFont typeface="Arial"/>
+              <a:buNone/>
+            </a:pPr>
+            <a:r>
+              <a:rPr lang="es" sz="1050">
+                <a:solidFill>
+                  <a:srgbClr val="D4D4D4"/>
+                </a:solidFill>
+                <a:highlight>
+                  <a:srgbClr val="1E1E1E"/>
+                </a:highlight>
+                <a:latin typeface="Courier New"/>
+                <a:ea typeface="Courier New"/>
+                <a:cs typeface="Courier New"/>
+                <a:sym typeface="Courier New"/>
+              </a:rPr>
+              <a:t>   isLoggedIn = </a:t>
+            </a:r>
+            <a:r>
+              <a:rPr lang="es" sz="1050">
+                <a:solidFill>
+                  <a:srgbClr val="569CD6"/>
+                </a:solidFill>
+                <a:highlight>
+                  <a:srgbClr val="1E1E1E"/>
+                </a:highlight>
+                <a:latin typeface="Courier New"/>
+                <a:ea typeface="Courier New"/>
+                <a:cs typeface="Courier New"/>
+                <a:sym typeface="Courier New"/>
+              </a:rPr>
+              <a:t>true</a:t>
+            </a:r>
+            <a:r>
+              <a:rPr lang="es" sz="1050">
+                <a:solidFill>
+                  <a:srgbClr val="D4D4D4"/>
+                </a:solidFill>
+                <a:highlight>
+                  <a:srgbClr val="1E1E1E"/>
+                </a:highlight>
+                <a:latin typeface="Courier New"/>
+                <a:ea typeface="Courier New"/>
+                <a:cs typeface="Courier New"/>
+                <a:sym typeface="Courier New"/>
+              </a:rPr>
+              <a:t>;</a:t>
+            </a:r>
+            <a:endParaRPr sz="1050">
+              <a:solidFill>
+                <a:srgbClr val="D4D4D4"/>
+              </a:solidFill>
+              <a:highlight>
+                <a:srgbClr val="1E1E1E"/>
+              </a:highlight>
+              <a:latin typeface="Courier New"/>
+              <a:ea typeface="Courier New"/>
+              <a:cs typeface="Courier New"/>
+              <a:sym typeface="Courier New"/>
+            </a:endParaRPr>
+          </a:p>
+          <a:p>
+            <a:pPr indent="0" lvl="0" marL="0" rtl="0" algn="l">
+              <a:lnSpc>
+                <a:spcPct val="135714"/>
+              </a:lnSpc>
+              <a:spcBef>
+                <a:spcPts val="0"/>
+              </a:spcBef>
+              <a:spcAft>
+                <a:spcPts val="0"/>
+              </a:spcAft>
+              <a:buClr>
+                <a:schemeClr val="dk1"/>
+              </a:buClr>
+              <a:buSzPts val="1100"/>
+              <a:buFont typeface="Arial"/>
+              <a:buNone/>
+            </a:pPr>
+            <a:r>
+              <a:rPr lang="es" sz="1050">
+                <a:solidFill>
+                  <a:srgbClr val="D4D4D4"/>
+                </a:solidFill>
+                <a:highlight>
+                  <a:srgbClr val="1E1E1E"/>
+                </a:highlight>
+                <a:latin typeface="Courier New"/>
+                <a:ea typeface="Courier New"/>
+                <a:cs typeface="Courier New"/>
+                <a:sym typeface="Courier New"/>
+              </a:rPr>
+              <a:t> });</a:t>
+            </a:r>
+            <a:endParaRPr sz="1050">
+              <a:solidFill>
+                <a:srgbClr val="D4D4D4"/>
+              </a:solidFill>
+              <a:highlight>
+                <a:srgbClr val="1E1E1E"/>
+              </a:highlight>
+              <a:latin typeface="Courier New"/>
+              <a:ea typeface="Courier New"/>
+              <a:cs typeface="Courier New"/>
+              <a:sym typeface="Courier New"/>
+            </a:endParaRPr>
+          </a:p>
+          <a:p>
+            <a:pPr indent="0" lvl="0" marL="0" rtl="0" algn="l">
+              <a:lnSpc>
+                <a:spcPct val="135714"/>
+              </a:lnSpc>
+              <a:spcBef>
+                <a:spcPts val="0"/>
+              </a:spcBef>
+              <a:spcAft>
+                <a:spcPts val="0"/>
+              </a:spcAft>
+              <a:buClr>
+                <a:schemeClr val="dk1"/>
+              </a:buClr>
+              <a:buSzPts val="1100"/>
+              <a:buFont typeface="Arial"/>
+              <a:buNone/>
+            </a:pPr>
+            <a:r>
+              <a:t/>
+            </a:r>
+            <a:endParaRPr sz="1050">
+              <a:solidFill>
+                <a:srgbClr val="D4D4D4"/>
+              </a:solidFill>
+              <a:highlight>
+                <a:srgbClr val="1E1E1E"/>
+              </a:highlight>
+              <a:latin typeface="Courier New"/>
+              <a:ea typeface="Courier New"/>
+              <a:cs typeface="Courier New"/>
+              <a:sym typeface="Courier New"/>
+            </a:endParaRPr>
+          </a:p>
+          <a:p>
+            <a:pPr indent="0" lvl="0" marL="0" rtl="0" algn="l">
+              <a:lnSpc>
+                <a:spcPct val="135714"/>
+              </a:lnSpc>
+              <a:spcBef>
+                <a:spcPts val="0"/>
+              </a:spcBef>
+              <a:spcAft>
+                <a:spcPts val="0"/>
+              </a:spcAft>
+              <a:buClr>
+                <a:schemeClr val="dk1"/>
+              </a:buClr>
+              <a:buSzPts val="1100"/>
+              <a:buFont typeface="Arial"/>
+              <a:buNone/>
+            </a:pPr>
+            <a:r>
+              <a:rPr lang="es" sz="1050">
+                <a:solidFill>
+                  <a:srgbClr val="D4D4D4"/>
+                </a:solidFill>
+                <a:highlight>
+                  <a:srgbClr val="1E1E1E"/>
+                </a:highlight>
+                <a:latin typeface="Courier New"/>
+                <a:ea typeface="Courier New"/>
+                <a:cs typeface="Courier New"/>
+                <a:sym typeface="Courier New"/>
+              </a:rPr>
+              <a:t> nameController.</a:t>
+            </a:r>
+            <a:r>
+              <a:rPr lang="es" sz="1050">
+                <a:solidFill>
+                  <a:srgbClr val="DCDCAA"/>
+                </a:solidFill>
+                <a:highlight>
+                  <a:srgbClr val="1E1E1E"/>
+                </a:highlight>
+                <a:latin typeface="Courier New"/>
+                <a:ea typeface="Courier New"/>
+                <a:cs typeface="Courier New"/>
+                <a:sym typeface="Courier New"/>
+              </a:rPr>
+              <a:t>clear</a:t>
+            </a:r>
+            <a:r>
+              <a:rPr lang="es" sz="1050">
+                <a:solidFill>
+                  <a:srgbClr val="D4D4D4"/>
+                </a:solidFill>
+                <a:highlight>
+                  <a:srgbClr val="1E1E1E"/>
+                </a:highlight>
+                <a:latin typeface="Courier New"/>
+                <a:ea typeface="Courier New"/>
+                <a:cs typeface="Courier New"/>
+                <a:sym typeface="Courier New"/>
+              </a:rPr>
+              <a:t>();</a:t>
+            </a:r>
+            <a:endParaRPr sz="1050">
+              <a:solidFill>
+                <a:srgbClr val="D4D4D4"/>
+              </a:solidFill>
+              <a:highlight>
+                <a:srgbClr val="1E1E1E"/>
+              </a:highlight>
+              <a:latin typeface="Courier New"/>
+              <a:ea typeface="Courier New"/>
+              <a:cs typeface="Courier New"/>
+              <a:sym typeface="Courier New"/>
+            </a:endParaRPr>
+          </a:p>
+          <a:p>
+            <a:pPr indent="0" lvl="0" marL="0" rtl="0" algn="l">
+              <a:lnSpc>
+                <a:spcPct val="135714"/>
+              </a:lnSpc>
+              <a:spcBef>
+                <a:spcPts val="0"/>
+              </a:spcBef>
+              <a:spcAft>
+                <a:spcPts val="0"/>
+              </a:spcAft>
+              <a:buClr>
+                <a:schemeClr val="dk1"/>
+              </a:buClr>
+              <a:buSzPts val="1100"/>
+              <a:buFont typeface="Arial"/>
+              <a:buNone/>
+            </a:pPr>
+            <a:r>
+              <a:rPr lang="es" sz="1050">
+                <a:solidFill>
+                  <a:srgbClr val="D4D4D4"/>
+                </a:solidFill>
+                <a:highlight>
+                  <a:srgbClr val="1E1E1E"/>
+                </a:highlight>
+                <a:latin typeface="Courier New"/>
+                <a:ea typeface="Courier New"/>
+                <a:cs typeface="Courier New"/>
+                <a:sym typeface="Courier New"/>
+              </a:rPr>
+              <a:t>}</a:t>
+            </a:r>
+            <a:endParaRPr sz="1050">
+              <a:solidFill>
+                <a:srgbClr val="D4D4D4"/>
+              </a:solidFill>
+              <a:highlight>
+                <a:srgbClr val="1E1E1E"/>
+              </a:highlight>
+              <a:latin typeface="Courier New"/>
+              <a:ea typeface="Courier New"/>
+              <a:cs typeface="Courier New"/>
+              <a:sym typeface="Courier New"/>
+            </a:endParaRPr>
+          </a:p>
+          <a:p>
+            <a:pPr indent="0" lvl="0" marL="0" rtl="0" algn="l">
+              <a:lnSpc>
+                <a:spcPct val="135714"/>
+              </a:lnSpc>
+              <a:spcBef>
+                <a:spcPts val="0"/>
+              </a:spcBef>
+              <a:spcAft>
+                <a:spcPts val="0"/>
+              </a:spcAft>
+              <a:buClr>
+                <a:schemeClr val="dk1"/>
+              </a:buClr>
+              <a:buSzPts val="1100"/>
+              <a:buFont typeface="Arial"/>
+              <a:buNone/>
+            </a:pPr>
+            <a:r>
+              <a:t/>
+            </a:r>
+            <a:endParaRPr sz="1050">
+              <a:solidFill>
+                <a:srgbClr val="D4D4D4"/>
+              </a:solidFill>
+              <a:highlight>
+                <a:srgbClr val="1E1E1E"/>
+              </a:highlight>
+              <a:latin typeface="Courier New"/>
+              <a:ea typeface="Courier New"/>
+              <a:cs typeface="Courier New"/>
+              <a:sym typeface="Courier New"/>
+            </a:endParaRPr>
+          </a:p>
+          <a:p>
+            <a:pPr indent="0" lvl="0" marL="0" rtl="0" algn="l">
+              <a:lnSpc>
+                <a:spcPct val="135714"/>
+              </a:lnSpc>
+              <a:spcBef>
+                <a:spcPts val="0"/>
+              </a:spcBef>
+              <a:spcAft>
+                <a:spcPts val="0"/>
+              </a:spcAft>
+              <a:buClr>
+                <a:schemeClr val="dk1"/>
+              </a:buClr>
+              <a:buSzPts val="1100"/>
+              <a:buFont typeface="Arial"/>
+              <a:buNone/>
+            </a:pPr>
+            <a:r>
+              <a:rPr lang="es" sz="1050">
+                <a:solidFill>
+                  <a:srgbClr val="569CD6"/>
+                </a:solidFill>
+                <a:highlight>
+                  <a:srgbClr val="1E1E1E"/>
+                </a:highlight>
+                <a:latin typeface="Courier New"/>
+                <a:ea typeface="Courier New"/>
+                <a:cs typeface="Courier New"/>
+                <a:sym typeface="Courier New"/>
+              </a:rPr>
+              <a:t>@override</a:t>
+            </a:r>
+            <a:endParaRPr sz="1050">
+              <a:solidFill>
+                <a:srgbClr val="569CD6"/>
+              </a:solidFill>
+              <a:highlight>
+                <a:srgbClr val="1E1E1E"/>
+              </a:highlight>
+              <a:latin typeface="Courier New"/>
+              <a:ea typeface="Courier New"/>
+              <a:cs typeface="Courier New"/>
+              <a:sym typeface="Courier New"/>
+            </a:endParaRPr>
+          </a:p>
+          <a:p>
+            <a:pPr indent="0" lvl="0" marL="0" rtl="0" algn="l">
+              <a:lnSpc>
+                <a:spcPct val="135714"/>
+              </a:lnSpc>
+              <a:spcBef>
+                <a:spcPts val="0"/>
+              </a:spcBef>
+              <a:spcAft>
+                <a:spcPts val="0"/>
+              </a:spcAft>
+              <a:buClr>
+                <a:schemeClr val="dk1"/>
+              </a:buClr>
+              <a:buSzPts val="1100"/>
+              <a:buFont typeface="Arial"/>
+              <a:buNone/>
+            </a:pPr>
+            <a:r>
+              <a:rPr lang="es" sz="1050">
+                <a:solidFill>
+                  <a:srgbClr val="4EC9B0"/>
+                </a:solidFill>
+                <a:highlight>
+                  <a:srgbClr val="1E1E1E"/>
+                </a:highlight>
+                <a:latin typeface="Courier New"/>
+                <a:ea typeface="Courier New"/>
+                <a:cs typeface="Courier New"/>
+                <a:sym typeface="Courier New"/>
+              </a:rPr>
+              <a:t>Widget</a:t>
+            </a:r>
+            <a:r>
+              <a:rPr lang="es" sz="1050">
+                <a:solidFill>
+                  <a:srgbClr val="D4D4D4"/>
+                </a:solidFill>
+                <a:highlight>
+                  <a:srgbClr val="1E1E1E"/>
+                </a:highlight>
+                <a:latin typeface="Courier New"/>
+                <a:ea typeface="Courier New"/>
+                <a:cs typeface="Courier New"/>
+                <a:sym typeface="Courier New"/>
+              </a:rPr>
+              <a:t> </a:t>
+            </a:r>
+            <a:r>
+              <a:rPr lang="es" sz="1050">
+                <a:solidFill>
+                  <a:srgbClr val="DCDCAA"/>
+                </a:solidFill>
+                <a:highlight>
+                  <a:srgbClr val="1E1E1E"/>
+                </a:highlight>
+                <a:latin typeface="Courier New"/>
+                <a:ea typeface="Courier New"/>
+                <a:cs typeface="Courier New"/>
+                <a:sym typeface="Courier New"/>
+              </a:rPr>
+              <a:t>build</a:t>
+            </a:r>
+            <a:r>
+              <a:rPr lang="es" sz="1050">
+                <a:solidFill>
+                  <a:srgbClr val="D4D4D4"/>
+                </a:solidFill>
+                <a:highlight>
+                  <a:srgbClr val="1E1E1E"/>
+                </a:highlight>
+                <a:latin typeface="Courier New"/>
+                <a:ea typeface="Courier New"/>
+                <a:cs typeface="Courier New"/>
+                <a:sym typeface="Courier New"/>
+              </a:rPr>
+              <a:t>(</a:t>
+            </a:r>
+            <a:r>
+              <a:rPr lang="es" sz="1050">
+                <a:solidFill>
+                  <a:srgbClr val="4EC9B0"/>
+                </a:solidFill>
+                <a:highlight>
+                  <a:srgbClr val="1E1E1E"/>
+                </a:highlight>
+                <a:latin typeface="Courier New"/>
+                <a:ea typeface="Courier New"/>
+                <a:cs typeface="Courier New"/>
+                <a:sym typeface="Courier New"/>
+              </a:rPr>
+              <a:t>BuildContext</a:t>
+            </a:r>
+            <a:r>
+              <a:rPr lang="es" sz="1050">
+                <a:solidFill>
+                  <a:srgbClr val="D4D4D4"/>
+                </a:solidFill>
+                <a:highlight>
+                  <a:srgbClr val="1E1E1E"/>
+                </a:highlight>
+                <a:latin typeface="Courier New"/>
+                <a:ea typeface="Courier New"/>
+                <a:cs typeface="Courier New"/>
+                <a:sym typeface="Courier New"/>
+              </a:rPr>
+              <a:t> context) {</a:t>
+            </a:r>
+            <a:endParaRPr sz="1050">
+              <a:solidFill>
+                <a:srgbClr val="D4D4D4"/>
+              </a:solidFill>
+              <a:highlight>
+                <a:srgbClr val="1E1E1E"/>
+              </a:highlight>
+              <a:latin typeface="Courier New"/>
+              <a:ea typeface="Courier New"/>
+              <a:cs typeface="Courier New"/>
+              <a:sym typeface="Courier New"/>
+            </a:endParaRPr>
+          </a:p>
+          <a:p>
+            <a:pPr indent="0" lvl="0" marL="0" rtl="0" algn="l">
+              <a:lnSpc>
+                <a:spcPct val="135714"/>
+              </a:lnSpc>
+              <a:spcBef>
+                <a:spcPts val="0"/>
+              </a:spcBef>
+              <a:spcAft>
+                <a:spcPts val="0"/>
+              </a:spcAft>
+              <a:buClr>
+                <a:schemeClr val="dk1"/>
+              </a:buClr>
+              <a:buSzPts val="1100"/>
+              <a:buFont typeface="Arial"/>
+              <a:buNone/>
+            </a:pPr>
+            <a:r>
+              <a:rPr lang="es" sz="1050">
+                <a:solidFill>
+                  <a:srgbClr val="D4D4D4"/>
+                </a:solidFill>
+                <a:highlight>
+                  <a:srgbClr val="1E1E1E"/>
+                </a:highlight>
+                <a:latin typeface="Courier New"/>
+                <a:ea typeface="Courier New"/>
+                <a:cs typeface="Courier New"/>
+                <a:sym typeface="Courier New"/>
+              </a:rPr>
+              <a:t> </a:t>
+            </a:r>
+            <a:r>
+              <a:rPr lang="es" sz="1050">
+                <a:solidFill>
+                  <a:srgbClr val="C586C0"/>
+                </a:solidFill>
+                <a:highlight>
+                  <a:srgbClr val="1E1E1E"/>
+                </a:highlight>
+                <a:latin typeface="Courier New"/>
+                <a:ea typeface="Courier New"/>
+                <a:cs typeface="Courier New"/>
+                <a:sym typeface="Courier New"/>
+              </a:rPr>
+              <a:t>return</a:t>
+            </a:r>
+            <a:r>
+              <a:rPr lang="es" sz="1050">
+                <a:solidFill>
+                  <a:srgbClr val="D4D4D4"/>
+                </a:solidFill>
+                <a:highlight>
+                  <a:srgbClr val="1E1E1E"/>
+                </a:highlight>
+                <a:latin typeface="Courier New"/>
+                <a:ea typeface="Courier New"/>
+                <a:cs typeface="Courier New"/>
+                <a:sym typeface="Courier New"/>
+              </a:rPr>
+              <a:t> </a:t>
+            </a:r>
+            <a:r>
+              <a:rPr lang="es" sz="1050">
+                <a:solidFill>
+                  <a:srgbClr val="4EC9B0"/>
+                </a:solidFill>
+                <a:highlight>
+                  <a:srgbClr val="1E1E1E"/>
+                </a:highlight>
+                <a:latin typeface="Courier New"/>
+                <a:ea typeface="Courier New"/>
+                <a:cs typeface="Courier New"/>
+                <a:sym typeface="Courier New"/>
+              </a:rPr>
+              <a:t>Scafold</a:t>
+            </a:r>
+            <a:r>
+              <a:rPr lang="es" sz="1050">
+                <a:solidFill>
+                  <a:srgbClr val="D4D4D4"/>
+                </a:solidFill>
+                <a:highlight>
+                  <a:srgbClr val="1E1E1E"/>
+                </a:highlight>
+                <a:latin typeface="Courier New"/>
+                <a:ea typeface="Courier New"/>
+                <a:cs typeface="Courier New"/>
+                <a:sym typeface="Courier New"/>
+              </a:rPr>
+              <a:t>(</a:t>
+            </a:r>
+            <a:endParaRPr sz="1050">
+              <a:solidFill>
+                <a:srgbClr val="D4D4D4"/>
+              </a:solidFill>
+              <a:highlight>
+                <a:srgbClr val="1E1E1E"/>
+              </a:highlight>
+              <a:latin typeface="Courier New"/>
+              <a:ea typeface="Courier New"/>
+              <a:cs typeface="Courier New"/>
+              <a:sym typeface="Courier New"/>
+            </a:endParaRPr>
+          </a:p>
+          <a:p>
+            <a:pPr indent="0" lvl="0" marL="0" rtl="0" algn="l">
+              <a:lnSpc>
+                <a:spcPct val="135714"/>
+              </a:lnSpc>
+              <a:spcBef>
+                <a:spcPts val="0"/>
+              </a:spcBef>
+              <a:spcAft>
+                <a:spcPts val="0"/>
+              </a:spcAft>
+              <a:buClr>
+                <a:schemeClr val="dk1"/>
+              </a:buClr>
+              <a:buSzPts val="1100"/>
+              <a:buFont typeface="Arial"/>
+              <a:buNone/>
+            </a:pPr>
+            <a:r>
+              <a:rPr lang="es" sz="1050">
+                <a:solidFill>
+                  <a:srgbClr val="D4D4D4"/>
+                </a:solidFill>
+                <a:highlight>
+                  <a:srgbClr val="1E1E1E"/>
+                </a:highlight>
+                <a:latin typeface="Courier New"/>
+                <a:ea typeface="Courier New"/>
+                <a:cs typeface="Courier New"/>
+                <a:sym typeface="Courier New"/>
+              </a:rPr>
+              <a:t>   appBar: </a:t>
+            </a:r>
+            <a:r>
+              <a:rPr lang="es" sz="1050">
+                <a:solidFill>
+                  <a:srgbClr val="4EC9B0"/>
+                </a:solidFill>
+                <a:highlight>
+                  <a:srgbClr val="1E1E1E"/>
+                </a:highlight>
+                <a:latin typeface="Courier New"/>
+                <a:ea typeface="Courier New"/>
+                <a:cs typeface="Courier New"/>
+                <a:sym typeface="Courier New"/>
+              </a:rPr>
+              <a:t>AppBar</a:t>
+            </a:r>
+            <a:r>
+              <a:rPr lang="es" sz="1050">
+                <a:solidFill>
+                  <a:srgbClr val="D4D4D4"/>
+                </a:solidFill>
+                <a:highlight>
+                  <a:srgbClr val="1E1E1E"/>
+                </a:highlight>
+                <a:latin typeface="Courier New"/>
+                <a:ea typeface="Courier New"/>
+                <a:cs typeface="Courier New"/>
+                <a:sym typeface="Courier New"/>
+              </a:rPr>
+              <a:t>(</a:t>
+            </a:r>
+            <a:endParaRPr sz="1050">
+              <a:solidFill>
+                <a:srgbClr val="D4D4D4"/>
+              </a:solidFill>
+              <a:highlight>
+                <a:srgbClr val="1E1E1E"/>
+              </a:highlight>
+              <a:latin typeface="Courier New"/>
+              <a:ea typeface="Courier New"/>
+              <a:cs typeface="Courier New"/>
+              <a:sym typeface="Courier New"/>
+            </a:endParaRPr>
+          </a:p>
+          <a:p>
+            <a:pPr indent="0" lvl="0" marL="0" rtl="0" algn="l">
+              <a:lnSpc>
+                <a:spcPct val="135714"/>
+              </a:lnSpc>
+              <a:spcBef>
+                <a:spcPts val="0"/>
+              </a:spcBef>
+              <a:spcAft>
+                <a:spcPts val="0"/>
+              </a:spcAft>
+              <a:buClr>
+                <a:schemeClr val="dk1"/>
+              </a:buClr>
+              <a:buSzPts val="1100"/>
+              <a:buFont typeface="Arial"/>
+              <a:buNone/>
+            </a:pPr>
+            <a:r>
+              <a:rPr lang="es" sz="1050">
+                <a:solidFill>
+                  <a:srgbClr val="D4D4D4"/>
+                </a:solidFill>
+                <a:highlight>
+                  <a:srgbClr val="1E1E1E"/>
+                </a:highlight>
+                <a:latin typeface="Courier New"/>
+                <a:ea typeface="Courier New"/>
+                <a:cs typeface="Courier New"/>
+                <a:sym typeface="Courier New"/>
+              </a:rPr>
+              <a:t>     title: </a:t>
+            </a:r>
+            <a:r>
+              <a:rPr lang="es" sz="1050">
+                <a:solidFill>
+                  <a:srgbClr val="4EC9B0"/>
+                </a:solidFill>
+                <a:highlight>
+                  <a:srgbClr val="1E1E1E"/>
+                </a:highlight>
+                <a:latin typeface="Courier New"/>
+                <a:ea typeface="Courier New"/>
+                <a:cs typeface="Courier New"/>
+                <a:sym typeface="Courier New"/>
+              </a:rPr>
+              <a:t>Text</a:t>
+            </a:r>
+            <a:r>
+              <a:rPr lang="es" sz="1050">
+                <a:solidFill>
+                  <a:srgbClr val="D4D4D4"/>
+                </a:solidFill>
+                <a:highlight>
+                  <a:srgbClr val="1E1E1E"/>
+                </a:highlight>
+                <a:latin typeface="Courier New"/>
+                <a:ea typeface="Courier New"/>
+                <a:cs typeface="Courier New"/>
+                <a:sym typeface="Courier New"/>
+              </a:rPr>
+              <a:t>(</a:t>
+            </a:r>
+            <a:r>
+              <a:rPr lang="es" sz="1050">
+                <a:solidFill>
+                  <a:srgbClr val="CE9178"/>
+                </a:solidFill>
+                <a:highlight>
+                  <a:srgbClr val="1E1E1E"/>
+                </a:highlight>
+                <a:latin typeface="Courier New"/>
+                <a:ea typeface="Courier New"/>
+                <a:cs typeface="Courier New"/>
+                <a:sym typeface="Courier New"/>
+              </a:rPr>
+              <a:t>'Auto Login Home Page'</a:t>
+            </a:r>
+            <a:r>
+              <a:rPr lang="es" sz="1050">
+                <a:solidFill>
+                  <a:srgbClr val="D4D4D4"/>
+                </a:solidFill>
+                <a:highlight>
+                  <a:srgbClr val="1E1E1E"/>
+                </a:highlight>
+                <a:latin typeface="Courier New"/>
+                <a:ea typeface="Courier New"/>
+                <a:cs typeface="Courier New"/>
+                <a:sym typeface="Courier New"/>
+              </a:rPr>
+              <a:t>),</a:t>
+            </a:r>
+            <a:endParaRPr sz="1050">
+              <a:solidFill>
+                <a:srgbClr val="D4D4D4"/>
+              </a:solidFill>
+              <a:highlight>
+                <a:srgbClr val="1E1E1E"/>
+              </a:highlight>
+              <a:latin typeface="Courier New"/>
+              <a:ea typeface="Courier New"/>
+              <a:cs typeface="Courier New"/>
+              <a:sym typeface="Courier New"/>
+            </a:endParaRPr>
+          </a:p>
+          <a:p>
+            <a:pPr indent="0" lvl="0" marL="0" rtl="0" algn="l">
+              <a:lnSpc>
+                <a:spcPct val="135714"/>
+              </a:lnSpc>
+              <a:spcBef>
+                <a:spcPts val="0"/>
+              </a:spcBef>
+              <a:spcAft>
+                <a:spcPts val="0"/>
+              </a:spcAft>
+              <a:buClr>
+                <a:schemeClr val="dk1"/>
+              </a:buClr>
+              <a:buSzPts val="1100"/>
+              <a:buFont typeface="Arial"/>
+              <a:buNone/>
+            </a:pPr>
+            <a:r>
+              <a:rPr lang="es" sz="1050">
+                <a:solidFill>
+                  <a:srgbClr val="D4D4D4"/>
+                </a:solidFill>
+                <a:highlight>
+                  <a:srgbClr val="1E1E1E"/>
+                </a:highlight>
+                <a:latin typeface="Courier New"/>
+                <a:ea typeface="Courier New"/>
+                <a:cs typeface="Courier New"/>
+                <a:sym typeface="Courier New"/>
+              </a:rPr>
+              <a:t>   ),</a:t>
+            </a:r>
+            <a:endParaRPr sz="1050">
+              <a:solidFill>
+                <a:srgbClr val="D4D4D4"/>
+              </a:solidFill>
+              <a:highlight>
+                <a:srgbClr val="1E1E1E"/>
+              </a:highlight>
+              <a:latin typeface="Courier New"/>
+              <a:ea typeface="Courier New"/>
+              <a:cs typeface="Courier New"/>
+              <a:sym typeface="Courier New"/>
+            </a:endParaRPr>
+          </a:p>
+          <a:p>
+            <a:pPr indent="0" lvl="0" marL="0" rtl="0" algn="l">
+              <a:lnSpc>
+                <a:spcPct val="135714"/>
+              </a:lnSpc>
+              <a:spcBef>
+                <a:spcPts val="0"/>
+              </a:spcBef>
+              <a:spcAft>
+                <a:spcPts val="0"/>
+              </a:spcAft>
+              <a:buClr>
+                <a:schemeClr val="dk1"/>
+              </a:buClr>
+              <a:buSzPts val="1100"/>
+              <a:buFont typeface="Arial"/>
+              <a:buNone/>
+            </a:pPr>
+            <a:r>
+              <a:rPr lang="es" sz="1050">
+                <a:solidFill>
+                  <a:srgbClr val="D4D4D4"/>
+                </a:solidFill>
+                <a:highlight>
+                  <a:srgbClr val="1E1E1E"/>
+                </a:highlight>
+                <a:latin typeface="Courier New"/>
+                <a:ea typeface="Courier New"/>
+                <a:cs typeface="Courier New"/>
+                <a:sym typeface="Courier New"/>
+              </a:rPr>
+              <a:t>   body: </a:t>
+            </a:r>
+            <a:r>
+              <a:rPr lang="es" sz="1050">
+                <a:solidFill>
+                  <a:srgbClr val="4EC9B0"/>
+                </a:solidFill>
+                <a:highlight>
+                  <a:srgbClr val="1E1E1E"/>
+                </a:highlight>
+                <a:latin typeface="Courier New"/>
+                <a:ea typeface="Courier New"/>
+                <a:cs typeface="Courier New"/>
+                <a:sym typeface="Courier New"/>
+              </a:rPr>
+              <a:t>Center</a:t>
+            </a:r>
+            <a:r>
+              <a:rPr lang="es" sz="1050">
+                <a:solidFill>
+                  <a:srgbClr val="D4D4D4"/>
+                </a:solidFill>
+                <a:highlight>
+                  <a:srgbClr val="1E1E1E"/>
+                </a:highlight>
+                <a:latin typeface="Courier New"/>
+                <a:ea typeface="Courier New"/>
+                <a:cs typeface="Courier New"/>
+                <a:sym typeface="Courier New"/>
+              </a:rPr>
+              <a:t>(</a:t>
+            </a:r>
+            <a:endParaRPr sz="1050">
+              <a:solidFill>
+                <a:srgbClr val="D4D4D4"/>
+              </a:solidFill>
+              <a:highlight>
+                <a:srgbClr val="1E1E1E"/>
+              </a:highlight>
+              <a:latin typeface="Courier New"/>
+              <a:ea typeface="Courier New"/>
+              <a:cs typeface="Courier New"/>
+              <a:sym typeface="Courier New"/>
+            </a:endParaRPr>
+          </a:p>
+          <a:p>
+            <a:pPr indent="0" lvl="0" marL="0" rtl="0" algn="l">
+              <a:lnSpc>
+                <a:spcPct val="135714"/>
+              </a:lnSpc>
+              <a:spcBef>
+                <a:spcPts val="0"/>
+              </a:spcBef>
+              <a:spcAft>
+                <a:spcPts val="0"/>
+              </a:spcAft>
+              <a:buClr>
+                <a:schemeClr val="dk1"/>
+              </a:buClr>
+              <a:buSzPts val="1100"/>
+              <a:buFont typeface="Arial"/>
+              <a:buNone/>
+            </a:pPr>
+            <a:r>
+              <a:rPr lang="es" sz="1050">
+                <a:solidFill>
+                  <a:srgbClr val="D4D4D4"/>
+                </a:solidFill>
+                <a:highlight>
+                  <a:srgbClr val="1E1E1E"/>
+                </a:highlight>
+                <a:latin typeface="Courier New"/>
+                <a:ea typeface="Courier New"/>
+                <a:cs typeface="Courier New"/>
+                <a:sym typeface="Courier New"/>
+              </a:rPr>
+              <a:t>     child: </a:t>
+            </a:r>
+            <a:r>
+              <a:rPr lang="es" sz="1050">
+                <a:solidFill>
+                  <a:srgbClr val="4EC9B0"/>
+                </a:solidFill>
+                <a:highlight>
+                  <a:srgbClr val="1E1E1E"/>
+                </a:highlight>
+                <a:latin typeface="Courier New"/>
+                <a:ea typeface="Courier New"/>
+                <a:cs typeface="Courier New"/>
+                <a:sym typeface="Courier New"/>
+              </a:rPr>
+              <a:t>Column</a:t>
+            </a:r>
+            <a:r>
+              <a:rPr lang="es" sz="1050">
+                <a:solidFill>
+                  <a:srgbClr val="D4D4D4"/>
+                </a:solidFill>
+                <a:highlight>
+                  <a:srgbClr val="1E1E1E"/>
+                </a:highlight>
+                <a:latin typeface="Courier New"/>
+                <a:ea typeface="Courier New"/>
+                <a:cs typeface="Courier New"/>
+                <a:sym typeface="Courier New"/>
+              </a:rPr>
+              <a:t>(</a:t>
+            </a:r>
+            <a:endParaRPr sz="1050">
+              <a:solidFill>
+                <a:srgbClr val="D4D4D4"/>
+              </a:solidFill>
+              <a:highlight>
+                <a:srgbClr val="1E1E1E"/>
+              </a:highlight>
+              <a:latin typeface="Courier New"/>
+              <a:ea typeface="Courier New"/>
+              <a:cs typeface="Courier New"/>
+              <a:sym typeface="Courier New"/>
+            </a:endParaRPr>
+          </a:p>
+          <a:p>
+            <a:pPr indent="0" lvl="0" marL="0" rtl="0" algn="l">
+              <a:lnSpc>
+                <a:spcPct val="135714"/>
+              </a:lnSpc>
+              <a:spcBef>
+                <a:spcPts val="0"/>
+              </a:spcBef>
+              <a:spcAft>
+                <a:spcPts val="0"/>
+              </a:spcAft>
+              <a:buClr>
+                <a:schemeClr val="dk1"/>
+              </a:buClr>
+              <a:buSzPts val="1100"/>
+              <a:buFont typeface="Arial"/>
+              <a:buNone/>
+            </a:pPr>
+            <a:r>
+              <a:rPr lang="es" sz="1050">
+                <a:solidFill>
+                  <a:srgbClr val="D4D4D4"/>
+                </a:solidFill>
+                <a:highlight>
+                  <a:srgbClr val="1E1E1E"/>
+                </a:highlight>
+                <a:latin typeface="Courier New"/>
+                <a:ea typeface="Courier New"/>
+                <a:cs typeface="Courier New"/>
+                <a:sym typeface="Courier New"/>
+              </a:rPr>
+              <a:t>       mainAxisAlignment: </a:t>
+            </a:r>
+            <a:r>
+              <a:rPr lang="es" sz="1050">
+                <a:solidFill>
+                  <a:srgbClr val="4EC9B0"/>
+                </a:solidFill>
+                <a:highlight>
+                  <a:srgbClr val="1E1E1E"/>
+                </a:highlight>
+                <a:latin typeface="Courier New"/>
+                <a:ea typeface="Courier New"/>
+                <a:cs typeface="Courier New"/>
+                <a:sym typeface="Courier New"/>
+              </a:rPr>
+              <a:t>MainAxisAlignment</a:t>
+            </a:r>
+            <a:r>
+              <a:rPr lang="es" sz="1050">
+                <a:solidFill>
+                  <a:srgbClr val="D4D4D4"/>
+                </a:solidFill>
+                <a:highlight>
+                  <a:srgbClr val="1E1E1E"/>
+                </a:highlight>
+                <a:latin typeface="Courier New"/>
+                <a:ea typeface="Courier New"/>
+                <a:cs typeface="Courier New"/>
+                <a:sym typeface="Courier New"/>
+              </a:rPr>
+              <a:t>.center,</a:t>
+            </a:r>
+            <a:endParaRPr sz="1050">
+              <a:solidFill>
+                <a:srgbClr val="D4D4D4"/>
+              </a:solidFill>
+              <a:highlight>
+                <a:srgbClr val="1E1E1E"/>
+              </a:highlight>
+              <a:latin typeface="Courier New"/>
+              <a:ea typeface="Courier New"/>
+              <a:cs typeface="Courier New"/>
+              <a:sym typeface="Courier New"/>
+            </a:endParaRPr>
+          </a:p>
+          <a:p>
+            <a:pPr indent="0" lvl="0" marL="0" rtl="0" algn="l">
+              <a:lnSpc>
+                <a:spcPct val="135714"/>
+              </a:lnSpc>
+              <a:spcBef>
+                <a:spcPts val="0"/>
+              </a:spcBef>
+              <a:spcAft>
+                <a:spcPts val="0"/>
+              </a:spcAft>
+              <a:buClr>
+                <a:schemeClr val="dk1"/>
+              </a:buClr>
+              <a:buSzPts val="1100"/>
+              <a:buFont typeface="Arial"/>
+              <a:buNone/>
+            </a:pPr>
+            <a:r>
+              <a:rPr lang="es" sz="1050">
+                <a:solidFill>
+                  <a:srgbClr val="D4D4D4"/>
+                </a:solidFill>
+                <a:highlight>
+                  <a:srgbClr val="1E1E1E"/>
+                </a:highlight>
+                <a:latin typeface="Courier New"/>
+                <a:ea typeface="Courier New"/>
+                <a:cs typeface="Courier New"/>
+                <a:sym typeface="Courier New"/>
+              </a:rPr>
+              <a:t>       children: &lt;</a:t>
+            </a:r>
+            <a:r>
+              <a:rPr lang="es" sz="1050">
+                <a:solidFill>
+                  <a:srgbClr val="4EC9B0"/>
+                </a:solidFill>
+                <a:highlight>
+                  <a:srgbClr val="1E1E1E"/>
+                </a:highlight>
+                <a:latin typeface="Courier New"/>
+                <a:ea typeface="Courier New"/>
+                <a:cs typeface="Courier New"/>
+                <a:sym typeface="Courier New"/>
+              </a:rPr>
+              <a:t>Widget</a:t>
+            </a:r>
+            <a:r>
+              <a:rPr lang="es" sz="1050">
+                <a:solidFill>
+                  <a:srgbClr val="D4D4D4"/>
+                </a:solidFill>
+                <a:highlight>
+                  <a:srgbClr val="1E1E1E"/>
+                </a:highlight>
+                <a:latin typeface="Courier New"/>
+                <a:ea typeface="Courier New"/>
+                <a:cs typeface="Courier New"/>
+                <a:sym typeface="Courier New"/>
+              </a:rPr>
+              <a:t>&gt;[</a:t>
+            </a:r>
+            <a:endParaRPr sz="1050">
+              <a:solidFill>
+                <a:srgbClr val="D4D4D4"/>
+              </a:solidFill>
+              <a:highlight>
+                <a:srgbClr val="1E1E1E"/>
+              </a:highlight>
+              <a:latin typeface="Courier New"/>
+              <a:ea typeface="Courier New"/>
+              <a:cs typeface="Courier New"/>
+              <a:sym typeface="Courier New"/>
+            </a:endParaRPr>
+          </a:p>
+          <a:p>
+            <a:pPr indent="0" lvl="0" marL="0" rtl="0" algn="l">
+              <a:lnSpc>
+                <a:spcPct val="135714"/>
+              </a:lnSpc>
+              <a:spcBef>
+                <a:spcPts val="0"/>
+              </a:spcBef>
+              <a:spcAft>
+                <a:spcPts val="0"/>
+              </a:spcAft>
+              <a:buClr>
+                <a:schemeClr val="dk1"/>
+              </a:buClr>
+              <a:buSzPts val="1100"/>
+              <a:buFont typeface="Arial"/>
+              <a:buNone/>
+            </a:pPr>
+            <a:r>
+              <a:rPr lang="es" sz="1050">
+                <a:solidFill>
+                  <a:srgbClr val="D4D4D4"/>
+                </a:solidFill>
+                <a:highlight>
+                  <a:srgbClr val="1E1E1E"/>
+                </a:highlight>
+                <a:latin typeface="Courier New"/>
+                <a:ea typeface="Courier New"/>
+                <a:cs typeface="Courier New"/>
+                <a:sym typeface="Courier New"/>
+              </a:rPr>
+              <a:t>         !isLoggedIn ? </a:t>
+            </a:r>
+            <a:r>
+              <a:rPr lang="es" sz="1050">
+                <a:solidFill>
+                  <a:srgbClr val="4EC9B0"/>
+                </a:solidFill>
+                <a:highlight>
+                  <a:srgbClr val="1E1E1E"/>
+                </a:highlight>
+                <a:latin typeface="Courier New"/>
+                <a:ea typeface="Courier New"/>
+                <a:cs typeface="Courier New"/>
+                <a:sym typeface="Courier New"/>
+              </a:rPr>
+              <a:t>TextField</a:t>
+            </a:r>
+            <a:r>
+              <a:rPr lang="es" sz="1050">
+                <a:solidFill>
+                  <a:srgbClr val="D4D4D4"/>
+                </a:solidFill>
+                <a:highlight>
+                  <a:srgbClr val="1E1E1E"/>
+                </a:highlight>
+                <a:latin typeface="Courier New"/>
+                <a:ea typeface="Courier New"/>
+                <a:cs typeface="Courier New"/>
+                <a:sym typeface="Courier New"/>
+              </a:rPr>
+              <a:t>(</a:t>
+            </a:r>
+            <a:endParaRPr sz="1050">
+              <a:solidFill>
+                <a:srgbClr val="D4D4D4"/>
+              </a:solidFill>
+              <a:highlight>
+                <a:srgbClr val="1E1E1E"/>
+              </a:highlight>
+              <a:latin typeface="Courier New"/>
+              <a:ea typeface="Courier New"/>
+              <a:cs typeface="Courier New"/>
+              <a:sym typeface="Courier New"/>
+            </a:endParaRPr>
+          </a:p>
+          <a:p>
+            <a:pPr indent="0" lvl="0" marL="0" rtl="0" algn="l">
+              <a:lnSpc>
+                <a:spcPct val="135714"/>
+              </a:lnSpc>
+              <a:spcBef>
+                <a:spcPts val="0"/>
+              </a:spcBef>
+              <a:spcAft>
+                <a:spcPts val="0"/>
+              </a:spcAft>
+              <a:buClr>
+                <a:schemeClr val="dk1"/>
+              </a:buClr>
+              <a:buSzPts val="1100"/>
+              <a:buFont typeface="Arial"/>
+              <a:buNone/>
+            </a:pPr>
+            <a:r>
+              <a:rPr lang="es" sz="1050">
+                <a:solidFill>
+                  <a:srgbClr val="D4D4D4"/>
+                </a:solidFill>
+                <a:highlight>
+                  <a:srgbClr val="1E1E1E"/>
+                </a:highlight>
+                <a:latin typeface="Courier New"/>
+                <a:ea typeface="Courier New"/>
+                <a:cs typeface="Courier New"/>
+                <a:sym typeface="Courier New"/>
+              </a:rPr>
+              <a:t>           textAlign: </a:t>
+            </a:r>
+            <a:r>
+              <a:rPr lang="es" sz="1050">
+                <a:solidFill>
+                  <a:srgbClr val="4EC9B0"/>
+                </a:solidFill>
+                <a:highlight>
+                  <a:srgbClr val="1E1E1E"/>
+                </a:highlight>
+                <a:latin typeface="Courier New"/>
+                <a:ea typeface="Courier New"/>
+                <a:cs typeface="Courier New"/>
+                <a:sym typeface="Courier New"/>
+              </a:rPr>
+              <a:t>TextAlign</a:t>
+            </a:r>
+            <a:r>
+              <a:rPr lang="es" sz="1050">
+                <a:solidFill>
+                  <a:srgbClr val="D4D4D4"/>
+                </a:solidFill>
+                <a:highlight>
+                  <a:srgbClr val="1E1E1E"/>
+                </a:highlight>
+                <a:latin typeface="Courier New"/>
+                <a:ea typeface="Courier New"/>
+                <a:cs typeface="Courier New"/>
+                <a:sym typeface="Courier New"/>
+              </a:rPr>
+              <a:t>.center,</a:t>
+            </a:r>
+            <a:endParaRPr sz="1050">
+              <a:solidFill>
+                <a:srgbClr val="D4D4D4"/>
+              </a:solidFill>
+              <a:highlight>
+                <a:srgbClr val="1E1E1E"/>
+              </a:highlight>
+              <a:latin typeface="Courier New"/>
+              <a:ea typeface="Courier New"/>
+              <a:cs typeface="Courier New"/>
+              <a:sym typeface="Courier New"/>
+            </a:endParaRPr>
+          </a:p>
+          <a:p>
+            <a:pPr indent="0" lvl="0" marL="0" rtl="0" algn="l">
+              <a:lnSpc>
+                <a:spcPct val="135714"/>
+              </a:lnSpc>
+              <a:spcBef>
+                <a:spcPts val="0"/>
+              </a:spcBef>
+              <a:spcAft>
+                <a:spcPts val="0"/>
+              </a:spcAft>
+              <a:buClr>
+                <a:schemeClr val="dk1"/>
+              </a:buClr>
+              <a:buSzPts val="1100"/>
+              <a:buFont typeface="Arial"/>
+              <a:buNone/>
+            </a:pPr>
+            <a:r>
+              <a:rPr lang="es" sz="1050">
+                <a:solidFill>
+                  <a:srgbClr val="D4D4D4"/>
+                </a:solidFill>
+                <a:highlight>
+                  <a:srgbClr val="1E1E1E"/>
+                </a:highlight>
+                <a:latin typeface="Courier New"/>
+                <a:ea typeface="Courier New"/>
+                <a:cs typeface="Courier New"/>
+                <a:sym typeface="Courier New"/>
+              </a:rPr>
+              <a:t>           controller: nameController,</a:t>
+            </a:r>
+            <a:endParaRPr sz="1050">
+              <a:solidFill>
+                <a:srgbClr val="D4D4D4"/>
+              </a:solidFill>
+              <a:highlight>
+                <a:srgbClr val="1E1E1E"/>
+              </a:highlight>
+              <a:latin typeface="Courier New"/>
+              <a:ea typeface="Courier New"/>
+              <a:cs typeface="Courier New"/>
+              <a:sym typeface="Courier New"/>
+            </a:endParaRPr>
+          </a:p>
+          <a:p>
+            <a:pPr indent="0" lvl="0" marL="0" rtl="0" algn="l">
+              <a:lnSpc>
+                <a:spcPct val="135714"/>
+              </a:lnSpc>
+              <a:spcBef>
+                <a:spcPts val="0"/>
+              </a:spcBef>
+              <a:spcAft>
+                <a:spcPts val="0"/>
+              </a:spcAft>
+              <a:buClr>
+                <a:schemeClr val="dk1"/>
+              </a:buClr>
+              <a:buSzPts val="1100"/>
+              <a:buFont typeface="Arial"/>
+              <a:buNone/>
+            </a:pPr>
+            <a:r>
+              <a:rPr lang="es" sz="1050">
+                <a:solidFill>
+                  <a:srgbClr val="D4D4D4"/>
+                </a:solidFill>
+                <a:highlight>
+                  <a:srgbClr val="1E1E1E"/>
+                </a:highlight>
+                <a:latin typeface="Courier New"/>
+                <a:ea typeface="Courier New"/>
+                <a:cs typeface="Courier New"/>
+                <a:sym typeface="Courier New"/>
+              </a:rPr>
+              <a:t>           decoration: </a:t>
+            </a:r>
+            <a:r>
+              <a:rPr lang="es" sz="1050">
+                <a:solidFill>
+                  <a:srgbClr val="4EC9B0"/>
+                </a:solidFill>
+                <a:highlight>
+                  <a:srgbClr val="1E1E1E"/>
+                </a:highlight>
+                <a:latin typeface="Courier New"/>
+                <a:ea typeface="Courier New"/>
+                <a:cs typeface="Courier New"/>
+                <a:sym typeface="Courier New"/>
+              </a:rPr>
+              <a:t>InputDecoration</a:t>
+            </a:r>
+            <a:r>
+              <a:rPr lang="es" sz="1050">
+                <a:solidFill>
+                  <a:srgbClr val="D4D4D4"/>
+                </a:solidFill>
+                <a:highlight>
+                  <a:srgbClr val="1E1E1E"/>
+                </a:highlight>
+                <a:latin typeface="Courier New"/>
+                <a:ea typeface="Courier New"/>
+                <a:cs typeface="Courier New"/>
+                <a:sym typeface="Courier New"/>
+              </a:rPr>
+              <a:t>(</a:t>
+            </a:r>
+            <a:endParaRPr sz="1050">
+              <a:solidFill>
+                <a:srgbClr val="D4D4D4"/>
+              </a:solidFill>
+              <a:highlight>
+                <a:srgbClr val="1E1E1E"/>
+              </a:highlight>
+              <a:latin typeface="Courier New"/>
+              <a:ea typeface="Courier New"/>
+              <a:cs typeface="Courier New"/>
+              <a:sym typeface="Courier New"/>
+            </a:endParaRPr>
+          </a:p>
+          <a:p>
+            <a:pPr indent="0" lvl="0" marL="0" rtl="0" algn="l">
+              <a:lnSpc>
+                <a:spcPct val="135714"/>
+              </a:lnSpc>
+              <a:spcBef>
+                <a:spcPts val="0"/>
+              </a:spcBef>
+              <a:spcAft>
+                <a:spcPts val="0"/>
+              </a:spcAft>
+              <a:buClr>
+                <a:schemeClr val="dk1"/>
+              </a:buClr>
+              <a:buSzPts val="1100"/>
+              <a:buFont typeface="Arial"/>
+              <a:buNone/>
+            </a:pPr>
+            <a:r>
+              <a:rPr lang="es" sz="1050">
+                <a:solidFill>
+                  <a:srgbClr val="D4D4D4"/>
+                </a:solidFill>
+                <a:highlight>
+                  <a:srgbClr val="1E1E1E"/>
+                </a:highlight>
+                <a:latin typeface="Courier New"/>
+                <a:ea typeface="Courier New"/>
+                <a:cs typeface="Courier New"/>
+                <a:sym typeface="Courier New"/>
+              </a:rPr>
+              <a:t>             border: </a:t>
+            </a:r>
+            <a:r>
+              <a:rPr lang="es" sz="1050">
+                <a:solidFill>
+                  <a:srgbClr val="4EC9B0"/>
+                </a:solidFill>
+                <a:highlight>
+                  <a:srgbClr val="1E1E1E"/>
+                </a:highlight>
+                <a:latin typeface="Courier New"/>
+                <a:ea typeface="Courier New"/>
+                <a:cs typeface="Courier New"/>
+                <a:sym typeface="Courier New"/>
+              </a:rPr>
+              <a:t>InputBorder</a:t>
+            </a:r>
+            <a:r>
+              <a:rPr lang="es" sz="1050">
+                <a:solidFill>
+                  <a:srgbClr val="D4D4D4"/>
+                </a:solidFill>
+                <a:highlight>
+                  <a:srgbClr val="1E1E1E"/>
+                </a:highlight>
+                <a:latin typeface="Courier New"/>
+                <a:ea typeface="Courier New"/>
+                <a:cs typeface="Courier New"/>
+                <a:sym typeface="Courier New"/>
+              </a:rPr>
+              <a:t>.none,</a:t>
+            </a:r>
+            <a:endParaRPr sz="1050">
+              <a:solidFill>
+                <a:srgbClr val="D4D4D4"/>
+              </a:solidFill>
+              <a:highlight>
+                <a:srgbClr val="1E1E1E"/>
+              </a:highlight>
+              <a:latin typeface="Courier New"/>
+              <a:ea typeface="Courier New"/>
+              <a:cs typeface="Courier New"/>
+              <a:sym typeface="Courier New"/>
+            </a:endParaRPr>
+          </a:p>
+          <a:p>
+            <a:pPr indent="0" lvl="0" marL="0" rtl="0" algn="l">
+              <a:lnSpc>
+                <a:spcPct val="135714"/>
+              </a:lnSpc>
+              <a:spcBef>
+                <a:spcPts val="0"/>
+              </a:spcBef>
+              <a:spcAft>
+                <a:spcPts val="0"/>
+              </a:spcAft>
+              <a:buClr>
+                <a:schemeClr val="dk1"/>
+              </a:buClr>
+              <a:buSzPts val="1100"/>
+              <a:buFont typeface="Arial"/>
+              <a:buNone/>
+            </a:pPr>
+            <a:r>
+              <a:rPr lang="es" sz="1050">
+                <a:solidFill>
+                  <a:srgbClr val="D4D4D4"/>
+                </a:solidFill>
+                <a:highlight>
+                  <a:srgbClr val="1E1E1E"/>
+                </a:highlight>
+                <a:latin typeface="Courier New"/>
+                <a:ea typeface="Courier New"/>
+                <a:cs typeface="Courier New"/>
+                <a:sym typeface="Courier New"/>
+              </a:rPr>
+              <a:t>             hintText: </a:t>
+            </a:r>
+            <a:r>
+              <a:rPr lang="es" sz="1050">
+                <a:solidFill>
+                  <a:srgbClr val="CE9178"/>
+                </a:solidFill>
+                <a:highlight>
+                  <a:srgbClr val="1E1E1E"/>
+                </a:highlight>
+                <a:latin typeface="Courier New"/>
+                <a:ea typeface="Courier New"/>
+                <a:cs typeface="Courier New"/>
+                <a:sym typeface="Courier New"/>
+              </a:rPr>
+              <a:t>'Please enter your name'</a:t>
+            </a:r>
+            <a:r>
+              <a:rPr lang="es" sz="1050">
+                <a:solidFill>
+                  <a:srgbClr val="D4D4D4"/>
+                </a:solidFill>
+                <a:highlight>
+                  <a:srgbClr val="1E1E1E"/>
+                </a:highlight>
+                <a:latin typeface="Courier New"/>
+                <a:ea typeface="Courier New"/>
+                <a:cs typeface="Courier New"/>
+                <a:sym typeface="Courier New"/>
+              </a:rPr>
+              <a:t>,</a:t>
+            </a:r>
+            <a:endParaRPr sz="1050">
+              <a:solidFill>
+                <a:srgbClr val="D4D4D4"/>
+              </a:solidFill>
+              <a:highlight>
+                <a:srgbClr val="1E1E1E"/>
+              </a:highlight>
+              <a:latin typeface="Courier New"/>
+              <a:ea typeface="Courier New"/>
+              <a:cs typeface="Courier New"/>
+              <a:sym typeface="Courier New"/>
+            </a:endParaRPr>
+          </a:p>
+          <a:p>
+            <a:pPr indent="0" lvl="0" marL="0" rtl="0" algn="l">
+              <a:lnSpc>
+                <a:spcPct val="135714"/>
+              </a:lnSpc>
+              <a:spcBef>
+                <a:spcPts val="0"/>
+              </a:spcBef>
+              <a:spcAft>
+                <a:spcPts val="0"/>
+              </a:spcAft>
+              <a:buClr>
+                <a:schemeClr val="dk1"/>
+              </a:buClr>
+              <a:buSzPts val="1100"/>
+              <a:buFont typeface="Arial"/>
+              <a:buNone/>
+            </a:pPr>
+            <a:r>
+              <a:rPr lang="es" sz="1050">
+                <a:solidFill>
+                  <a:srgbClr val="D4D4D4"/>
+                </a:solidFill>
+                <a:highlight>
+                  <a:srgbClr val="1E1E1E"/>
+                </a:highlight>
+                <a:latin typeface="Courier New"/>
+                <a:ea typeface="Courier New"/>
+                <a:cs typeface="Courier New"/>
+                <a:sym typeface="Courier New"/>
+              </a:rPr>
+              <a:t>           )</a:t>
+            </a:r>
+            <a:endParaRPr sz="1050">
+              <a:solidFill>
+                <a:srgbClr val="D4D4D4"/>
+              </a:solidFill>
+              <a:highlight>
+                <a:srgbClr val="1E1E1E"/>
+              </a:highlight>
+              <a:latin typeface="Courier New"/>
+              <a:ea typeface="Courier New"/>
+              <a:cs typeface="Courier New"/>
+              <a:sym typeface="Courier New"/>
+            </a:endParaRPr>
+          </a:p>
+          <a:p>
+            <a:pPr indent="0" lvl="0" marL="0" rtl="0" algn="l">
+              <a:lnSpc>
+                <a:spcPct val="135714"/>
+              </a:lnSpc>
+              <a:spcBef>
+                <a:spcPts val="0"/>
+              </a:spcBef>
+              <a:spcAft>
+                <a:spcPts val="0"/>
+              </a:spcAft>
+              <a:buClr>
+                <a:schemeClr val="dk1"/>
+              </a:buClr>
+              <a:buSzPts val="1100"/>
+              <a:buFont typeface="Arial"/>
+              <a:buNone/>
+            </a:pPr>
+            <a:r>
+              <a:rPr lang="es" sz="1050">
+                <a:solidFill>
+                  <a:srgbClr val="D4D4D4"/>
+                </a:solidFill>
+                <a:highlight>
+                  <a:srgbClr val="1E1E1E"/>
+                </a:highlight>
+                <a:latin typeface="Courier New"/>
+                <a:ea typeface="Courier New"/>
+                <a:cs typeface="Courier New"/>
+                <a:sym typeface="Courier New"/>
+              </a:rPr>
+              <a:t>         ) : </a:t>
+            </a:r>
+            <a:r>
+              <a:rPr lang="es" sz="1050">
+                <a:solidFill>
+                  <a:srgbClr val="4EC9B0"/>
+                </a:solidFill>
+                <a:highlight>
+                  <a:srgbClr val="1E1E1E"/>
+                </a:highlight>
+                <a:latin typeface="Courier New"/>
+                <a:ea typeface="Courier New"/>
+                <a:cs typeface="Courier New"/>
+                <a:sym typeface="Courier New"/>
+              </a:rPr>
+              <a:t>Text</a:t>
+            </a:r>
+            <a:r>
+              <a:rPr lang="es" sz="1050">
+                <a:solidFill>
+                  <a:srgbClr val="D4D4D4"/>
+                </a:solidFill>
+                <a:highlight>
+                  <a:srgbClr val="1E1E1E"/>
+                </a:highlight>
+                <a:latin typeface="Courier New"/>
+                <a:ea typeface="Courier New"/>
+                <a:cs typeface="Courier New"/>
+                <a:sym typeface="Courier New"/>
+              </a:rPr>
+              <a:t>(</a:t>
+            </a:r>
+            <a:r>
+              <a:rPr lang="es" sz="1050">
+                <a:solidFill>
+                  <a:srgbClr val="CE9178"/>
+                </a:solidFill>
+                <a:highlight>
+                  <a:srgbClr val="1E1E1E"/>
+                </a:highlight>
+                <a:latin typeface="Courier New"/>
+                <a:ea typeface="Courier New"/>
+                <a:cs typeface="Courier New"/>
+                <a:sym typeface="Courier New"/>
+              </a:rPr>
+              <a:t>'You are logged in as $</a:t>
+            </a:r>
+            <a:r>
+              <a:rPr lang="es" sz="1050">
+                <a:solidFill>
+                  <a:srgbClr val="9CDCFE"/>
+                </a:solidFill>
+                <a:highlight>
+                  <a:srgbClr val="1E1E1E"/>
+                </a:highlight>
+                <a:latin typeface="Courier New"/>
+                <a:ea typeface="Courier New"/>
+                <a:cs typeface="Courier New"/>
+                <a:sym typeface="Courier New"/>
+              </a:rPr>
+              <a:t>name</a:t>
+            </a:r>
+            <a:r>
+              <a:rPr lang="es" sz="1050">
+                <a:solidFill>
+                  <a:srgbClr val="CE9178"/>
+                </a:solidFill>
+                <a:highlight>
+                  <a:srgbClr val="1E1E1E"/>
+                </a:highlight>
+                <a:latin typeface="Courier New"/>
+                <a:ea typeface="Courier New"/>
+                <a:cs typeface="Courier New"/>
+                <a:sym typeface="Courier New"/>
+              </a:rPr>
+              <a:t>'</a:t>
+            </a:r>
+            <a:r>
+              <a:rPr lang="es" sz="1050">
+                <a:solidFill>
+                  <a:srgbClr val="D4D4D4"/>
+                </a:solidFill>
+                <a:highlight>
+                  <a:srgbClr val="1E1E1E"/>
+                </a:highlight>
+                <a:latin typeface="Courier New"/>
+                <a:ea typeface="Courier New"/>
+                <a:cs typeface="Courier New"/>
+                <a:sym typeface="Courier New"/>
+              </a:rPr>
+              <a:t>),</a:t>
+            </a:r>
+            <a:endParaRPr sz="1050">
+              <a:solidFill>
+                <a:srgbClr val="D4D4D4"/>
+              </a:solidFill>
+              <a:highlight>
+                <a:srgbClr val="1E1E1E"/>
+              </a:highlight>
+              <a:latin typeface="Courier New"/>
+              <a:ea typeface="Courier New"/>
+              <a:cs typeface="Courier New"/>
+              <a:sym typeface="Courier New"/>
+            </a:endParaRPr>
+          </a:p>
+          <a:p>
+            <a:pPr indent="0" lvl="0" marL="0" rtl="0" algn="l">
+              <a:lnSpc>
+                <a:spcPct val="135714"/>
+              </a:lnSpc>
+              <a:spcBef>
+                <a:spcPts val="0"/>
+              </a:spcBef>
+              <a:spcAft>
+                <a:spcPts val="0"/>
+              </a:spcAft>
+              <a:buClr>
+                <a:schemeClr val="dk1"/>
+              </a:buClr>
+              <a:buSzPts val="1100"/>
+              <a:buFont typeface="Arial"/>
+              <a:buNone/>
+            </a:pPr>
+            <a:r>
+              <a:rPr lang="es" sz="1050">
+                <a:solidFill>
+                  <a:srgbClr val="D4D4D4"/>
+                </a:solidFill>
+                <a:highlight>
+                  <a:srgbClr val="1E1E1E"/>
+                </a:highlight>
+                <a:latin typeface="Courier New"/>
+                <a:ea typeface="Courier New"/>
+                <a:cs typeface="Courier New"/>
+                <a:sym typeface="Courier New"/>
+              </a:rPr>
+              <a:t>         </a:t>
+            </a:r>
+            <a:r>
+              <a:rPr lang="es" sz="1050">
+                <a:solidFill>
+                  <a:srgbClr val="4EC9B0"/>
+                </a:solidFill>
+                <a:highlight>
+                  <a:srgbClr val="1E1E1E"/>
+                </a:highlight>
+                <a:latin typeface="Courier New"/>
+                <a:ea typeface="Courier New"/>
+                <a:cs typeface="Courier New"/>
+                <a:sym typeface="Courier New"/>
+              </a:rPr>
+              <a:t>SizedBox</a:t>
+            </a:r>
+            <a:r>
+              <a:rPr lang="es" sz="1050">
+                <a:solidFill>
+                  <a:srgbClr val="D4D4D4"/>
+                </a:solidFill>
+                <a:highlight>
+                  <a:srgbClr val="1E1E1E"/>
+                </a:highlight>
+                <a:latin typeface="Courier New"/>
+                <a:ea typeface="Courier New"/>
+                <a:cs typeface="Courier New"/>
+                <a:sym typeface="Courier New"/>
+              </a:rPr>
+              <a:t>(height: </a:t>
+            </a:r>
+            <a:r>
+              <a:rPr lang="es" sz="1050">
+                <a:solidFill>
+                  <a:srgbClr val="B5CEA8"/>
+                </a:solidFill>
+                <a:highlight>
+                  <a:srgbClr val="1E1E1E"/>
+                </a:highlight>
+                <a:latin typeface="Courier New"/>
+                <a:ea typeface="Courier New"/>
+                <a:cs typeface="Courier New"/>
+                <a:sym typeface="Courier New"/>
+              </a:rPr>
+              <a:t>10.0</a:t>
+            </a:r>
+            <a:r>
+              <a:rPr lang="es" sz="1050">
+                <a:solidFill>
+                  <a:srgbClr val="D4D4D4"/>
+                </a:solidFill>
+                <a:highlight>
+                  <a:srgbClr val="1E1E1E"/>
+                </a:highlight>
+                <a:latin typeface="Courier New"/>
+                <a:ea typeface="Courier New"/>
+                <a:cs typeface="Courier New"/>
+                <a:sym typeface="Courier New"/>
+              </a:rPr>
+              <a:t>),</a:t>
+            </a:r>
+            <a:endParaRPr sz="1050">
+              <a:solidFill>
+                <a:srgbClr val="D4D4D4"/>
+              </a:solidFill>
+              <a:highlight>
+                <a:srgbClr val="1E1E1E"/>
+              </a:highlight>
+              <a:latin typeface="Courier New"/>
+              <a:ea typeface="Courier New"/>
+              <a:cs typeface="Courier New"/>
+              <a:sym typeface="Courier New"/>
+            </a:endParaRPr>
+          </a:p>
+          <a:p>
+            <a:pPr indent="0" lvl="0" marL="0" rtl="0" algn="l">
+              <a:lnSpc>
+                <a:spcPct val="135714"/>
+              </a:lnSpc>
+              <a:spcBef>
+                <a:spcPts val="0"/>
+              </a:spcBef>
+              <a:spcAft>
+                <a:spcPts val="0"/>
+              </a:spcAft>
+              <a:buClr>
+                <a:schemeClr val="dk1"/>
+              </a:buClr>
+              <a:buSzPts val="1100"/>
+              <a:buFont typeface="Arial"/>
+              <a:buNone/>
+            </a:pPr>
+            <a:r>
+              <a:rPr lang="es" sz="1050">
+                <a:solidFill>
+                  <a:srgbClr val="D4D4D4"/>
+                </a:solidFill>
+                <a:highlight>
+                  <a:srgbClr val="1E1E1E"/>
+                </a:highlight>
+                <a:latin typeface="Courier New"/>
+                <a:ea typeface="Courier New"/>
+                <a:cs typeface="Courier New"/>
+                <a:sym typeface="Courier New"/>
+              </a:rPr>
+              <a:t>         </a:t>
+            </a:r>
+            <a:r>
+              <a:rPr lang="es" sz="1050">
+                <a:solidFill>
+                  <a:srgbClr val="4EC9B0"/>
+                </a:solidFill>
+                <a:highlight>
+                  <a:srgbClr val="1E1E1E"/>
+                </a:highlight>
+                <a:latin typeface="Courier New"/>
+                <a:ea typeface="Courier New"/>
+                <a:cs typeface="Courier New"/>
+                <a:sym typeface="Courier New"/>
+              </a:rPr>
+              <a:t>RaisedButton</a:t>
+            </a:r>
+            <a:r>
+              <a:rPr lang="es" sz="1050">
+                <a:solidFill>
+                  <a:srgbClr val="D4D4D4"/>
+                </a:solidFill>
+                <a:highlight>
+                  <a:srgbClr val="1E1E1E"/>
+                </a:highlight>
+                <a:latin typeface="Courier New"/>
+                <a:ea typeface="Courier New"/>
+                <a:cs typeface="Courier New"/>
+                <a:sym typeface="Courier New"/>
+              </a:rPr>
+              <a:t>(</a:t>
+            </a:r>
+            <a:endParaRPr sz="1050">
+              <a:solidFill>
+                <a:srgbClr val="D4D4D4"/>
+              </a:solidFill>
+              <a:highlight>
+                <a:srgbClr val="1E1E1E"/>
+              </a:highlight>
+              <a:latin typeface="Courier New"/>
+              <a:ea typeface="Courier New"/>
+              <a:cs typeface="Courier New"/>
+              <a:sym typeface="Courier New"/>
+            </a:endParaRPr>
+          </a:p>
+          <a:p>
+            <a:pPr indent="0" lvl="0" marL="0" rtl="0" algn="l">
+              <a:lnSpc>
+                <a:spcPct val="135714"/>
+              </a:lnSpc>
+              <a:spcBef>
+                <a:spcPts val="0"/>
+              </a:spcBef>
+              <a:spcAft>
+                <a:spcPts val="0"/>
+              </a:spcAft>
+              <a:buClr>
+                <a:schemeClr val="dk1"/>
+              </a:buClr>
+              <a:buSzPts val="1100"/>
+              <a:buFont typeface="Arial"/>
+              <a:buNone/>
+            </a:pPr>
+            <a:r>
+              <a:rPr lang="es" sz="1050">
+                <a:solidFill>
+                  <a:srgbClr val="D4D4D4"/>
+                </a:solidFill>
+                <a:highlight>
+                  <a:srgbClr val="1E1E1E"/>
+                </a:highlight>
+                <a:latin typeface="Courier New"/>
+                <a:ea typeface="Courier New"/>
+                <a:cs typeface="Courier New"/>
+                <a:sym typeface="Courier New"/>
+              </a:rPr>
+              <a:t>           onPressed: () {</a:t>
+            </a:r>
+            <a:endParaRPr sz="1050">
+              <a:solidFill>
+                <a:srgbClr val="D4D4D4"/>
+              </a:solidFill>
+              <a:highlight>
+                <a:srgbClr val="1E1E1E"/>
+              </a:highlight>
+              <a:latin typeface="Courier New"/>
+              <a:ea typeface="Courier New"/>
+              <a:cs typeface="Courier New"/>
+              <a:sym typeface="Courier New"/>
+            </a:endParaRPr>
+          </a:p>
+          <a:p>
+            <a:pPr indent="0" lvl="0" marL="0" rtl="0" algn="l">
+              <a:lnSpc>
+                <a:spcPct val="135714"/>
+              </a:lnSpc>
+              <a:spcBef>
+                <a:spcPts val="0"/>
+              </a:spcBef>
+              <a:spcAft>
+                <a:spcPts val="0"/>
+              </a:spcAft>
+              <a:buClr>
+                <a:schemeClr val="dk1"/>
+              </a:buClr>
+              <a:buSzPts val="1100"/>
+              <a:buFont typeface="Arial"/>
+              <a:buNone/>
+            </a:pPr>
+            <a:r>
+              <a:rPr lang="es" sz="1050">
+                <a:solidFill>
+                  <a:srgbClr val="D4D4D4"/>
+                </a:solidFill>
+                <a:highlight>
+                  <a:srgbClr val="1E1E1E"/>
+                </a:highlight>
+                <a:latin typeface="Courier New"/>
+                <a:ea typeface="Courier New"/>
+                <a:cs typeface="Courier New"/>
+                <a:sym typeface="Courier New"/>
+              </a:rPr>
+              <a:t>             isLoggedIn ? </a:t>
+            </a:r>
+            <a:r>
+              <a:rPr lang="es" sz="1050">
+                <a:solidFill>
+                  <a:srgbClr val="DCDCAA"/>
+                </a:solidFill>
+                <a:highlight>
+                  <a:srgbClr val="1E1E1E"/>
+                </a:highlight>
+                <a:latin typeface="Courier New"/>
+                <a:ea typeface="Courier New"/>
+                <a:cs typeface="Courier New"/>
+                <a:sym typeface="Courier New"/>
+              </a:rPr>
+              <a:t>logout</a:t>
+            </a:r>
+            <a:r>
+              <a:rPr lang="es" sz="1050">
+                <a:solidFill>
+                  <a:srgbClr val="D4D4D4"/>
+                </a:solidFill>
+                <a:highlight>
+                  <a:srgbClr val="1E1E1E"/>
+                </a:highlight>
+                <a:latin typeface="Courier New"/>
+                <a:ea typeface="Courier New"/>
+                <a:cs typeface="Courier New"/>
+                <a:sym typeface="Courier New"/>
+              </a:rPr>
+              <a:t>() : </a:t>
+            </a:r>
+            <a:r>
+              <a:rPr lang="es" sz="1050">
+                <a:solidFill>
+                  <a:srgbClr val="DCDCAA"/>
+                </a:solidFill>
+                <a:highlight>
+                  <a:srgbClr val="1E1E1E"/>
+                </a:highlight>
+                <a:latin typeface="Courier New"/>
+                <a:ea typeface="Courier New"/>
+                <a:cs typeface="Courier New"/>
+                <a:sym typeface="Courier New"/>
+              </a:rPr>
+              <a:t>loginUser</a:t>
+            </a:r>
+            <a:r>
+              <a:rPr lang="es" sz="1050">
+                <a:solidFill>
+                  <a:srgbClr val="D4D4D4"/>
+                </a:solidFill>
+                <a:highlight>
+                  <a:srgbClr val="1E1E1E"/>
+                </a:highlight>
+                <a:latin typeface="Courier New"/>
+                <a:ea typeface="Courier New"/>
+                <a:cs typeface="Courier New"/>
+                <a:sym typeface="Courier New"/>
+              </a:rPr>
+              <a:t>();</a:t>
+            </a:r>
+            <a:endParaRPr sz="1050">
+              <a:solidFill>
+                <a:srgbClr val="D4D4D4"/>
+              </a:solidFill>
+              <a:highlight>
+                <a:srgbClr val="1E1E1E"/>
+              </a:highlight>
+              <a:latin typeface="Courier New"/>
+              <a:ea typeface="Courier New"/>
+              <a:cs typeface="Courier New"/>
+              <a:sym typeface="Courier New"/>
+            </a:endParaRPr>
+          </a:p>
+          <a:p>
+            <a:pPr indent="0" lvl="0" marL="0" rtl="0" algn="l">
+              <a:lnSpc>
+                <a:spcPct val="135714"/>
+              </a:lnSpc>
+              <a:spcBef>
+                <a:spcPts val="0"/>
+              </a:spcBef>
+              <a:spcAft>
+                <a:spcPts val="0"/>
+              </a:spcAft>
+              <a:buClr>
+                <a:schemeClr val="dk1"/>
+              </a:buClr>
+              <a:buSzPts val="1100"/>
+              <a:buFont typeface="Arial"/>
+              <a:buNone/>
+            </a:pPr>
+            <a:r>
+              <a:rPr lang="es" sz="1050">
+                <a:solidFill>
+                  <a:srgbClr val="D4D4D4"/>
+                </a:solidFill>
+                <a:highlight>
+                  <a:srgbClr val="1E1E1E"/>
+                </a:highlight>
+                <a:latin typeface="Courier New"/>
+                <a:ea typeface="Courier New"/>
+                <a:cs typeface="Courier New"/>
+                <a:sym typeface="Courier New"/>
+              </a:rPr>
+              <a:t>           },</a:t>
+            </a:r>
+            <a:endParaRPr sz="1050">
+              <a:solidFill>
+                <a:srgbClr val="D4D4D4"/>
+              </a:solidFill>
+              <a:highlight>
+                <a:srgbClr val="1E1E1E"/>
+              </a:highlight>
+              <a:latin typeface="Courier New"/>
+              <a:ea typeface="Courier New"/>
+              <a:cs typeface="Courier New"/>
+              <a:sym typeface="Courier New"/>
+            </a:endParaRPr>
+          </a:p>
+          <a:p>
+            <a:pPr indent="0" lvl="0" marL="0" rtl="0" algn="l">
+              <a:lnSpc>
+                <a:spcPct val="135714"/>
+              </a:lnSpc>
+              <a:spcBef>
+                <a:spcPts val="0"/>
+              </a:spcBef>
+              <a:spcAft>
+                <a:spcPts val="0"/>
+              </a:spcAft>
+              <a:buClr>
+                <a:schemeClr val="dk1"/>
+              </a:buClr>
+              <a:buSzPts val="1100"/>
+              <a:buFont typeface="Arial"/>
+              <a:buNone/>
+            </a:pPr>
+            <a:r>
+              <a:rPr lang="es" sz="1050">
+                <a:solidFill>
+                  <a:srgbClr val="D4D4D4"/>
+                </a:solidFill>
+                <a:highlight>
+                  <a:srgbClr val="1E1E1E"/>
+                </a:highlight>
+                <a:latin typeface="Courier New"/>
+                <a:ea typeface="Courier New"/>
+                <a:cs typeface="Courier New"/>
+                <a:sym typeface="Courier New"/>
+              </a:rPr>
+              <a:t>           child: isLoggedIn ? </a:t>
+            </a:r>
+            <a:r>
+              <a:rPr lang="es" sz="1050">
+                <a:solidFill>
+                  <a:srgbClr val="4EC9B0"/>
+                </a:solidFill>
+                <a:highlight>
+                  <a:srgbClr val="1E1E1E"/>
+                </a:highlight>
+                <a:latin typeface="Courier New"/>
+                <a:ea typeface="Courier New"/>
+                <a:cs typeface="Courier New"/>
+                <a:sym typeface="Courier New"/>
+              </a:rPr>
+              <a:t>Text</a:t>
+            </a:r>
+            <a:r>
+              <a:rPr lang="es" sz="1050">
+                <a:solidFill>
+                  <a:srgbClr val="D4D4D4"/>
+                </a:solidFill>
+                <a:highlight>
+                  <a:srgbClr val="1E1E1E"/>
+                </a:highlight>
+                <a:latin typeface="Courier New"/>
+                <a:ea typeface="Courier New"/>
+                <a:cs typeface="Courier New"/>
+                <a:sym typeface="Courier New"/>
+              </a:rPr>
+              <a:t>(</a:t>
+            </a:r>
+            <a:r>
+              <a:rPr lang="es" sz="1050">
+                <a:solidFill>
+                  <a:srgbClr val="CE9178"/>
+                </a:solidFill>
+                <a:highlight>
+                  <a:srgbClr val="1E1E1E"/>
+                </a:highlight>
+                <a:latin typeface="Courier New"/>
+                <a:ea typeface="Courier New"/>
+                <a:cs typeface="Courier New"/>
+                <a:sym typeface="Courier New"/>
+              </a:rPr>
+              <a:t>'logout'</a:t>
+            </a:r>
+            <a:r>
+              <a:rPr lang="es" sz="1050">
+                <a:solidFill>
+                  <a:srgbClr val="D4D4D4"/>
+                </a:solidFill>
+                <a:highlight>
+                  <a:srgbClr val="1E1E1E"/>
+                </a:highlight>
+                <a:latin typeface="Courier New"/>
+                <a:ea typeface="Courier New"/>
+                <a:cs typeface="Courier New"/>
+                <a:sym typeface="Courier New"/>
+              </a:rPr>
+              <a:t>) : </a:t>
+            </a:r>
+            <a:r>
+              <a:rPr lang="es" sz="1050">
+                <a:solidFill>
+                  <a:srgbClr val="4EC9B0"/>
+                </a:solidFill>
+                <a:highlight>
+                  <a:srgbClr val="1E1E1E"/>
+                </a:highlight>
+                <a:latin typeface="Courier New"/>
+                <a:ea typeface="Courier New"/>
+                <a:cs typeface="Courier New"/>
+                <a:sym typeface="Courier New"/>
+              </a:rPr>
+              <a:t>Text</a:t>
+            </a:r>
+            <a:r>
+              <a:rPr lang="es" sz="1050">
+                <a:solidFill>
+                  <a:srgbClr val="D4D4D4"/>
+                </a:solidFill>
+                <a:highlight>
+                  <a:srgbClr val="1E1E1E"/>
+                </a:highlight>
+                <a:latin typeface="Courier New"/>
+                <a:ea typeface="Courier New"/>
+                <a:cs typeface="Courier New"/>
+                <a:sym typeface="Courier New"/>
+              </a:rPr>
+              <a:t>(</a:t>
+            </a:r>
+            <a:r>
+              <a:rPr lang="es" sz="1050">
+                <a:solidFill>
+                  <a:srgbClr val="CE9178"/>
+                </a:solidFill>
+                <a:highlight>
+                  <a:srgbClr val="1E1E1E"/>
+                </a:highlight>
+                <a:latin typeface="Courier New"/>
+                <a:ea typeface="Courier New"/>
+                <a:cs typeface="Courier New"/>
+                <a:sym typeface="Courier New"/>
+              </a:rPr>
+              <a:t>'Login'</a:t>
+            </a:r>
+            <a:r>
+              <a:rPr lang="es" sz="1050">
+                <a:solidFill>
+                  <a:srgbClr val="D4D4D4"/>
+                </a:solidFill>
+                <a:highlight>
+                  <a:srgbClr val="1E1E1E"/>
+                </a:highlight>
+                <a:latin typeface="Courier New"/>
+                <a:ea typeface="Courier New"/>
+                <a:cs typeface="Courier New"/>
+                <a:sym typeface="Courier New"/>
+              </a:rPr>
+              <a:t>),</a:t>
+            </a:r>
+            <a:endParaRPr sz="1050">
+              <a:solidFill>
+                <a:srgbClr val="D4D4D4"/>
+              </a:solidFill>
+              <a:highlight>
+                <a:srgbClr val="1E1E1E"/>
+              </a:highlight>
+              <a:latin typeface="Courier New"/>
+              <a:ea typeface="Courier New"/>
+              <a:cs typeface="Courier New"/>
+              <a:sym typeface="Courier New"/>
+            </a:endParaRPr>
+          </a:p>
+          <a:p>
+            <a:pPr indent="0" lvl="0" marL="0" rtl="0" algn="l">
+              <a:lnSpc>
+                <a:spcPct val="135714"/>
+              </a:lnSpc>
+              <a:spcBef>
+                <a:spcPts val="0"/>
+              </a:spcBef>
+              <a:spcAft>
+                <a:spcPts val="0"/>
+              </a:spcAft>
+              <a:buClr>
+                <a:schemeClr val="dk1"/>
+              </a:buClr>
+              <a:buSzPts val="1100"/>
+              <a:buFont typeface="Arial"/>
+              <a:buNone/>
+            </a:pPr>
+            <a:r>
+              <a:rPr lang="es" sz="1050">
+                <a:solidFill>
+                  <a:srgbClr val="D4D4D4"/>
+                </a:solidFill>
+                <a:highlight>
+                  <a:srgbClr val="1E1E1E"/>
+                </a:highlight>
+                <a:latin typeface="Courier New"/>
+                <a:ea typeface="Courier New"/>
+                <a:cs typeface="Courier New"/>
+                <a:sym typeface="Courier New"/>
+              </a:rPr>
+              <a:t>         ),</a:t>
+            </a:r>
+            <a:endParaRPr sz="1050">
+              <a:solidFill>
+                <a:srgbClr val="D4D4D4"/>
+              </a:solidFill>
+              <a:highlight>
+                <a:srgbClr val="1E1E1E"/>
+              </a:highlight>
+              <a:latin typeface="Courier New"/>
+              <a:ea typeface="Courier New"/>
+              <a:cs typeface="Courier New"/>
+              <a:sym typeface="Courier New"/>
+            </a:endParaRPr>
+          </a:p>
+          <a:p>
+            <a:pPr indent="0" lvl="0" marL="0" rtl="0" algn="l">
+              <a:lnSpc>
+                <a:spcPct val="135714"/>
+              </a:lnSpc>
+              <a:spcBef>
+                <a:spcPts val="0"/>
+              </a:spcBef>
+              <a:spcAft>
+                <a:spcPts val="0"/>
+              </a:spcAft>
+              <a:buClr>
+                <a:schemeClr val="dk1"/>
+              </a:buClr>
+              <a:buSzPts val="1100"/>
+              <a:buFont typeface="Arial"/>
+              <a:buNone/>
+            </a:pPr>
+            <a:r>
+              <a:rPr lang="es" sz="1050">
+                <a:solidFill>
+                  <a:srgbClr val="D4D4D4"/>
+                </a:solidFill>
+                <a:highlight>
+                  <a:srgbClr val="1E1E1E"/>
+                </a:highlight>
+                <a:latin typeface="Courier New"/>
+                <a:ea typeface="Courier New"/>
+                <a:cs typeface="Courier New"/>
+                <a:sym typeface="Courier New"/>
+              </a:rPr>
+              <a:t>       ],</a:t>
+            </a:r>
+            <a:endParaRPr sz="1050">
+              <a:solidFill>
+                <a:srgbClr val="D4D4D4"/>
+              </a:solidFill>
+              <a:highlight>
+                <a:srgbClr val="1E1E1E"/>
+              </a:highlight>
+              <a:latin typeface="Courier New"/>
+              <a:ea typeface="Courier New"/>
+              <a:cs typeface="Courier New"/>
+              <a:sym typeface="Courier New"/>
+            </a:endParaRPr>
+          </a:p>
+          <a:p>
+            <a:pPr indent="0" lvl="0" marL="0" rtl="0" algn="l">
+              <a:lnSpc>
+                <a:spcPct val="135714"/>
+              </a:lnSpc>
+              <a:spcBef>
+                <a:spcPts val="0"/>
+              </a:spcBef>
+              <a:spcAft>
+                <a:spcPts val="0"/>
+              </a:spcAft>
+              <a:buClr>
+                <a:schemeClr val="dk1"/>
+              </a:buClr>
+              <a:buSzPts val="1100"/>
+              <a:buFont typeface="Arial"/>
+              <a:buNone/>
+            </a:pPr>
+            <a:r>
+              <a:rPr lang="es" sz="1050">
+                <a:solidFill>
+                  <a:srgbClr val="D4D4D4"/>
+                </a:solidFill>
+                <a:highlight>
+                  <a:srgbClr val="1E1E1E"/>
+                </a:highlight>
+                <a:latin typeface="Courier New"/>
+                <a:ea typeface="Courier New"/>
+                <a:cs typeface="Courier New"/>
+                <a:sym typeface="Courier New"/>
+              </a:rPr>
+              <a:t>     ),</a:t>
+            </a:r>
+            <a:endParaRPr sz="1050">
+              <a:solidFill>
+                <a:srgbClr val="D4D4D4"/>
+              </a:solidFill>
+              <a:highlight>
+                <a:srgbClr val="1E1E1E"/>
+              </a:highlight>
+              <a:latin typeface="Courier New"/>
+              <a:ea typeface="Courier New"/>
+              <a:cs typeface="Courier New"/>
+              <a:sym typeface="Courier New"/>
+            </a:endParaRPr>
+          </a:p>
+          <a:p>
+            <a:pPr indent="0" lvl="0" marL="0" rtl="0" algn="l">
+              <a:lnSpc>
+                <a:spcPct val="135714"/>
+              </a:lnSpc>
+              <a:spcBef>
+                <a:spcPts val="0"/>
+              </a:spcBef>
+              <a:spcAft>
+                <a:spcPts val="0"/>
+              </a:spcAft>
+              <a:buClr>
+                <a:schemeClr val="dk1"/>
+              </a:buClr>
+              <a:buSzPts val="1100"/>
+              <a:buFont typeface="Arial"/>
+              <a:buNone/>
+            </a:pPr>
+            <a:r>
+              <a:rPr lang="es" sz="1050">
+                <a:solidFill>
+                  <a:srgbClr val="D4D4D4"/>
+                </a:solidFill>
+                <a:highlight>
+                  <a:srgbClr val="1E1E1E"/>
+                </a:highlight>
+                <a:latin typeface="Courier New"/>
+                <a:ea typeface="Courier New"/>
+                <a:cs typeface="Courier New"/>
+                <a:sym typeface="Courier New"/>
+              </a:rPr>
+              <a:t>   ),</a:t>
+            </a:r>
+            <a:endParaRPr sz="1050">
+              <a:solidFill>
+                <a:srgbClr val="D4D4D4"/>
+              </a:solidFill>
+              <a:highlight>
+                <a:srgbClr val="1E1E1E"/>
+              </a:highlight>
+              <a:latin typeface="Courier New"/>
+              <a:ea typeface="Courier New"/>
+              <a:cs typeface="Courier New"/>
+              <a:sym typeface="Courier New"/>
+            </a:endParaRPr>
+          </a:p>
+          <a:p>
+            <a:pPr indent="0" lvl="0" marL="0" rtl="0" algn="l">
+              <a:lnSpc>
+                <a:spcPct val="135714"/>
+              </a:lnSpc>
+              <a:spcBef>
+                <a:spcPts val="0"/>
+              </a:spcBef>
+              <a:spcAft>
+                <a:spcPts val="0"/>
+              </a:spcAft>
+              <a:buClr>
+                <a:schemeClr val="dk1"/>
+              </a:buClr>
+              <a:buSzPts val="1100"/>
+              <a:buFont typeface="Arial"/>
+              <a:buNone/>
+            </a:pPr>
+            <a:r>
+              <a:rPr lang="es" sz="1050">
+                <a:solidFill>
+                  <a:srgbClr val="D4D4D4"/>
+                </a:solidFill>
+                <a:highlight>
+                  <a:srgbClr val="1E1E1E"/>
+                </a:highlight>
+                <a:latin typeface="Courier New"/>
+                <a:ea typeface="Courier New"/>
+                <a:cs typeface="Courier New"/>
+                <a:sym typeface="Courier New"/>
+              </a:rPr>
+              <a:t> );</a:t>
+            </a:r>
+            <a:endParaRPr sz="1050">
+              <a:solidFill>
+                <a:srgbClr val="D4D4D4"/>
+              </a:solidFill>
+              <a:highlight>
+                <a:srgbClr val="1E1E1E"/>
+              </a:highlight>
+              <a:latin typeface="Courier New"/>
+              <a:ea typeface="Courier New"/>
+              <a:cs typeface="Courier New"/>
+              <a:sym typeface="Courier New"/>
+            </a:endParaRPr>
+          </a:p>
+          <a:p>
+            <a:pPr indent="0" lvl="0" marL="0" rtl="0" algn="l">
+              <a:lnSpc>
+                <a:spcPct val="135714"/>
+              </a:lnSpc>
+              <a:spcBef>
+                <a:spcPts val="0"/>
+              </a:spcBef>
+              <a:spcAft>
+                <a:spcPts val="0"/>
+              </a:spcAft>
+              <a:buClr>
+                <a:schemeClr val="dk1"/>
+              </a:buClr>
+              <a:buSzPts val="1100"/>
+              <a:buFont typeface="Arial"/>
+              <a:buNone/>
+            </a:pPr>
+            <a:r>
+              <a:rPr lang="es" sz="1050">
+                <a:solidFill>
+                  <a:srgbClr val="D4D4D4"/>
+                </a:solidFill>
+                <a:highlight>
+                  <a:srgbClr val="1E1E1E"/>
+                </a:highlight>
+                <a:latin typeface="Courier New"/>
+                <a:ea typeface="Courier New"/>
+                <a:cs typeface="Courier New"/>
+                <a:sym typeface="Courier New"/>
+              </a:rPr>
+              <a:t>}</a:t>
+            </a:r>
+            <a:endParaRPr sz="1050">
+              <a:solidFill>
+                <a:srgbClr val="D4D4D4"/>
+              </a:solidFill>
+              <a:highlight>
+                <a:srgbClr val="1E1E1E"/>
+              </a:highlight>
+              <a:latin typeface="Courier New"/>
+              <a:ea typeface="Courier New"/>
+              <a:cs typeface="Courier New"/>
+              <a:sym typeface="Courier New"/>
+            </a:endParaRPr>
+          </a:p>
+          <a:p>
+            <a:pPr indent="0" lvl="0" marL="0" rtl="0" algn="l">
+              <a:lnSpc>
                 <a:spcPct val="100000"/>
               </a:lnSpc>
               <a:spcBef>
@@ -1953,7 +10445,7 @@
       </p:sp>
       <p:sp>
         <p:nvSpPr>
-          <p:cNvPr id="185" name="Google Shape;185;ged7bf3b269_0_12:notes"/>
+          <p:cNvPr id="187" name="Google Shape;187;ged7bf3b269_0_12:notes"/>
           <p:cNvSpPr/>
           <p:nvPr>
             <p:ph idx="2" type="sldImg"/>
@@ -2009,7 +10501,7 @@
   <p:cSld>
     <p:spTree>
       <p:nvGrpSpPr>
-        <p:cNvPr id="189" name="Shape 189"/>
+        <p:cNvPr id="191" name="Shape 191"/>
         <p:cNvGrpSpPr/>
         <p:nvPr/>
       </p:nvGrpSpPr>
@@ -2023,7 +10515,7 @@
       </p:grpSpPr>
       <p:sp>
         <p:nvSpPr>
-          <p:cNvPr id="190" name="Google Shape;190;ged7bf3b269_0_32:notes"/>
+          <p:cNvPr id="192" name="Google Shape;192;ged7bf3b269_0_32:notes"/>
           <p:cNvSpPr txBox="1"/>
           <p:nvPr>
             <p:ph idx="1" type="body"/>
@@ -2070,7 +10562,7 @@
       </p:sp>
       <p:sp>
         <p:nvSpPr>
-          <p:cNvPr id="191" name="Google Shape;191;ged7bf3b269_0_32:notes"/>
+          <p:cNvPr id="193" name="Google Shape;193;ged7bf3b269_0_32:notes"/>
           <p:cNvSpPr/>
           <p:nvPr>
             <p:ph idx="2" type="sldImg"/>
@@ -16652,7 +25144,7 @@
     </p:bg>
     <p:spTree>
       <p:nvGrpSpPr>
-        <p:cNvPr id="198" name="Shape 198"/>
+        <p:cNvPr id="200" name="Shape 200"/>
         <p:cNvGrpSpPr/>
         <p:nvPr/>
       </p:nvGrpSpPr>
@@ -16666,7 +25158,7 @@
       </p:grpSpPr>
       <p:sp>
         <p:nvSpPr>
-          <p:cNvPr id="199" name="Google Shape;199;gf246151368_0_0"/>
+          <p:cNvPr id="201" name="Google Shape;201;gf246151368_0_0"/>
           <p:cNvSpPr txBox="1"/>
           <p:nvPr/>
         </p:nvSpPr>
@@ -16767,7 +25259,7 @@
   <p:cSld>
     <p:spTree>
       <p:nvGrpSpPr>
-        <p:cNvPr id="203" name="Shape 203"/>
+        <p:cNvPr id="205" name="Shape 205"/>
         <p:cNvGrpSpPr/>
         <p:nvPr/>
       </p:nvGrpSpPr>
@@ -16781,7 +25273,7 @@
       </p:grpSpPr>
       <p:pic>
         <p:nvPicPr>
-          <p:cNvPr id="204" name="Google Shape;204;p36"/>
+          <p:cNvPr id="206" name="Google Shape;206;p36"/>
           <p:cNvPicPr preferRelativeResize="0"/>
           <p:nvPr/>
         </p:nvPicPr>
@@ -18103,7 +26595,7 @@
                 <a:cs typeface="Courier New"/>
                 <a:sym typeface="Courier New"/>
               </a:rPr>
-              <a:t>    flutter pub add shared_preferences</a:t>
+              <a:t>    </a:t>
             </a:r>
             <a:endParaRPr>
               <a:solidFill>
@@ -18209,16 +26701,7 @@
               <a:buNone/>
             </a:pPr>
             <a:r>
-              <a:rPr lang="es">
-                <a:solidFill>
-                  <a:srgbClr val="3C63AB"/>
-                </a:solidFill>
-                <a:latin typeface="Courier New"/>
-                <a:ea typeface="Courier New"/>
-                <a:cs typeface="Courier New"/>
-                <a:sym typeface="Courier New"/>
-              </a:rPr>
-              <a:t>import 'package:shared_preferences/shared_preferences.dart';</a:t>
+              <a:t/>
             </a:r>
             <a:endParaRPr>
               <a:solidFill>
@@ -18409,6 +26892,62 @@
           </a:p>
         </p:txBody>
       </p:sp>
+      <p:pic>
+        <p:nvPicPr>
+          <p:cNvPr id="169" name="Google Shape;169;ged7bf3b269_0_3"/>
+          <p:cNvPicPr preferRelativeResize="0"/>
+          <p:nvPr/>
+        </p:nvPicPr>
+        <p:blipFill>
+          <a:blip r:embed="rId4">
+            <a:alphaModFix/>
+          </a:blip>
+          <a:stretch>
+            <a:fillRect/>
+          </a:stretch>
+        </p:blipFill>
+        <p:spPr>
+          <a:xfrm>
+            <a:off x="3278638" y="2858750"/>
+            <a:ext cx="2586724" cy="472850"/>
+          </a:xfrm>
+          <a:prstGeom prst="rect">
+            <a:avLst/>
+          </a:prstGeom>
+          <a:noFill/>
+          <a:ln>
+            <a:noFill/>
+          </a:ln>
+        </p:spPr>
+      </p:pic>
+      <p:pic>
+        <p:nvPicPr>
+          <p:cNvPr id="170" name="Google Shape;170;ged7bf3b269_0_3"/>
+          <p:cNvPicPr preferRelativeResize="0"/>
+          <p:nvPr/>
+        </p:nvPicPr>
+        <p:blipFill>
+          <a:blip r:embed="rId5">
+            <a:alphaModFix/>
+          </a:blip>
+          <a:stretch>
+            <a:fillRect/>
+          </a:stretch>
+        </p:blipFill>
+        <p:spPr>
+          <a:xfrm>
+            <a:off x="1913710" y="3918649"/>
+            <a:ext cx="5316579" cy="618000"/>
+          </a:xfrm>
+          <a:prstGeom prst="rect">
+            <a:avLst/>
+          </a:prstGeom>
+          <a:noFill/>
+          <a:ln>
+            <a:noFill/>
+          </a:ln>
+        </p:spPr>
+      </p:pic>
     </p:spTree>
   </p:cSld>
   <p:clrMapOvr>
@@ -18434,7 +26973,7 @@
     </p:bg>
     <p:spTree>
       <p:nvGrpSpPr>
-        <p:cNvPr id="172" name="Shape 172"/>
+        <p:cNvPr id="174" name="Shape 174"/>
         <p:cNvGrpSpPr/>
         <p:nvPr/>
       </p:nvGrpSpPr>
@@ -18448,7 +26987,7 @@
       </p:grpSpPr>
       <p:sp>
         <p:nvSpPr>
-          <p:cNvPr id="173" name="Google Shape;173;ged7bf3b269_0_19"/>
+          <p:cNvPr id="175" name="Google Shape;175;ged7bf3b269_0_19"/>
           <p:cNvSpPr txBox="1"/>
           <p:nvPr>
             <p:ph type="title"/>
@@ -18508,7 +27047,7 @@
       </p:sp>
       <p:sp>
         <p:nvSpPr>
-          <p:cNvPr id="174" name="Google Shape;174;ged7bf3b269_0_19"/>
+          <p:cNvPr id="176" name="Google Shape;176;ged7bf3b269_0_19"/>
           <p:cNvSpPr txBox="1"/>
           <p:nvPr>
             <p:ph idx="4294967295" type="body"/>
@@ -18979,7 +27518,7 @@
     </p:bg>
     <p:spTree>
       <p:nvGrpSpPr>
-        <p:cNvPr id="178" name="Shape 178"/>
+        <p:cNvPr id="180" name="Shape 180"/>
         <p:cNvGrpSpPr/>
         <p:nvPr/>
       </p:nvGrpSpPr>
@@ -18993,7 +27532,7 @@
       </p:grpSpPr>
       <p:sp>
         <p:nvSpPr>
-          <p:cNvPr id="179" name="Google Shape;179;ged7bf3b269_0_25"/>
+          <p:cNvPr id="181" name="Google Shape;181;ged7bf3b269_0_25"/>
           <p:cNvSpPr txBox="1"/>
           <p:nvPr>
             <p:ph type="title"/>
@@ -19053,7 +27592,7 @@
       </p:sp>
       <p:sp>
         <p:nvSpPr>
-          <p:cNvPr id="180" name="Google Shape;180;ged7bf3b269_0_25"/>
+          <p:cNvPr id="182" name="Google Shape;182;ged7bf3b269_0_25"/>
           <p:cNvSpPr txBox="1"/>
           <p:nvPr>
             <p:ph idx="4294967295" type="body"/>
@@ -19219,7 +27758,7 @@
       </p:sp>
       <p:pic>
         <p:nvPicPr>
-          <p:cNvPr id="181" name="Google Shape;181;ged7bf3b269_0_25"/>
+          <p:cNvPr id="183" name="Google Shape;183;ged7bf3b269_0_25"/>
           <p:cNvPicPr preferRelativeResize="0"/>
           <p:nvPr/>
         </p:nvPicPr>
@@ -19247,7 +27786,7 @@
       </p:pic>
       <p:pic>
         <p:nvPicPr>
-          <p:cNvPr id="182" name="Google Shape;182;ged7bf3b269_0_25"/>
+          <p:cNvPr id="184" name="Google Shape;184;ged7bf3b269_0_25"/>
           <p:cNvPicPr preferRelativeResize="0"/>
           <p:nvPr/>
         </p:nvPicPr>
@@ -19298,7 +27837,7 @@
     </p:bg>
     <p:spTree>
       <p:nvGrpSpPr>
-        <p:cNvPr id="186" name="Shape 186"/>
+        <p:cNvPr id="188" name="Shape 188"/>
         <p:cNvGrpSpPr/>
         <p:nvPr/>
       </p:nvGrpSpPr>
@@ -19312,7 +27851,7 @@
       </p:grpSpPr>
       <p:pic>
         <p:nvPicPr>
-          <p:cNvPr id="187" name="Google Shape;187;ged7bf3b269_0_12"/>
+          <p:cNvPr id="189" name="Google Shape;189;ged7bf3b269_0_12"/>
           <p:cNvPicPr preferRelativeResize="0"/>
           <p:nvPr/>
         </p:nvPicPr>
@@ -19340,7 +27879,7 @@
       </p:pic>
       <p:pic>
         <p:nvPicPr>
-          <p:cNvPr id="188" name="Google Shape;188;ged7bf3b269_0_12"/>
+          <p:cNvPr id="190" name="Google Shape;190;ged7bf3b269_0_12"/>
           <p:cNvPicPr preferRelativeResize="0"/>
           <p:nvPr/>
         </p:nvPicPr>
@@ -19391,7 +27930,7 @@
     </p:bg>
     <p:spTree>
       <p:nvGrpSpPr>
-        <p:cNvPr id="192" name="Shape 192"/>
+        <p:cNvPr id="194" name="Shape 194"/>
         <p:cNvGrpSpPr/>
         <p:nvPr/>
       </p:nvGrpSpPr>
@@ -19405,7 +27944,7 @@
       </p:grpSpPr>
       <p:sp>
         <p:nvSpPr>
-          <p:cNvPr id="193" name="Google Shape;193;ged7bf3b269_0_32"/>
+          <p:cNvPr id="195" name="Google Shape;195;ged7bf3b269_0_32"/>
           <p:cNvSpPr txBox="1"/>
           <p:nvPr>
             <p:ph type="title"/>
@@ -19465,7 +28004,7 @@
       </p:sp>
       <p:sp>
         <p:nvSpPr>
-          <p:cNvPr id="194" name="Google Shape;194;ged7bf3b269_0_32"/>
+          <p:cNvPr id="196" name="Google Shape;196;ged7bf3b269_0_32"/>
           <p:cNvSpPr txBox="1"/>
           <p:nvPr>
             <p:ph idx="4294967295" type="body"/>
@@ -19877,6 +28416,285 @@
 </file>
 
 <file path=ppt/theme/theme1.xml><?xml version="1.0" encoding="utf-8"?>
+<a:theme xmlns:a="http://schemas.openxmlformats.org/drawingml/2006/main" xmlns:r="http://schemas.openxmlformats.org/officeDocument/2006/relationships">
+  <a:themeElements>
+    <a:clrScheme name="Default">
+      <a:dk1>
+        <a:srgbClr val="000000"/>
+      </a:dk1>
+      <a:lt1>
+        <a:srgbClr val="FFFFFF"/>
+      </a:lt1>
+      <a:dk2>
+        <a:srgbClr val="158158"/>
+      </a:dk2>
+      <a:lt2>
+        <a:srgbClr val="F3F3F3"/>
+      </a:lt2>
+      <a:accent1>
+        <a:srgbClr val="058DC7"/>
+      </a:accent1>
+      <a:accent2>
+        <a:srgbClr val="50B432"/>
+      </a:accent2>
+      <a:accent3>
+        <a:srgbClr val="ED561B"/>
+      </a:accent3>
+      <a:accent4>
+        <a:srgbClr val="EDEF00"/>
+      </a:accent4>
+      <a:accent5>
+        <a:srgbClr val="24CBE5"/>
+      </a:accent5>
+      <a:accent6>
+        <a:srgbClr val="64E572"/>
+      </a:accent6>
+      <a:hlink>
+        <a:srgbClr val="2200CC"/>
+      </a:hlink>
+      <a:folHlink>
+        <a:srgbClr val="551A8B"/>
+      </a:folHlink>
+    </a:clrScheme>
+    <a:fontScheme name="Office">
+      <a:majorFont>
+        <a:latin typeface="Arial"/>
+        <a:ea typeface=""/>
+        <a:cs typeface=""/>
+        <a:font script="Jpan" typeface="ＭＳ Ｐゴシック"/>
+        <a:font script="Hang" typeface="맑은 고딕"/>
+        <a:font script="Hans" typeface="宋体"/>
+        <a:font script="Hant" typeface="新細明體"/>
+        <a:font script="Arab" typeface="Times New Roman"/>
+        <a:font script="Hebr" typeface="Times New Roman"/>
+        <a:font script="Thai" typeface="Angsana New"/>
+        <a:font script="Ethi" typeface="Nyala"/>
+        <a:font script="Beng" typeface="Vrinda"/>
+        <a:font script="Gujr" typeface="Shruti"/>
+        <a:font script="Khmr" typeface="MoolBoran"/>
+        <a:font script="Knda" typeface="Tunga"/>
+        <a:font script="Guru" typeface="Raavi"/>
+        <a:font script="Cans" typeface="Euphemia"/>
+        <a:font script="Cher" typeface="Plantagenet Cherokee"/>
+        <a:font script="Yiii" typeface="Microsoft Yi Baiti"/>
+        <a:font script="Tibt" typeface="Microsoft Himalaya"/>
+        <a:font script="Thaa" typeface="MV Boli"/>
+        <a:font script="Deva" typeface="Mangal"/>
+        <a:font script="Telu" typeface="Gautami"/>
+        <a:font script="Taml" typeface="Latha"/>
+        <a:font script="Syrc" typeface="Estrangelo Edessa"/>
+        <a:font script="Orya" typeface="Kalinga"/>
+        <a:font script="Mlym" typeface="Kartika"/>
+        <a:font script="Laoo" typeface="DokChampa"/>
+        <a:font script="Sinh" typeface="Iskoola Pota"/>
+        <a:font script="Mong" typeface="Mongolian Baiti"/>
+        <a:font script="Viet" typeface="Times New Roman"/>
+        <a:font script="Uigh" typeface="Microsoft Uighur"/>
+        <a:font script="Geor" typeface="Sylfaen"/>
+      </a:majorFont>
+      <a:minorFont>
+        <a:latin typeface="Arial"/>
+        <a:ea typeface=""/>
+        <a:cs typeface=""/>
+        <a:font script="Jpan" typeface="ＭＳ Ｐゴシック"/>
+        <a:font script="Hang" typeface="맑은 고딕"/>
+        <a:font script="Hans" typeface="宋体"/>
+        <a:font script="Hant" typeface="新細明體"/>
+        <a:font script="Arab" typeface="Arial"/>
+        <a:font script="Hebr" typeface="Arial"/>
+        <a:font script="Thai" typeface="Cordia New"/>
+        <a:font script="Ethi" typeface="Nyala"/>
+        <a:font script="Beng" typeface="Vrinda"/>
+        <a:font script="Gujr" typeface="Shruti"/>
+        <a:font script="Khmr" typeface="DaunPenh"/>
+        <a:font script="Knda" typeface="Tunga"/>
+        <a:font script="Guru" typeface="Raavi"/>
+        <a:font script="Cans" typeface="Euphemia"/>
+        <a:font script="Cher" typeface="Plantagenet Cherokee"/>
+        <a:font script="Yiii" typeface="Microsoft Yi Baiti"/>
+        <a:font script="Tibt" typeface="Microsoft Himalaya"/>
+        <a:font script="Thaa" typeface="MV Boli"/>
+        <a:font script="Deva" typeface="Mangal"/>
+        <a:font script="Telu" typeface="Gautami"/>
+        <a:font script="Taml" typeface="Latha"/>
+        <a:font script="Syrc" typeface="Estrangelo Edessa"/>
+        <a:font script="Orya" typeface="Kalinga"/>
+        <a:font script="Mlym" typeface="Kartika"/>
+        <a:font script="Laoo" typeface="DokChampa"/>
+        <a:font script="Sinh" typeface="Iskoola Pota"/>
+        <a:font script="Mong" typeface="Mongolian Baiti"/>
+        <a:font script="Viet" typeface="Arial"/>
+        <a:font script="Uigh" typeface="Microsoft Uighur"/>
+        <a:font script="Geor" typeface="Sylfaen"/>
+      </a:minorFont>
+    </a:fontScheme>
+    <a:fmtScheme name="Office">
+      <a:fillStyleLst>
+        <a:solidFill>
+          <a:schemeClr val="phClr"/>
+        </a:solidFill>
+        <a:gradFill rotWithShape="1">
+          <a:gsLst>
+            <a:gs pos="0">
+              <a:schemeClr val="phClr">
+                <a:tint val="50000"/>
+                <a:satMod val="300000"/>
+              </a:schemeClr>
+            </a:gs>
+            <a:gs pos="35000">
+              <a:schemeClr val="phClr">
+                <a:tint val="37000"/>
+                <a:satMod val="300000"/>
+              </a:schemeClr>
+            </a:gs>
+            <a:gs pos="100000">
+              <a:schemeClr val="phClr">
+                <a:tint val="15000"/>
+                <a:satMod val="350000"/>
+              </a:schemeClr>
+            </a:gs>
+          </a:gsLst>
+          <a:lin ang="16200000" scaled="1"/>
+        </a:gradFill>
+        <a:gradFill rotWithShape="1">
+          <a:gsLst>
+            <a:gs pos="0">
+              <a:schemeClr val="phClr">
+                <a:tint val="100000"/>
+                <a:shade val="100000"/>
+                <a:satMod val="130000"/>
+              </a:schemeClr>
+            </a:gs>
+            <a:gs pos="100000">
+              <a:schemeClr val="phClr">
+                <a:tint val="50000"/>
+                <a:shade val="100000"/>
+                <a:satMod val="350000"/>
+              </a:schemeClr>
+            </a:gs>
+          </a:gsLst>
+          <a:lin ang="16200000" scaled="0"/>
+        </a:gradFill>
+      </a:fillStyleLst>
+      <a:lnStyleLst>
+        <a:ln w="9525" cap="flat" cmpd="sng" algn="ctr">
+          <a:solidFill>
+            <a:schemeClr val="phClr">
+              <a:shade val="95000"/>
+              <a:satMod val="105000"/>
+            </a:schemeClr>
+          </a:solidFill>
+          <a:prstDash val="solid"/>
+        </a:ln>
+        <a:ln w="25400" cap="flat" cmpd="sng" algn="ctr">
+          <a:solidFill>
+            <a:schemeClr val="phClr"/>
+          </a:solidFill>
+          <a:prstDash val="solid"/>
+        </a:ln>
+        <a:ln w="38100" cap="flat" cmpd="sng" algn="ctr">
+          <a:solidFill>
+            <a:schemeClr val="phClr"/>
+          </a:solidFill>
+          <a:prstDash val="solid"/>
+        </a:ln>
+      </a:lnStyleLst>
+      <a:effectStyleLst>
+        <a:effectStyle>
+          <a:effectLst>
+            <a:outerShdw blurRad="40000" dist="20000" dir="5400000" rotWithShape="0">
+              <a:srgbClr val="000000">
+                <a:alpha val="38000"/>
+              </a:srgbClr>
+            </a:outerShdw>
+          </a:effectLst>
+        </a:effectStyle>
+        <a:effectStyle>
+          <a:effectLst>
+            <a:outerShdw blurRad="40000" dist="23000" dir="5400000" rotWithShape="0">
+              <a:srgbClr val="000000">
+                <a:alpha val="35000"/>
+              </a:srgbClr>
+            </a:outerShdw>
+          </a:effectLst>
+        </a:effectStyle>
+        <a:effectStyle>
+          <a:effectLst>
+            <a:outerShdw blurRad="40000" dist="23000" dir="5400000" rotWithShape="0">
+              <a:srgbClr val="000000">
+                <a:alpha val="35000"/>
+              </a:srgbClr>
+            </a:outerShdw>
+          </a:effectLst>
+          <a:scene3d>
+            <a:camera prst="orthographicFront">
+              <a:rot lat="0" lon="0" rev="0"/>
+            </a:camera>
+            <a:lightRig rig="threePt" dir="t">
+              <a:rot lat="0" lon="0" rev="1200000"/>
+            </a:lightRig>
+          </a:scene3d>
+          <a:sp3d>
+            <a:bevelT w="63500" h="25400"/>
+          </a:sp3d>
+        </a:effectStyle>
+      </a:effectStyleLst>
+      <a:bgFillStyleLst>
+        <a:solidFill>
+          <a:schemeClr val="phClr"/>
+        </a:solidFill>
+        <a:gradFill rotWithShape="1">
+          <a:gsLst>
+            <a:gs pos="0">
+              <a:schemeClr val="phClr">
+                <a:tint val="40000"/>
+                <a:satMod val="350000"/>
+              </a:schemeClr>
+            </a:gs>
+            <a:gs pos="40000">
+              <a:schemeClr val="phClr">
+                <a:tint val="45000"/>
+                <a:shade val="99000"/>
+                <a:satMod val="350000"/>
+              </a:schemeClr>
+            </a:gs>
+            <a:gs pos="100000">
+              <a:schemeClr val="phClr">
+                <a:shade val="20000"/>
+                <a:satMod val="255000"/>
+              </a:schemeClr>
+            </a:gs>
+          </a:gsLst>
+          <a:path path="circle">
+            <a:fillToRect l="50000" t="-80000" r="50000" b="180000"/>
+          </a:path>
+        </a:gradFill>
+        <a:gradFill rotWithShape="1">
+          <a:gsLst>
+            <a:gs pos="0">
+              <a:schemeClr val="phClr">
+                <a:tint val="80000"/>
+                <a:satMod val="300000"/>
+              </a:schemeClr>
+            </a:gs>
+            <a:gs pos="100000">
+              <a:schemeClr val="phClr">
+                <a:shade val="30000"/>
+                <a:satMod val="200000"/>
+              </a:schemeClr>
+            </a:gs>
+          </a:gsLst>
+          <a:path path="circle">
+            <a:fillToRect l="50000" t="50000" r="50000" b="50000"/>
+          </a:path>
+        </a:gradFill>
+      </a:bgFillStyleLst>
+    </a:fmtScheme>
+  </a:themeElements>
+</a:theme>
+</file>
+
+<file path=ppt/theme/theme2.xml><?xml version="1.0" encoding="utf-8"?>
 <a:theme xmlns:a="http://schemas.openxmlformats.org/drawingml/2006/main" xmlns:r="http://schemas.openxmlformats.org/officeDocument/2006/relationships" name="Shift">
   <a:themeElements>
     <a:clrScheme name="Shift">
@@ -20153,283 +28971,4 @@
     </a:fmtScheme>
   </a:themeElements>
 </a:theme>
-</file>
-
-<file path=ppt/theme/theme2.xml><?xml version="1.0" encoding="utf-8"?>
-<a:theme xmlns:a="http://schemas.openxmlformats.org/drawingml/2006/main" xmlns:r="http://schemas.openxmlformats.org/officeDocument/2006/relationships">
-  <a:themeElements>
-    <a:clrScheme name="Default">
-      <a:dk1>
-        <a:srgbClr val="000000"/>
-      </a:dk1>
-      <a:lt1>
-        <a:srgbClr val="FFFFFF"/>
-      </a:lt1>
-      <a:dk2>
-        <a:srgbClr val="158158"/>
-      </a:dk2>
-      <a:lt2>
-        <a:srgbClr val="F3F3F3"/>
-      </a:lt2>
-      <a:accent1>
-        <a:srgbClr val="058DC7"/>
-      </a:accent1>
-      <a:accent2>
-        <a:srgbClr val="50B432"/>
-      </a:accent2>
-      <a:accent3>
-        <a:srgbClr val="ED561B"/>
-      </a:accent3>
-      <a:accent4>
-        <a:srgbClr val="EDEF00"/>
-      </a:accent4>
-      <a:accent5>
-        <a:srgbClr val="24CBE5"/>
-      </a:accent5>
-      <a:accent6>
-        <a:srgbClr val="64E572"/>
-      </a:accent6>
-      <a:hlink>
-        <a:srgbClr val="2200CC"/>
-      </a:hlink>
-      <a:folHlink>
-        <a:srgbClr val="551A8B"/>
-      </a:folHlink>
-    </a:clrScheme>
-    <a:fontScheme name="Office">
-      <a:majorFont>
-        <a:latin typeface="Arial"/>
-        <a:ea typeface=""/>
-        <a:cs typeface=""/>
-        <a:font script="Jpan" typeface="ＭＳ Ｐゴシック"/>
-        <a:font script="Hang" typeface="맑은 고딕"/>
-        <a:font script="Hans" typeface="宋体"/>
-        <a:font script="Hant" typeface="新細明體"/>
-        <a:font script="Arab" typeface="Times New Roman"/>
-        <a:font script="Hebr" typeface="Times New Roman"/>
-        <a:font script="Thai" typeface="Angsana New"/>
-        <a:font script="Ethi" typeface="Nyala"/>
-        <a:font script="Beng" typeface="Vrinda"/>
-        <a:font script="Gujr" typeface="Shruti"/>
-        <a:font script="Khmr" typeface="MoolBoran"/>
-        <a:font script="Knda" typeface="Tunga"/>
-        <a:font script="Guru" typeface="Raavi"/>
-        <a:font script="Cans" typeface="Euphemia"/>
-        <a:font script="Cher" typeface="Plantagenet Cherokee"/>
-        <a:font script="Yiii" typeface="Microsoft Yi Baiti"/>
-        <a:font script="Tibt" typeface="Microsoft Himalaya"/>
-        <a:font script="Thaa" typeface="MV Boli"/>
-        <a:font script="Deva" typeface="Mangal"/>
-        <a:font script="Telu" typeface="Gautami"/>
-        <a:font script="Taml" typeface="Latha"/>
-        <a:font script="Syrc" typeface="Estrangelo Edessa"/>
-        <a:font script="Orya" typeface="Kalinga"/>
-        <a:font script="Mlym" typeface="Kartika"/>
-        <a:font script="Laoo" typeface="DokChampa"/>
-        <a:font script="Sinh" typeface="Iskoola Pota"/>
-        <a:font script="Mong" typeface="Mongolian Baiti"/>
-        <a:font script="Viet" typeface="Times New Roman"/>
-        <a:font script="Uigh" typeface="Microsoft Uighur"/>
-        <a:font script="Geor" typeface="Sylfaen"/>
-      </a:majorFont>
-      <a:minorFont>
-        <a:latin typeface="Arial"/>
-        <a:ea typeface=""/>
-        <a:cs typeface=""/>
-        <a:font script="Jpan" typeface="ＭＳ Ｐゴシック"/>
-        <a:font script="Hang" typeface="맑은 고딕"/>
-        <a:font script="Hans" typeface="宋体"/>
-        <a:font script="Hant" typeface="新細明體"/>
-        <a:font script="Arab" typeface="Arial"/>
-        <a:font script="Hebr" typeface="Arial"/>
-        <a:font script="Thai" typeface="Cordia New"/>
-        <a:font script="Ethi" typeface="Nyala"/>
-        <a:font script="Beng" typeface="Vrinda"/>
-        <a:font script="Gujr" typeface="Shruti"/>
-        <a:font script="Khmr" typeface="DaunPenh"/>
-        <a:font script="Knda" typeface="Tunga"/>
-        <a:font script="Guru" typeface="Raavi"/>
-        <a:font script="Cans" typeface="Euphemia"/>
-        <a:font script="Cher" typeface="Plantagenet Cherokee"/>
-        <a:font script="Yiii" typeface="Microsoft Yi Baiti"/>
-        <a:font script="Tibt" typeface="Microsoft Himalaya"/>
-        <a:font script="Thaa" typeface="MV Boli"/>
-        <a:font script="Deva" typeface="Mangal"/>
-        <a:font script="Telu" typeface="Gautami"/>
-        <a:font script="Taml" typeface="Latha"/>
-        <a:font script="Syrc" typeface="Estrangelo Edessa"/>
-        <a:font script="Orya" typeface="Kalinga"/>
-        <a:font script="Mlym" typeface="Kartika"/>
-        <a:font script="Laoo" typeface="DokChampa"/>
-        <a:font script="Sinh" typeface="Iskoola Pota"/>
-        <a:font script="Mong" typeface="Mongolian Baiti"/>
-        <a:font script="Viet" typeface="Arial"/>
-        <a:font script="Uigh" typeface="Microsoft Uighur"/>
-        <a:font script="Geor" typeface="Sylfaen"/>
-      </a:minorFont>
-    </a:fontScheme>
-    <a:fmtScheme name="Office">
-      <a:fillStyleLst>
-        <a:solidFill>
-          <a:schemeClr val="phClr"/>
-        </a:solidFill>
-        <a:gradFill rotWithShape="1">
-          <a:gsLst>
-            <a:gs pos="0">
-              <a:schemeClr val="phClr">
-                <a:tint val="50000"/>
-                <a:satMod val="300000"/>
-              </a:schemeClr>
-            </a:gs>
-            <a:gs pos="35000">
-              <a:schemeClr val="phClr">
-                <a:tint val="37000"/>
-                <a:satMod val="300000"/>
-              </a:schemeClr>
-            </a:gs>
-            <a:gs pos="100000">
-              <a:schemeClr val="phClr">
-                <a:tint val="15000"/>
-                <a:satMod val="350000"/>
-              </a:schemeClr>
-            </a:gs>
-          </a:gsLst>
-          <a:lin ang="16200000" scaled="1"/>
-        </a:gradFill>
-        <a:gradFill rotWithShape="1">
-          <a:gsLst>
-            <a:gs pos="0">
-              <a:schemeClr val="phClr">
-                <a:tint val="100000"/>
-                <a:shade val="100000"/>
-                <a:satMod val="130000"/>
-              </a:schemeClr>
-            </a:gs>
-            <a:gs pos="100000">
-              <a:schemeClr val="phClr">
-                <a:tint val="50000"/>
-                <a:shade val="100000"/>
-                <a:satMod val="350000"/>
-              </a:schemeClr>
-            </a:gs>
-          </a:gsLst>
-          <a:lin ang="16200000" scaled="0"/>
-        </a:gradFill>
-      </a:fillStyleLst>
-      <a:lnStyleLst>
-        <a:ln w="9525" cap="flat" cmpd="sng" algn="ctr">
-          <a:solidFill>
-            <a:schemeClr val="phClr">
-              <a:shade val="95000"/>
-              <a:satMod val="105000"/>
-            </a:schemeClr>
-          </a:solidFill>
-          <a:prstDash val="solid"/>
-        </a:ln>
-        <a:ln w="25400" cap="flat" cmpd="sng" algn="ctr">
-          <a:solidFill>
-            <a:schemeClr val="phClr"/>
-          </a:solidFill>
-          <a:prstDash val="solid"/>
-        </a:ln>
-        <a:ln w="38100" cap="flat" cmpd="sng" algn="ctr">
-          <a:solidFill>
-            <a:schemeClr val="phClr"/>
-          </a:solidFill>
-          <a:prstDash val="solid"/>
-        </a:ln>
-      </a:lnStyleLst>
-      <a:effectStyleLst>
-        <a:effectStyle>
-          <a:effectLst>
-            <a:outerShdw blurRad="40000" dist="20000" dir="5400000" rotWithShape="0">
-              <a:srgbClr val="000000">
-                <a:alpha val="38000"/>
-              </a:srgbClr>
-            </a:outerShdw>
-          </a:effectLst>
-        </a:effectStyle>
-        <a:effectStyle>
-          <a:effectLst>
-            <a:outerShdw blurRad="40000" dist="23000" dir="5400000" rotWithShape="0">
-              <a:srgbClr val="000000">
-                <a:alpha val="35000"/>
-              </a:srgbClr>
-            </a:outerShdw>
-          </a:effectLst>
-        </a:effectStyle>
-        <a:effectStyle>
-          <a:effectLst>
-            <a:outerShdw blurRad="40000" dist="23000" dir="5400000" rotWithShape="0">
-              <a:srgbClr val="000000">
-                <a:alpha val="35000"/>
-              </a:srgbClr>
-            </a:outerShdw>
-          </a:effectLst>
-          <a:scene3d>
-            <a:camera prst="orthographicFront">
-              <a:rot lat="0" lon="0" rev="0"/>
-            </a:camera>
-            <a:lightRig rig="threePt" dir="t">
-              <a:rot lat="0" lon="0" rev="1200000"/>
-            </a:lightRig>
-          </a:scene3d>
-          <a:sp3d>
-            <a:bevelT w="63500" h="25400"/>
-          </a:sp3d>
-        </a:effectStyle>
-      </a:effectStyleLst>
-      <a:bgFillStyleLst>
-        <a:solidFill>
-          <a:schemeClr val="phClr"/>
-        </a:solidFill>
-        <a:gradFill rotWithShape="1">
-          <a:gsLst>
-            <a:gs pos="0">
-              <a:schemeClr val="phClr">
-                <a:tint val="40000"/>
-                <a:satMod val="350000"/>
-              </a:schemeClr>
-            </a:gs>
-            <a:gs pos="40000">
-              <a:schemeClr val="phClr">
-                <a:tint val="45000"/>
-                <a:shade val="99000"/>
-                <a:satMod val="350000"/>
-              </a:schemeClr>
-            </a:gs>
-            <a:gs pos="100000">
-              <a:schemeClr val="phClr">
-                <a:shade val="20000"/>
-                <a:satMod val="255000"/>
-              </a:schemeClr>
-            </a:gs>
-          </a:gsLst>
-          <a:path path="circle">
-            <a:fillToRect l="50000" t="-80000" r="50000" b="180000"/>
-          </a:path>
-        </a:gradFill>
-        <a:gradFill rotWithShape="1">
-          <a:gsLst>
-            <a:gs pos="0">
-              <a:schemeClr val="phClr">
-                <a:tint val="80000"/>
-                <a:satMod val="300000"/>
-              </a:schemeClr>
-            </a:gs>
-            <a:gs pos="100000">
-              <a:schemeClr val="phClr">
-                <a:shade val="30000"/>
-                <a:satMod val="200000"/>
-              </a:schemeClr>
-            </a:gs>
-          </a:gsLst>
-          <a:path path="circle">
-            <a:fillToRect l="50000" t="50000" r="50000" b="50000"/>
-          </a:path>
-        </a:gradFill>
-      </a:bgFillStyleLst>
-    </a:fmtScheme>
-  </a:themeElements>
-</a:theme>
 </file>